--- a/documents/中間発表.pptx
+++ b/documents/中間発表.pptx
@@ -5,14 +5,21 @@
     <p:sldMasterId id="2147484388" r:id="rId1"/>
   </p:sldMasterIdLst>
   <p:notesMasterIdLst>
-    <p:notesMasterId r:id="rId7"/>
+    <p:notesMasterId r:id="rId14"/>
   </p:notesMasterIdLst>
   <p:sldIdLst>
     <p:sldId id="256" r:id="rId2"/>
     <p:sldId id="257" r:id="rId3"/>
     <p:sldId id="262" r:id="rId4"/>
-    <p:sldId id="259" r:id="rId5"/>
-    <p:sldId id="263" r:id="rId6"/>
+    <p:sldId id="268" r:id="rId5"/>
+    <p:sldId id="269" r:id="rId6"/>
+    <p:sldId id="259" r:id="rId7"/>
+    <p:sldId id="263" r:id="rId8"/>
+    <p:sldId id="264" r:id="rId9"/>
+    <p:sldId id="265" r:id="rId10"/>
+    <p:sldId id="266" r:id="rId11"/>
+    <p:sldId id="270" r:id="rId12"/>
+    <p:sldId id="267" r:id="rId13"/>
   </p:sldIdLst>
   <p:sldSz cx="12192000" cy="6858000"/>
   <p:notesSz cx="6858000" cy="9144000"/>
@@ -111,6 +118,14 @@
       </a:defRPr>
     </a:lvl9pPr>
   </p:defaultTextStyle>
+  <p:extLst>
+    <p:ext uri="{EFAFB233-063F-42B5-8137-9DF3F51BA10A}">
+      <p15:sldGuideLst xmlns:p15="http://schemas.microsoft.com/office/powerpoint/2012/main"/>
+    </p:ext>
+    <p:ext uri="{2D200454-40CA-4A62-9FC3-DE9A4176ACB9}">
+      <p15:notesGuideLst xmlns:p15="http://schemas.microsoft.com/office/powerpoint/2012/main"/>
+    </p:ext>
+  </p:extLst>
 </p:presentation>
 </file>
 
@@ -196,7 +211,7 @@
           <a:p>
             <a:fld id="{C9540F8B-B2B5-6049-B6DD-082E7C2B9020}" type="datetimeFigureOut">
               <a:rPr kumimoji="1" lang="ja-JP" altLang="en-US" smtClean="0"/>
-              <a:t>2017/10/22</a:t>
+              <a:t>2017/10/26</a:t>
             </a:fld>
             <a:endParaRPr kumimoji="1" lang="ja-JP" altLang="en-US"/>
           </a:p>
@@ -790,7 +805,7 @@
           <a:p>
             <a:fld id="{0E8EB6FD-EB11-114E-8670-0D49D54363EE}" type="slidenum">
               <a:rPr kumimoji="1" lang="ja-JP" altLang="en-US" smtClean="0"/>
-              <a:t>4</a:t>
+              <a:t>6</a:t>
             </a:fld>
             <a:endParaRPr kumimoji="1" lang="ja-JP" altLang="en-US"/>
           </a:p>
@@ -874,7 +889,7 @@
           <a:p>
             <a:fld id="{0E8EB6FD-EB11-114E-8670-0D49D54363EE}" type="slidenum">
               <a:rPr kumimoji="1" lang="ja-JP" altLang="en-US" smtClean="0"/>
-              <a:t>5</a:t>
+              <a:t>7</a:t>
             </a:fld>
             <a:endParaRPr kumimoji="1" lang="ja-JP" altLang="en-US"/>
           </a:p>
@@ -884,6 +899,426 @@
     <p:extLst>
       <p:ext uri="{BB962C8B-B14F-4D97-AF65-F5344CB8AC3E}">
         <p14:creationId xmlns:p14="http://schemas.microsoft.com/office/powerpoint/2010/main" val="1409757721"/>
+      </p:ext>
+    </p:extLst>
+  </p:cSld>
+  <p:clrMapOvr>
+    <a:masterClrMapping/>
+  </p:clrMapOvr>
+</p:notes>
+</file>
+
+<file path=ppt/notesSlides/notesSlide4.xml><?xml version="1.0" encoding="utf-8"?>
+<p:notes xmlns:a="http://schemas.openxmlformats.org/drawingml/2006/main" xmlns:r="http://schemas.openxmlformats.org/officeDocument/2006/relationships" xmlns:p="http://schemas.openxmlformats.org/presentationml/2006/main">
+  <p:cSld>
+    <p:spTree>
+      <p:nvGrpSpPr>
+        <p:cNvPr id="1" name=""/>
+        <p:cNvGrpSpPr/>
+        <p:nvPr/>
+      </p:nvGrpSpPr>
+      <p:grpSpPr>
+        <a:xfrm>
+          <a:off x="0" y="0"/>
+          <a:ext cx="0" cy="0"/>
+          <a:chOff x="0" y="0"/>
+          <a:chExt cx="0" cy="0"/>
+        </a:xfrm>
+      </p:grpSpPr>
+      <p:sp>
+        <p:nvSpPr>
+          <p:cNvPr id="2" name="スライド イメージ プレースホルダー 1"/>
+          <p:cNvSpPr>
+            <a:spLocks noGrp="1" noRot="1" noChangeAspect="1"/>
+          </p:cNvSpPr>
+          <p:nvPr>
+            <p:ph type="sldImg"/>
+          </p:nvPr>
+        </p:nvSpPr>
+        <p:spPr/>
+      </p:sp>
+      <p:sp>
+        <p:nvSpPr>
+          <p:cNvPr id="3" name="ノート プレースホルダー 2"/>
+          <p:cNvSpPr>
+            <a:spLocks noGrp="1"/>
+          </p:cNvSpPr>
+          <p:nvPr>
+            <p:ph type="body" idx="1"/>
+          </p:nvPr>
+        </p:nvSpPr>
+        <p:spPr/>
+        <p:txBody>
+          <a:bodyPr/>
+          <a:lstStyle/>
+          <a:p>
+            <a:endParaRPr kumimoji="1" lang="ja-JP" altLang="en-US" dirty="0"/>
+          </a:p>
+        </p:txBody>
+      </p:sp>
+      <p:sp>
+        <p:nvSpPr>
+          <p:cNvPr id="4" name="スライド番号プレースホルダー 3"/>
+          <p:cNvSpPr>
+            <a:spLocks noGrp="1"/>
+          </p:cNvSpPr>
+          <p:nvPr>
+            <p:ph type="sldNum" sz="quarter" idx="10"/>
+          </p:nvPr>
+        </p:nvSpPr>
+        <p:spPr/>
+        <p:txBody>
+          <a:bodyPr/>
+          <a:lstStyle/>
+          <a:p>
+            <a:fld id="{0E8EB6FD-EB11-114E-8670-0D49D54363EE}" type="slidenum">
+              <a:rPr kumimoji="1" lang="ja-JP" altLang="en-US" smtClean="0"/>
+              <a:t>8</a:t>
+            </a:fld>
+            <a:endParaRPr kumimoji="1" lang="ja-JP" altLang="en-US"/>
+          </a:p>
+        </p:txBody>
+      </p:sp>
+    </p:spTree>
+    <p:extLst>
+      <p:ext uri="{BB962C8B-B14F-4D97-AF65-F5344CB8AC3E}">
+        <p14:creationId xmlns:p14="http://schemas.microsoft.com/office/powerpoint/2010/main" val="35286937"/>
+      </p:ext>
+    </p:extLst>
+  </p:cSld>
+  <p:clrMapOvr>
+    <a:masterClrMapping/>
+  </p:clrMapOvr>
+</p:notes>
+</file>
+
+<file path=ppt/notesSlides/notesSlide5.xml><?xml version="1.0" encoding="utf-8"?>
+<p:notes xmlns:a="http://schemas.openxmlformats.org/drawingml/2006/main" xmlns:r="http://schemas.openxmlformats.org/officeDocument/2006/relationships" xmlns:p="http://schemas.openxmlformats.org/presentationml/2006/main">
+  <p:cSld>
+    <p:spTree>
+      <p:nvGrpSpPr>
+        <p:cNvPr id="1" name=""/>
+        <p:cNvGrpSpPr/>
+        <p:nvPr/>
+      </p:nvGrpSpPr>
+      <p:grpSpPr>
+        <a:xfrm>
+          <a:off x="0" y="0"/>
+          <a:ext cx="0" cy="0"/>
+          <a:chOff x="0" y="0"/>
+          <a:chExt cx="0" cy="0"/>
+        </a:xfrm>
+      </p:grpSpPr>
+      <p:sp>
+        <p:nvSpPr>
+          <p:cNvPr id="2" name="スライド イメージ プレースホルダー 1"/>
+          <p:cNvSpPr>
+            <a:spLocks noGrp="1" noRot="1" noChangeAspect="1"/>
+          </p:cNvSpPr>
+          <p:nvPr>
+            <p:ph type="sldImg"/>
+          </p:nvPr>
+        </p:nvSpPr>
+        <p:spPr/>
+      </p:sp>
+      <p:sp>
+        <p:nvSpPr>
+          <p:cNvPr id="3" name="ノート プレースホルダー 2"/>
+          <p:cNvSpPr>
+            <a:spLocks noGrp="1"/>
+          </p:cNvSpPr>
+          <p:nvPr>
+            <p:ph type="body" idx="1"/>
+          </p:nvPr>
+        </p:nvSpPr>
+        <p:spPr/>
+        <p:txBody>
+          <a:bodyPr/>
+          <a:lstStyle/>
+          <a:p>
+            <a:endParaRPr kumimoji="1" lang="ja-JP" altLang="en-US" dirty="0"/>
+          </a:p>
+        </p:txBody>
+      </p:sp>
+      <p:sp>
+        <p:nvSpPr>
+          <p:cNvPr id="4" name="スライド番号プレースホルダー 3"/>
+          <p:cNvSpPr>
+            <a:spLocks noGrp="1"/>
+          </p:cNvSpPr>
+          <p:nvPr>
+            <p:ph type="sldNum" sz="quarter" idx="10"/>
+          </p:nvPr>
+        </p:nvSpPr>
+        <p:spPr/>
+        <p:txBody>
+          <a:bodyPr/>
+          <a:lstStyle/>
+          <a:p>
+            <a:fld id="{0E8EB6FD-EB11-114E-8670-0D49D54363EE}" type="slidenum">
+              <a:rPr kumimoji="1" lang="ja-JP" altLang="en-US" smtClean="0"/>
+              <a:t>9</a:t>
+            </a:fld>
+            <a:endParaRPr kumimoji="1" lang="ja-JP" altLang="en-US"/>
+          </a:p>
+        </p:txBody>
+      </p:sp>
+    </p:spTree>
+    <p:extLst>
+      <p:ext uri="{BB962C8B-B14F-4D97-AF65-F5344CB8AC3E}">
+        <p14:creationId xmlns:p14="http://schemas.microsoft.com/office/powerpoint/2010/main" val="715937396"/>
+      </p:ext>
+    </p:extLst>
+  </p:cSld>
+  <p:clrMapOvr>
+    <a:masterClrMapping/>
+  </p:clrMapOvr>
+</p:notes>
+</file>
+
+<file path=ppt/notesSlides/notesSlide6.xml><?xml version="1.0" encoding="utf-8"?>
+<p:notes xmlns:a="http://schemas.openxmlformats.org/drawingml/2006/main" xmlns:r="http://schemas.openxmlformats.org/officeDocument/2006/relationships" xmlns:p="http://schemas.openxmlformats.org/presentationml/2006/main">
+  <p:cSld>
+    <p:spTree>
+      <p:nvGrpSpPr>
+        <p:cNvPr id="1" name=""/>
+        <p:cNvGrpSpPr/>
+        <p:nvPr/>
+      </p:nvGrpSpPr>
+      <p:grpSpPr>
+        <a:xfrm>
+          <a:off x="0" y="0"/>
+          <a:ext cx="0" cy="0"/>
+          <a:chOff x="0" y="0"/>
+          <a:chExt cx="0" cy="0"/>
+        </a:xfrm>
+      </p:grpSpPr>
+      <p:sp>
+        <p:nvSpPr>
+          <p:cNvPr id="2" name="スライド イメージ プレースホルダー 1"/>
+          <p:cNvSpPr>
+            <a:spLocks noGrp="1" noRot="1" noChangeAspect="1"/>
+          </p:cNvSpPr>
+          <p:nvPr>
+            <p:ph type="sldImg"/>
+          </p:nvPr>
+        </p:nvSpPr>
+        <p:spPr/>
+      </p:sp>
+      <p:sp>
+        <p:nvSpPr>
+          <p:cNvPr id="3" name="ノート プレースホルダー 2"/>
+          <p:cNvSpPr>
+            <a:spLocks noGrp="1"/>
+          </p:cNvSpPr>
+          <p:nvPr>
+            <p:ph type="body" idx="1"/>
+          </p:nvPr>
+        </p:nvSpPr>
+        <p:spPr/>
+        <p:txBody>
+          <a:bodyPr/>
+          <a:lstStyle/>
+          <a:p>
+            <a:endParaRPr kumimoji="1" lang="ja-JP" altLang="en-US" dirty="0"/>
+          </a:p>
+        </p:txBody>
+      </p:sp>
+      <p:sp>
+        <p:nvSpPr>
+          <p:cNvPr id="4" name="スライド番号プレースホルダー 3"/>
+          <p:cNvSpPr>
+            <a:spLocks noGrp="1"/>
+          </p:cNvSpPr>
+          <p:nvPr>
+            <p:ph type="sldNum" sz="quarter" idx="10"/>
+          </p:nvPr>
+        </p:nvSpPr>
+        <p:spPr/>
+        <p:txBody>
+          <a:bodyPr/>
+          <a:lstStyle/>
+          <a:p>
+            <a:fld id="{0E8EB6FD-EB11-114E-8670-0D49D54363EE}" type="slidenum">
+              <a:rPr kumimoji="1" lang="ja-JP" altLang="en-US" smtClean="0"/>
+              <a:t>10</a:t>
+            </a:fld>
+            <a:endParaRPr kumimoji="1" lang="ja-JP" altLang="en-US"/>
+          </a:p>
+        </p:txBody>
+      </p:sp>
+    </p:spTree>
+    <p:extLst>
+      <p:ext uri="{BB962C8B-B14F-4D97-AF65-F5344CB8AC3E}">
+        <p14:creationId xmlns:p14="http://schemas.microsoft.com/office/powerpoint/2010/main" val="687780471"/>
+      </p:ext>
+    </p:extLst>
+  </p:cSld>
+  <p:clrMapOvr>
+    <a:masterClrMapping/>
+  </p:clrMapOvr>
+</p:notes>
+</file>
+
+<file path=ppt/notesSlides/notesSlide7.xml><?xml version="1.0" encoding="utf-8"?>
+<p:notes xmlns:a="http://schemas.openxmlformats.org/drawingml/2006/main" xmlns:r="http://schemas.openxmlformats.org/officeDocument/2006/relationships" xmlns:p="http://schemas.openxmlformats.org/presentationml/2006/main">
+  <p:cSld>
+    <p:spTree>
+      <p:nvGrpSpPr>
+        <p:cNvPr id="1" name=""/>
+        <p:cNvGrpSpPr/>
+        <p:nvPr/>
+      </p:nvGrpSpPr>
+      <p:grpSpPr>
+        <a:xfrm>
+          <a:off x="0" y="0"/>
+          <a:ext cx="0" cy="0"/>
+          <a:chOff x="0" y="0"/>
+          <a:chExt cx="0" cy="0"/>
+        </a:xfrm>
+      </p:grpSpPr>
+      <p:sp>
+        <p:nvSpPr>
+          <p:cNvPr id="2" name="スライド イメージ プレースホルダー 1"/>
+          <p:cNvSpPr>
+            <a:spLocks noGrp="1" noRot="1" noChangeAspect="1"/>
+          </p:cNvSpPr>
+          <p:nvPr>
+            <p:ph type="sldImg"/>
+          </p:nvPr>
+        </p:nvSpPr>
+        <p:spPr/>
+      </p:sp>
+      <p:sp>
+        <p:nvSpPr>
+          <p:cNvPr id="3" name="ノート プレースホルダー 2"/>
+          <p:cNvSpPr>
+            <a:spLocks noGrp="1"/>
+          </p:cNvSpPr>
+          <p:nvPr>
+            <p:ph type="body" idx="1"/>
+          </p:nvPr>
+        </p:nvSpPr>
+        <p:spPr/>
+        <p:txBody>
+          <a:bodyPr/>
+          <a:lstStyle/>
+          <a:p>
+            <a:endParaRPr kumimoji="1" lang="ja-JP" altLang="en-US" dirty="0"/>
+          </a:p>
+        </p:txBody>
+      </p:sp>
+      <p:sp>
+        <p:nvSpPr>
+          <p:cNvPr id="4" name="スライド番号プレースホルダー 3"/>
+          <p:cNvSpPr>
+            <a:spLocks noGrp="1"/>
+          </p:cNvSpPr>
+          <p:nvPr>
+            <p:ph type="sldNum" sz="quarter" idx="10"/>
+          </p:nvPr>
+        </p:nvSpPr>
+        <p:spPr/>
+        <p:txBody>
+          <a:bodyPr/>
+          <a:lstStyle/>
+          <a:p>
+            <a:fld id="{0E8EB6FD-EB11-114E-8670-0D49D54363EE}" type="slidenum">
+              <a:rPr kumimoji="1" lang="ja-JP" altLang="en-US" smtClean="0"/>
+              <a:t>11</a:t>
+            </a:fld>
+            <a:endParaRPr kumimoji="1" lang="ja-JP" altLang="en-US"/>
+          </a:p>
+        </p:txBody>
+      </p:sp>
+    </p:spTree>
+    <p:extLst>
+      <p:ext uri="{BB962C8B-B14F-4D97-AF65-F5344CB8AC3E}">
+        <p14:creationId xmlns:p14="http://schemas.microsoft.com/office/powerpoint/2010/main" val="578637707"/>
+      </p:ext>
+    </p:extLst>
+  </p:cSld>
+  <p:clrMapOvr>
+    <a:masterClrMapping/>
+  </p:clrMapOvr>
+</p:notes>
+</file>
+
+<file path=ppt/notesSlides/notesSlide8.xml><?xml version="1.0" encoding="utf-8"?>
+<p:notes xmlns:a="http://schemas.openxmlformats.org/drawingml/2006/main" xmlns:r="http://schemas.openxmlformats.org/officeDocument/2006/relationships" xmlns:p="http://schemas.openxmlformats.org/presentationml/2006/main">
+  <p:cSld>
+    <p:spTree>
+      <p:nvGrpSpPr>
+        <p:cNvPr id="1" name=""/>
+        <p:cNvGrpSpPr/>
+        <p:nvPr/>
+      </p:nvGrpSpPr>
+      <p:grpSpPr>
+        <a:xfrm>
+          <a:off x="0" y="0"/>
+          <a:ext cx="0" cy="0"/>
+          <a:chOff x="0" y="0"/>
+          <a:chExt cx="0" cy="0"/>
+        </a:xfrm>
+      </p:grpSpPr>
+      <p:sp>
+        <p:nvSpPr>
+          <p:cNvPr id="2" name="スライド イメージ プレースホルダー 1"/>
+          <p:cNvSpPr>
+            <a:spLocks noGrp="1" noRot="1" noChangeAspect="1"/>
+          </p:cNvSpPr>
+          <p:nvPr>
+            <p:ph type="sldImg"/>
+          </p:nvPr>
+        </p:nvSpPr>
+        <p:spPr/>
+      </p:sp>
+      <p:sp>
+        <p:nvSpPr>
+          <p:cNvPr id="3" name="ノート プレースホルダー 2"/>
+          <p:cNvSpPr>
+            <a:spLocks noGrp="1"/>
+          </p:cNvSpPr>
+          <p:nvPr>
+            <p:ph type="body" idx="1"/>
+          </p:nvPr>
+        </p:nvSpPr>
+        <p:spPr/>
+        <p:txBody>
+          <a:bodyPr/>
+          <a:lstStyle/>
+          <a:p>
+            <a:endParaRPr kumimoji="1" lang="ja-JP" altLang="en-US" dirty="0"/>
+          </a:p>
+        </p:txBody>
+      </p:sp>
+      <p:sp>
+        <p:nvSpPr>
+          <p:cNvPr id="4" name="スライド番号プレースホルダー 3"/>
+          <p:cNvSpPr>
+            <a:spLocks noGrp="1"/>
+          </p:cNvSpPr>
+          <p:nvPr>
+            <p:ph type="sldNum" sz="quarter" idx="10"/>
+          </p:nvPr>
+        </p:nvSpPr>
+        <p:spPr/>
+        <p:txBody>
+          <a:bodyPr/>
+          <a:lstStyle/>
+          <a:p>
+            <a:fld id="{0E8EB6FD-EB11-114E-8670-0D49D54363EE}" type="slidenum">
+              <a:rPr kumimoji="1" lang="ja-JP" altLang="en-US" smtClean="0"/>
+              <a:t>12</a:t>
+            </a:fld>
+            <a:endParaRPr kumimoji="1" lang="ja-JP" altLang="en-US"/>
+          </a:p>
+        </p:txBody>
+      </p:sp>
+    </p:spTree>
+    <p:extLst>
+      <p:ext uri="{BB962C8B-B14F-4D97-AF65-F5344CB8AC3E}">
+        <p14:creationId xmlns:p14="http://schemas.microsoft.com/office/powerpoint/2010/main" val="560317750"/>
       </p:ext>
     </p:extLst>
   </p:cSld>
@@ -1032,7 +1467,7 @@
           <a:p>
             <a:fld id="{5BD1D3DF-0741-D243-8F4E-C896022EB0EE}" type="datetimeFigureOut">
               <a:rPr kumimoji="1" lang="ja-JP" altLang="en-US" smtClean="0"/>
-              <a:t>2017/10/22</a:t>
+              <a:t>2017/10/26</a:t>
             </a:fld>
             <a:endParaRPr kumimoji="1" lang="ja-JP" altLang="en-US"/>
           </a:p>
@@ -1282,7 +1717,7 @@
           <a:p>
             <a:fld id="{5BD1D3DF-0741-D243-8F4E-C896022EB0EE}" type="datetimeFigureOut">
               <a:rPr kumimoji="1" lang="ja-JP" altLang="en-US" smtClean="0"/>
-              <a:t>2017/10/22</a:t>
+              <a:t>2017/10/26</a:t>
             </a:fld>
             <a:endParaRPr kumimoji="1" lang="ja-JP" altLang="en-US"/>
           </a:p>
@@ -1531,7 +1966,7 @@
           <a:p>
             <a:fld id="{5BD1D3DF-0741-D243-8F4E-C896022EB0EE}" type="datetimeFigureOut">
               <a:rPr kumimoji="1" lang="ja-JP" altLang="en-US" smtClean="0"/>
-              <a:t>2017/10/22</a:t>
+              <a:t>2017/10/26</a:t>
             </a:fld>
             <a:endParaRPr kumimoji="1" lang="ja-JP" altLang="en-US"/>
           </a:p>
@@ -1764,7 +2199,7 @@
           <a:p>
             <a:fld id="{5BD1D3DF-0741-D243-8F4E-C896022EB0EE}" type="datetimeFigureOut">
               <a:rPr kumimoji="1" lang="ja-JP" altLang="en-US" smtClean="0"/>
-              <a:t>2017/10/22</a:t>
+              <a:t>2017/10/26</a:t>
             </a:fld>
             <a:endParaRPr kumimoji="1" lang="ja-JP" altLang="en-US"/>
           </a:p>
@@ -2134,7 +2569,7 @@
           <a:p>
             <a:fld id="{5BD1D3DF-0741-D243-8F4E-C896022EB0EE}" type="datetimeFigureOut">
               <a:rPr kumimoji="1" lang="ja-JP" altLang="en-US" smtClean="0"/>
-              <a:t>2017/10/22</a:t>
+              <a:t>2017/10/26</a:t>
             </a:fld>
             <a:endParaRPr kumimoji="1" lang="ja-JP" altLang="en-US"/>
           </a:p>
@@ -2466,7 +2901,7 @@
           <a:p>
             <a:fld id="{5BD1D3DF-0741-D243-8F4E-C896022EB0EE}" type="datetimeFigureOut">
               <a:rPr kumimoji="1" lang="ja-JP" altLang="en-US" smtClean="0"/>
-              <a:t>2017/10/22</a:t>
+              <a:t>2017/10/26</a:t>
             </a:fld>
             <a:endParaRPr kumimoji="1" lang="ja-JP" altLang="en-US"/>
           </a:p>
@@ -2948,7 +3383,7 @@
           <a:p>
             <a:fld id="{5BD1D3DF-0741-D243-8F4E-C896022EB0EE}" type="datetimeFigureOut">
               <a:rPr kumimoji="1" lang="ja-JP" altLang="en-US" smtClean="0"/>
-              <a:t>2017/10/22</a:t>
+              <a:t>2017/10/26</a:t>
             </a:fld>
             <a:endParaRPr kumimoji="1" lang="ja-JP" altLang="en-US"/>
           </a:p>
@@ -3099,7 +3534,7 @@
           <a:p>
             <a:fld id="{5BD1D3DF-0741-D243-8F4E-C896022EB0EE}" type="datetimeFigureOut">
               <a:rPr kumimoji="1" lang="ja-JP" altLang="en-US" smtClean="0"/>
-              <a:t>2017/10/22</a:t>
+              <a:t>2017/10/26</a:t>
             </a:fld>
             <a:endParaRPr kumimoji="1" lang="ja-JP" altLang="en-US"/>
           </a:p>
@@ -3227,7 +3662,7 @@
           <a:p>
             <a:fld id="{5BD1D3DF-0741-D243-8F4E-C896022EB0EE}" type="datetimeFigureOut">
               <a:rPr kumimoji="1" lang="ja-JP" altLang="en-US" smtClean="0"/>
-              <a:t>2017/10/22</a:t>
+              <a:t>2017/10/26</a:t>
             </a:fld>
             <a:endParaRPr kumimoji="1" lang="ja-JP" altLang="en-US"/>
           </a:p>
@@ -3510,7 +3945,7 @@
           <a:p>
             <a:fld id="{5BD1D3DF-0741-D243-8F4E-C896022EB0EE}" type="datetimeFigureOut">
               <a:rPr kumimoji="1" lang="ja-JP" altLang="en-US" smtClean="0"/>
-              <a:t>2017/10/22</a:t>
+              <a:t>2017/10/26</a:t>
             </a:fld>
             <a:endParaRPr kumimoji="1" lang="ja-JP" altLang="en-US"/>
           </a:p>
@@ -3955,7 +4390,7 @@
           <a:p>
             <a:fld id="{5BD1D3DF-0741-D243-8F4E-C896022EB0EE}" type="datetimeFigureOut">
               <a:rPr kumimoji="1" lang="ja-JP" altLang="en-US" smtClean="0"/>
-              <a:t>2017/10/22</a:t>
+              <a:t>2017/10/26</a:t>
             </a:fld>
             <a:endParaRPr kumimoji="1" lang="ja-JP" altLang="en-US"/>
           </a:p>
@@ -4288,7 +4723,7 @@
           <a:p>
             <a:fld id="{5BD1D3DF-0741-D243-8F4E-C896022EB0EE}" type="datetimeFigureOut">
               <a:rPr kumimoji="1" lang="ja-JP" altLang="en-US" smtClean="0"/>
-              <a:t>2017/10/22</a:t>
+              <a:t>2017/10/26</a:t>
             </a:fld>
             <a:endParaRPr kumimoji="1" lang="ja-JP" altLang="en-US"/>
           </a:p>
@@ -4902,6 +5337,1114 @@
 </p:sld>
 </file>
 
+<file path=ppt/slides/slide10.xml><?xml version="1.0" encoding="utf-8"?>
+<p:sld xmlns:a="http://schemas.openxmlformats.org/drawingml/2006/main" xmlns:r="http://schemas.openxmlformats.org/officeDocument/2006/relationships" xmlns:p="http://schemas.openxmlformats.org/presentationml/2006/main">
+  <p:cSld>
+    <p:bg>
+      <p:bgPr>
+        <a:gradFill rotWithShape="1">
+          <a:gsLst>
+            <a:gs pos="0">
+              <a:schemeClr val="bg2">
+                <a:tint val="94000"/>
+                <a:satMod val="80000"/>
+                <a:lumMod val="106000"/>
+              </a:schemeClr>
+            </a:gs>
+            <a:gs pos="100000">
+              <a:schemeClr val="bg2">
+                <a:shade val="80000"/>
+              </a:schemeClr>
+            </a:gs>
+          </a:gsLst>
+          <a:path path="circle">
+            <a:fillToRect l="43000" r="43000" b="100000"/>
+          </a:path>
+        </a:gradFill>
+        <a:effectLst/>
+      </p:bgPr>
+    </p:bg>
+    <p:spTree>
+      <p:nvGrpSpPr>
+        <p:cNvPr id="1" name=""/>
+        <p:cNvGrpSpPr/>
+        <p:nvPr/>
+      </p:nvGrpSpPr>
+      <p:grpSpPr>
+        <a:xfrm>
+          <a:off x="0" y="0"/>
+          <a:ext cx="0" cy="0"/>
+          <a:chOff x="0" y="0"/>
+          <a:chExt cx="0" cy="0"/>
+        </a:xfrm>
+      </p:grpSpPr>
+      <p:sp>
+        <p:nvSpPr>
+          <p:cNvPr id="37" name="Rectangle 36">
+            <a:extLst>
+              <a:ext uri="{FF2B5EF4-FFF2-40B4-BE49-F238E27FC236}">
+                <a16:creationId xmlns:a16="http://schemas.microsoft.com/office/drawing/2014/main" xmlns="" id="{0CABCAE3-64FC-4149-819F-2C1812824154}"/>
+              </a:ext>
+            </a:extLst>
+          </p:cNvPr>
+          <p:cNvSpPr>
+            <a:spLocks noGrp="1" noRot="1" noChangeAspect="1" noMove="1" noResize="1" noEditPoints="1" noAdjustHandles="1" noChangeArrowheads="1" noChangeShapeType="1" noTextEdit="1"/>
+          </p:cNvSpPr>
+          <p:nvPr>
+            <p:extLst>
+              <p:ext uri="{386F3935-93C4-4BCD-93E2-E3B085C9AB24}">
+                <p16:designElem xmlns:p16="http://schemas.microsoft.com/office/powerpoint/2015/main" val="1"/>
+              </p:ext>
+            </p:extLst>
+          </p:nvPr>
+        </p:nvSpPr>
+        <p:spPr>
+          <a:xfrm>
+            <a:off x="0" y="2019476"/>
+            <a:ext cx="12192000" cy="4105941"/>
+          </a:xfrm>
+          <a:prstGeom prst="rect">
+            <a:avLst/>
+          </a:prstGeom>
+          <a:gradFill flip="none" rotWithShape="1">
+            <a:gsLst>
+              <a:gs pos="0">
+                <a:schemeClr val="bg2">
+                  <a:alpha val="0"/>
+                </a:schemeClr>
+              </a:gs>
+              <a:gs pos="100000">
+                <a:schemeClr val="bg2"/>
+              </a:gs>
+            </a:gsLst>
+            <a:lin ang="5400000" scaled="0"/>
+            <a:tileRect/>
+          </a:gradFill>
+          <a:ln>
+            <a:noFill/>
+          </a:ln>
+        </p:spPr>
+        <p:style>
+          <a:lnRef idx="2">
+            <a:schemeClr val="accent1">
+              <a:shade val="50000"/>
+            </a:schemeClr>
+          </a:lnRef>
+          <a:fillRef idx="1">
+            <a:schemeClr val="accent1"/>
+          </a:fillRef>
+          <a:effectRef idx="0">
+            <a:schemeClr val="accent1"/>
+          </a:effectRef>
+          <a:fontRef idx="minor">
+            <a:schemeClr val="lt1"/>
+          </a:fontRef>
+        </p:style>
+      </p:sp>
+      <p:pic>
+        <p:nvPicPr>
+          <p:cNvPr id="39" name="Picture 38">
+            <a:extLst>
+              <a:ext uri="{FF2B5EF4-FFF2-40B4-BE49-F238E27FC236}">
+                <a16:creationId xmlns:a16="http://schemas.microsoft.com/office/drawing/2014/main" xmlns="" id="{012FDCFE-9AD2-4D8A-8CBF-B3AA37EBF6DD}"/>
+              </a:ext>
+            </a:extLst>
+          </p:cNvPr>
+          <p:cNvPicPr>
+            <a:picLocks noGrp="1" noRot="1" noChangeAspect="1" noMove="1" noResize="1" noEditPoints="1" noAdjustHandles="1" noChangeArrowheads="1" noChangeShapeType="1" noCrop="1"/>
+          </p:cNvPicPr>
+          <p:nvPr>
+            <p:extLst>
+              <p:ext uri="{386F3935-93C4-4BCD-93E2-E3B085C9AB24}">
+                <p16:designElem xmlns:p16="http://schemas.microsoft.com/office/powerpoint/2015/main" val="1"/>
+              </p:ext>
+            </p:extLst>
+          </p:nvPr>
+        </p:nvPicPr>
+        <p:blipFill rotWithShape="1">
+          <a:blip r:embed="rId3">
+            <a:extLst>
+              <a:ext uri="{28A0092B-C50C-407E-A947-70E740481C1C}">
+                <a14:useLocalDpi xmlns:a14="http://schemas.microsoft.com/office/drawing/2010/main" val="0"/>
+              </a:ext>
+            </a:extLst>
+          </a:blip>
+          <a:srcRect t="1538" b="-1538"/>
+          <a:stretch/>
+        </p:blipFill>
+        <p:spPr bwMode="black">
+          <a:xfrm>
+            <a:off x="0" y="6126480"/>
+            <a:ext cx="12192000" cy="742950"/>
+          </a:xfrm>
+          <a:prstGeom prst="rect">
+            <a:avLst/>
+          </a:prstGeom>
+        </p:spPr>
+      </p:pic>
+      <p:cxnSp>
+        <p:nvCxnSpPr>
+          <p:cNvPr id="41" name="Straight Connector 40">
+            <a:extLst>
+              <a:ext uri="{FF2B5EF4-FFF2-40B4-BE49-F238E27FC236}">
+                <a16:creationId xmlns:a16="http://schemas.microsoft.com/office/drawing/2014/main" xmlns="" id="{FBD463FC-4CA8-4FF4-85A3-AF9F4B98D210}"/>
+              </a:ext>
+            </a:extLst>
+          </p:cNvPr>
+          <p:cNvCxnSpPr>
+            <a:cxnSpLocks noGrp="1" noRot="1" noChangeAspect="1" noMove="1" noResize="1" noEditPoints="1" noAdjustHandles="1" noChangeArrowheads="1" noChangeShapeType="1"/>
+          </p:cNvCxnSpPr>
+          <p:nvPr>
+            <p:extLst>
+              <p:ext uri="{386F3935-93C4-4BCD-93E2-E3B085C9AB24}">
+                <p16:designElem xmlns:p16="http://schemas.microsoft.com/office/powerpoint/2015/main" val="1"/>
+              </p:ext>
+            </p:extLst>
+          </p:nvPr>
+        </p:nvCxnSpPr>
+        <p:spPr>
+          <a:xfrm>
+            <a:off x="0" y="6128413"/>
+            <a:ext cx="12192000" cy="0"/>
+          </a:xfrm>
+          <a:prstGeom prst="line">
+            <a:avLst/>
+          </a:prstGeom>
+          <a:ln w="12700">
+            <a:solidFill>
+              <a:srgbClr val="000001">
+                <a:alpha val="20000"/>
+              </a:srgbClr>
+            </a:solidFill>
+          </a:ln>
+        </p:spPr>
+        <p:style>
+          <a:lnRef idx="1">
+            <a:schemeClr val="accent1"/>
+          </a:lnRef>
+          <a:fillRef idx="0">
+            <a:schemeClr val="accent1"/>
+          </a:fillRef>
+          <a:effectRef idx="0">
+            <a:schemeClr val="accent1"/>
+          </a:effectRef>
+          <a:fontRef idx="minor">
+            <a:schemeClr val="tx1"/>
+          </a:fontRef>
+        </p:style>
+      </p:cxnSp>
+      <p:cxnSp>
+        <p:nvCxnSpPr>
+          <p:cNvPr id="43" name="Straight Connector 42">
+            <a:extLst>
+              <a:ext uri="{FF2B5EF4-FFF2-40B4-BE49-F238E27FC236}">
+                <a16:creationId xmlns:a16="http://schemas.microsoft.com/office/drawing/2014/main" xmlns="" id="{A56012FD-74A8-4C91-B318-435CF2B71927}"/>
+              </a:ext>
+            </a:extLst>
+          </p:cNvPr>
+          <p:cNvCxnSpPr>
+            <a:cxnSpLocks noGrp="1" noRot="1" noChangeAspect="1" noMove="1" noResize="1" noEditPoints="1" noAdjustHandles="1" noChangeArrowheads="1" noChangeShapeType="1"/>
+          </p:cNvCxnSpPr>
+          <p:nvPr>
+            <p:extLst>
+              <p:ext uri="{386F3935-93C4-4BCD-93E2-E3B085C9AB24}">
+                <p16:designElem xmlns:p16="http://schemas.microsoft.com/office/powerpoint/2015/main" val="1"/>
+              </p:ext>
+            </p:extLst>
+          </p:nvPr>
+        </p:nvCxnSpPr>
+        <p:spPr>
+          <a:xfrm>
+            <a:off x="1453896" y="1847088"/>
+            <a:ext cx="9607522" cy="0"/>
+          </a:xfrm>
+          <a:prstGeom prst="line">
+            <a:avLst/>
+          </a:prstGeom>
+          <a:ln w="31750"/>
+        </p:spPr>
+        <p:style>
+          <a:lnRef idx="3">
+            <a:schemeClr val="accent1"/>
+          </a:lnRef>
+          <a:fillRef idx="0">
+            <a:schemeClr val="accent1"/>
+          </a:fillRef>
+          <a:effectRef idx="2">
+            <a:schemeClr val="accent1"/>
+          </a:effectRef>
+          <a:fontRef idx="minor">
+            <a:schemeClr val="tx1"/>
+          </a:fontRef>
+        </p:style>
+      </p:cxnSp>
+      <p:sp useBgFill="1">
+        <p:nvSpPr>
+          <p:cNvPr id="45" name="Rectangle 44">
+            <a:extLst>
+              <a:ext uri="{FF2B5EF4-FFF2-40B4-BE49-F238E27FC236}">
+                <a16:creationId xmlns:a16="http://schemas.microsoft.com/office/drawing/2014/main" xmlns="" id="{3193BA5C-B8F3-4972-BA54-014C48FAFA42}"/>
+              </a:ext>
+            </a:extLst>
+          </p:cNvPr>
+          <p:cNvSpPr>
+            <a:spLocks noGrp="1" noRot="1" noChangeAspect="1" noMove="1" noResize="1" noEditPoints="1" noAdjustHandles="1" noChangeArrowheads="1" noChangeShapeType="1" noTextEdit="1"/>
+          </p:cNvSpPr>
+          <p:nvPr>
+            <p:extLst>
+              <p:ext uri="{386F3935-93C4-4BCD-93E2-E3B085C9AB24}">
+                <p16:designElem xmlns:p16="http://schemas.microsoft.com/office/powerpoint/2015/main" val="1"/>
+              </p:ext>
+            </p:extLst>
+          </p:nvPr>
+        </p:nvSpPr>
+        <p:spPr>
+          <a:xfrm>
+            <a:off x="2" y="0"/>
+            <a:ext cx="12191695" cy="6858000"/>
+          </a:xfrm>
+          <a:prstGeom prst="rect">
+            <a:avLst/>
+          </a:prstGeom>
+          <a:ln>
+            <a:noFill/>
+          </a:ln>
+        </p:spPr>
+        <p:style>
+          <a:lnRef idx="2">
+            <a:schemeClr val="accent1">
+              <a:shade val="50000"/>
+            </a:schemeClr>
+          </a:lnRef>
+          <a:fillRef idx="1">
+            <a:schemeClr val="accent1"/>
+          </a:fillRef>
+          <a:effectRef idx="0">
+            <a:schemeClr val="accent1"/>
+          </a:effectRef>
+          <a:fontRef idx="minor">
+            <a:schemeClr val="lt1"/>
+          </a:fontRef>
+        </p:style>
+        <p:txBody>
+          <a:bodyPr rtlCol="0" anchor="ctr"/>
+          <a:lstStyle/>
+          <a:p>
+            <a:pPr algn="ctr"/>
+            <a:endParaRPr lang="en-US"/>
+          </a:p>
+        </p:txBody>
+      </p:sp>
+      <p:sp>
+        <p:nvSpPr>
+          <p:cNvPr id="47" name="Rectangle 46">
+            <a:extLst>
+              <a:ext uri="{FF2B5EF4-FFF2-40B4-BE49-F238E27FC236}">
+                <a16:creationId xmlns:a16="http://schemas.microsoft.com/office/drawing/2014/main" xmlns="" id="{05B93327-222A-4DAC-9163-371BF44CDB0C}"/>
+              </a:ext>
+            </a:extLst>
+          </p:cNvPr>
+          <p:cNvSpPr>
+            <a:spLocks noGrp="1" noRot="1" noChangeAspect="1" noMove="1" noResize="1" noEditPoints="1" noAdjustHandles="1" noChangeArrowheads="1" noChangeShapeType="1" noTextEdit="1"/>
+          </p:cNvSpPr>
+          <p:nvPr>
+            <p:extLst>
+              <p:ext uri="{386F3935-93C4-4BCD-93E2-E3B085C9AB24}">
+                <p16:designElem xmlns:p16="http://schemas.microsoft.com/office/powerpoint/2015/main" val="1"/>
+              </p:ext>
+            </p:extLst>
+          </p:nvPr>
+        </p:nvSpPr>
+        <p:spPr>
+          <a:xfrm>
+            <a:off x="0" y="2019476"/>
+            <a:ext cx="12192000" cy="4105941"/>
+          </a:xfrm>
+          <a:prstGeom prst="rect">
+            <a:avLst/>
+          </a:prstGeom>
+          <a:gradFill flip="none" rotWithShape="1">
+            <a:gsLst>
+              <a:gs pos="0">
+                <a:schemeClr val="bg2">
+                  <a:alpha val="0"/>
+                </a:schemeClr>
+              </a:gs>
+              <a:gs pos="100000">
+                <a:schemeClr val="bg2"/>
+              </a:gs>
+            </a:gsLst>
+            <a:lin ang="5400000" scaled="0"/>
+            <a:tileRect/>
+          </a:gradFill>
+          <a:ln>
+            <a:noFill/>
+          </a:ln>
+        </p:spPr>
+        <p:style>
+          <a:lnRef idx="2">
+            <a:schemeClr val="accent1">
+              <a:shade val="50000"/>
+            </a:schemeClr>
+          </a:lnRef>
+          <a:fillRef idx="1">
+            <a:schemeClr val="accent1"/>
+          </a:fillRef>
+          <a:effectRef idx="0">
+            <a:schemeClr val="accent1"/>
+          </a:effectRef>
+          <a:fontRef idx="minor">
+            <a:schemeClr val="lt1"/>
+          </a:fontRef>
+        </p:style>
+        <p:txBody>
+          <a:bodyPr rtlCol="0" anchor="ctr"/>
+          <a:lstStyle/>
+          <a:p>
+            <a:pPr lvl="0" algn="ctr"/>
+            <a:endParaRPr lang="en-US"/>
+          </a:p>
+        </p:txBody>
+      </p:sp>
+      <p:pic>
+        <p:nvPicPr>
+          <p:cNvPr id="49" name="Picture 48">
+            <a:extLst>
+              <a:ext uri="{FF2B5EF4-FFF2-40B4-BE49-F238E27FC236}">
+                <a16:creationId xmlns:a16="http://schemas.microsoft.com/office/drawing/2014/main" xmlns="" id="{C04ED70F-D6FD-4EB1-A171-D30F885FE73E}"/>
+              </a:ext>
+            </a:extLst>
+          </p:cNvPr>
+          <p:cNvPicPr>
+            <a:picLocks noGrp="1" noRot="1" noChangeAspect="1" noMove="1" noResize="1" noEditPoints="1" noAdjustHandles="1" noChangeArrowheads="1" noChangeShapeType="1" noCrop="1"/>
+          </p:cNvPicPr>
+          <p:nvPr>
+            <p:extLst>
+              <p:ext uri="{386F3935-93C4-4BCD-93E2-E3B085C9AB24}">
+                <p16:designElem xmlns:p16="http://schemas.microsoft.com/office/powerpoint/2015/main" val="1"/>
+              </p:ext>
+            </p:extLst>
+          </p:nvPr>
+        </p:nvPicPr>
+        <p:blipFill rotWithShape="1">
+          <a:blip r:embed="rId3">
+            <a:extLst>
+              <a:ext uri="{28A0092B-C50C-407E-A947-70E740481C1C}">
+                <a14:useLocalDpi xmlns:a14="http://schemas.microsoft.com/office/drawing/2010/main" val="0"/>
+              </a:ext>
+            </a:extLst>
+          </a:blip>
+          <a:srcRect t="1538" b="-1538"/>
+          <a:stretch/>
+        </p:blipFill>
+        <p:spPr bwMode="black">
+          <a:xfrm>
+            <a:off x="0" y="6126480"/>
+            <a:ext cx="12192000" cy="742950"/>
+          </a:xfrm>
+          <a:prstGeom prst="rect">
+            <a:avLst/>
+          </a:prstGeom>
+        </p:spPr>
+      </p:pic>
+      <p:cxnSp>
+        <p:nvCxnSpPr>
+          <p:cNvPr id="51" name="Straight Connector 50">
+            <a:extLst>
+              <a:ext uri="{FF2B5EF4-FFF2-40B4-BE49-F238E27FC236}">
+                <a16:creationId xmlns:a16="http://schemas.microsoft.com/office/drawing/2014/main" xmlns="" id="{DA26CAE9-74C4-4EDD-8A80-77F79EAA86F4}"/>
+              </a:ext>
+            </a:extLst>
+          </p:cNvPr>
+          <p:cNvCxnSpPr>
+            <a:cxnSpLocks noGrp="1" noRot="1" noChangeAspect="1" noMove="1" noResize="1" noEditPoints="1" noAdjustHandles="1" noChangeArrowheads="1" noChangeShapeType="1"/>
+          </p:cNvCxnSpPr>
+          <p:nvPr>
+            <p:extLst>
+              <p:ext uri="{386F3935-93C4-4BCD-93E2-E3B085C9AB24}">
+                <p16:designElem xmlns:p16="http://schemas.microsoft.com/office/powerpoint/2015/main" val="1"/>
+              </p:ext>
+            </p:extLst>
+          </p:nvPr>
+        </p:nvCxnSpPr>
+        <p:spPr>
+          <a:xfrm>
+            <a:off x="0" y="6128413"/>
+            <a:ext cx="12192000" cy="0"/>
+          </a:xfrm>
+          <a:prstGeom prst="line">
+            <a:avLst/>
+          </a:prstGeom>
+          <a:ln w="12700">
+            <a:solidFill>
+              <a:srgbClr val="000001">
+                <a:alpha val="20000"/>
+              </a:srgbClr>
+            </a:solidFill>
+          </a:ln>
+        </p:spPr>
+        <p:style>
+          <a:lnRef idx="1">
+            <a:schemeClr val="accent1"/>
+          </a:lnRef>
+          <a:fillRef idx="0">
+            <a:schemeClr val="accent1"/>
+          </a:fillRef>
+          <a:effectRef idx="0">
+            <a:schemeClr val="accent1"/>
+          </a:effectRef>
+          <a:fontRef idx="minor">
+            <a:schemeClr val="tx1"/>
+          </a:fontRef>
+        </p:style>
+      </p:cxnSp>
+      <p:grpSp>
+        <p:nvGrpSpPr>
+          <p:cNvPr id="53" name="Group 52">
+            <a:extLst>
+              <a:ext uri="{FF2B5EF4-FFF2-40B4-BE49-F238E27FC236}">
+                <a16:creationId xmlns:a16="http://schemas.microsoft.com/office/drawing/2014/main" xmlns="" id="{14EE34E3-F117-4487-8ACF-33DA65FA11B3}"/>
+              </a:ext>
+            </a:extLst>
+          </p:cNvPr>
+          <p:cNvGrpSpPr>
+            <a:grpSpLocks noGrp="1" noUngrp="1" noRot="1" noChangeAspect="1" noMove="1" noResize="1"/>
+          </p:cNvGrpSpPr>
+          <p:nvPr>
+            <p:extLst>
+              <p:ext uri="{386F3935-93C4-4BCD-93E2-E3B085C9AB24}">
+                <p16:designElem xmlns:p16="http://schemas.microsoft.com/office/powerpoint/2015/main" val="1"/>
+              </p:ext>
+            </p:extLst>
+          </p:nvPr>
+        </p:nvGrpSpPr>
+        <p:grpSpPr>
+          <a:xfrm>
+            <a:off x="5460131" y="482171"/>
+            <a:ext cx="6091791" cy="5149101"/>
+            <a:chOff x="5460131" y="482171"/>
+            <a:chExt cx="6091791" cy="5149101"/>
+          </a:xfrm>
+        </p:grpSpPr>
+        <p:sp>
+          <p:nvSpPr>
+            <p:cNvPr id="54" name="Rectangle 53">
+              <a:extLst>
+                <a:ext uri="{FF2B5EF4-FFF2-40B4-BE49-F238E27FC236}">
+                  <a16:creationId xmlns:a16="http://schemas.microsoft.com/office/drawing/2014/main" xmlns="" id="{39ACC02C-6424-4165-93C4-E83C8E81D462}"/>
+                </a:ext>
+              </a:extLst>
+            </p:cNvPr>
+            <p:cNvSpPr/>
+            <p:nvPr>
+              <p:extLst>
+                <p:ext uri="{386F3935-93C4-4BCD-93E2-E3B085C9AB24}">
+                  <p16:designElem xmlns:p16="http://schemas.microsoft.com/office/powerpoint/2015/main" val="1"/>
+                </p:ext>
+              </p:extLst>
+            </p:nvPr>
+          </p:nvSpPr>
+          <p:spPr>
+            <a:xfrm>
+              <a:off x="5460131" y="482171"/>
+              <a:ext cx="6091791" cy="5149101"/>
+            </a:xfrm>
+            <a:prstGeom prst="rect">
+              <a:avLst/>
+            </a:prstGeom>
+            <a:gradFill>
+              <a:gsLst>
+                <a:gs pos="0">
+                  <a:srgbClr val="000001"/>
+                </a:gs>
+                <a:gs pos="100000">
+                  <a:srgbClr val="191919"/>
+                </a:gs>
+              </a:gsLst>
+            </a:gradFill>
+            <a:ln w="76200" cmpd="sng">
+              <a:noFill/>
+              <a:miter lim="800000"/>
+            </a:ln>
+            <a:effectLst>
+              <a:outerShdw blurRad="127000" dist="228600" dir="4740000" sx="98000" sy="98000" algn="tl" rotWithShape="0">
+                <a:srgbClr val="000000">
+                  <a:alpha val="34000"/>
+                </a:srgbClr>
+              </a:outerShdw>
+            </a:effectLst>
+            <a:scene3d>
+              <a:camera prst="orthographicFront"/>
+              <a:lightRig rig="threePt" dir="t"/>
+            </a:scene3d>
+            <a:sp3d>
+              <a:bevelT w="152400" h="50800" prst="softRound"/>
+            </a:sp3d>
+          </p:spPr>
+          <p:style>
+            <a:lnRef idx="1">
+              <a:schemeClr val="accent1"/>
+            </a:lnRef>
+            <a:fillRef idx="3">
+              <a:schemeClr val="accent1"/>
+            </a:fillRef>
+            <a:effectRef idx="2">
+              <a:schemeClr val="accent1"/>
+            </a:effectRef>
+            <a:fontRef idx="minor">
+              <a:schemeClr val="lt1"/>
+            </a:fontRef>
+          </p:style>
+          <p:txBody>
+            <a:bodyPr rtlCol="0" anchor="ctr"/>
+            <a:lstStyle/>
+            <a:p>
+              <a:pPr algn="ctr"/>
+              <a:endParaRPr lang="en-US"/>
+            </a:p>
+          </p:txBody>
+        </p:sp>
+        <p:sp>
+          <p:nvSpPr>
+            <p:cNvPr id="55" name="Rectangle 54">
+              <a:extLst>
+                <a:ext uri="{FF2B5EF4-FFF2-40B4-BE49-F238E27FC236}">
+                  <a16:creationId xmlns:a16="http://schemas.microsoft.com/office/drawing/2014/main" xmlns="" id="{C182CB9C-C978-4C9B-9AAD-8B1341897550}"/>
+                </a:ext>
+              </a:extLst>
+            </p:cNvPr>
+            <p:cNvSpPr/>
+            <p:nvPr>
+              <p:extLst>
+                <p:ext uri="{386F3935-93C4-4BCD-93E2-E3B085C9AB24}">
+                  <p16:designElem xmlns:p16="http://schemas.microsoft.com/office/powerpoint/2015/main" val="1"/>
+                </p:ext>
+              </p:extLst>
+            </p:nvPr>
+          </p:nvSpPr>
+          <p:spPr>
+            <a:xfrm>
+              <a:off x="5778956" y="812507"/>
+              <a:ext cx="5461780" cy="4466452"/>
+            </a:xfrm>
+            <a:prstGeom prst="rect">
+              <a:avLst/>
+            </a:prstGeom>
+            <a:gradFill>
+              <a:gsLst>
+                <a:gs pos="0">
+                  <a:srgbClr val="DADADA"/>
+                </a:gs>
+                <a:gs pos="100000">
+                  <a:srgbClr val="FFFFFE"/>
+                </a:gs>
+              </a:gsLst>
+              <a:lin ang="16200000" scaled="0"/>
+            </a:gradFill>
+            <a:ln w="50800" cmpd="sng">
+              <a:solidFill>
+                <a:srgbClr val="191919"/>
+              </a:solidFill>
+              <a:miter lim="800000"/>
+            </a:ln>
+            <a:effectLst>
+              <a:innerShdw blurRad="63500" dist="88900" dir="14100000">
+                <a:srgbClr val="000000">
+                  <a:alpha val="30000"/>
+                </a:srgbClr>
+              </a:innerShdw>
+            </a:effectLst>
+            <a:scene3d>
+              <a:camera prst="orthographicFront"/>
+              <a:lightRig rig="threePt" dir="t"/>
+            </a:scene3d>
+            <a:sp3d>
+              <a:bevelT prst="relaxedInset"/>
+            </a:sp3d>
+          </p:spPr>
+          <p:style>
+            <a:lnRef idx="1">
+              <a:schemeClr val="accent1"/>
+            </a:lnRef>
+            <a:fillRef idx="3">
+              <a:schemeClr val="accent1"/>
+            </a:fillRef>
+            <a:effectRef idx="2">
+              <a:schemeClr val="accent1"/>
+            </a:effectRef>
+            <a:fontRef idx="minor">
+              <a:schemeClr val="lt1"/>
+            </a:fontRef>
+          </p:style>
+          <p:txBody>
+            <a:bodyPr rtlCol="0" anchor="ctr"/>
+            <a:lstStyle/>
+            <a:p>
+              <a:pPr algn="ctr"/>
+              <a:endParaRPr lang="en-US"/>
+            </a:p>
+          </p:txBody>
+        </p:sp>
+      </p:grpSp>
+      <p:sp>
+        <p:nvSpPr>
+          <p:cNvPr id="57" name="Rectangle 56">
+            <a:extLst>
+              <a:ext uri="{FF2B5EF4-FFF2-40B4-BE49-F238E27FC236}">
+                <a16:creationId xmlns:a16="http://schemas.microsoft.com/office/drawing/2014/main" xmlns="" id="{56388820-A63D-463C-9DBC-060A5ABE33B6}"/>
+              </a:ext>
+            </a:extLst>
+          </p:cNvPr>
+          <p:cNvSpPr>
+            <a:spLocks noGrp="1" noRot="1" noChangeAspect="1" noMove="1" noResize="1" noEditPoints="1" noAdjustHandles="1" noChangeArrowheads="1" noChangeShapeType="1" noTextEdit="1"/>
+          </p:cNvSpPr>
+          <p:nvPr>
+            <p:extLst>
+              <p:ext uri="{386F3935-93C4-4BCD-93E2-E3B085C9AB24}">
+                <p16:designElem xmlns:p16="http://schemas.microsoft.com/office/powerpoint/2015/main" val="1"/>
+              </p:ext>
+            </p:extLst>
+          </p:nvPr>
+        </p:nvSpPr>
+        <p:spPr>
+          <a:xfrm>
+            <a:off x="5942379" y="977965"/>
+            <a:ext cx="5134631" cy="4135339"/>
+          </a:xfrm>
+          <a:prstGeom prst="rect">
+            <a:avLst/>
+          </a:prstGeom>
+          <a:solidFill>
+            <a:schemeClr val="bg1"/>
+          </a:solidFill>
+          <a:ln w="6350">
+            <a:solidFill>
+              <a:schemeClr val="bg2"/>
+            </a:solidFill>
+          </a:ln>
+        </p:spPr>
+        <p:style>
+          <a:lnRef idx="2">
+            <a:schemeClr val="accent1">
+              <a:shade val="50000"/>
+            </a:schemeClr>
+          </a:lnRef>
+          <a:fillRef idx="1">
+            <a:schemeClr val="accent1"/>
+          </a:fillRef>
+          <a:effectRef idx="0">
+            <a:schemeClr val="accent1"/>
+          </a:effectRef>
+          <a:fontRef idx="minor">
+            <a:schemeClr val="lt1"/>
+          </a:fontRef>
+        </p:style>
+        <p:txBody>
+          <a:bodyPr rtlCol="0" anchor="ctr"/>
+          <a:lstStyle/>
+          <a:p>
+            <a:pPr algn="ctr"/>
+            <a:endParaRPr lang="en-US"/>
+          </a:p>
+        </p:txBody>
+      </p:sp>
+      <p:cxnSp>
+        <p:nvCxnSpPr>
+          <p:cNvPr id="59" name="Straight Connector 58">
+            <a:extLst>
+              <a:ext uri="{FF2B5EF4-FFF2-40B4-BE49-F238E27FC236}">
+                <a16:creationId xmlns:a16="http://schemas.microsoft.com/office/drawing/2014/main" xmlns="" id="{D7162BAB-C25E-4CE9-B87C-F118DC7E7C22}"/>
+              </a:ext>
+            </a:extLst>
+          </p:cNvPr>
+          <p:cNvCxnSpPr>
+            <a:cxnSpLocks noGrp="1" noRot="1" noChangeAspect="1" noMove="1" noResize="1" noEditPoints="1" noAdjustHandles="1" noChangeArrowheads="1" noChangeShapeType="1"/>
+          </p:cNvCxnSpPr>
+          <p:nvPr>
+            <p:extLst>
+              <p:ext uri="{386F3935-93C4-4BCD-93E2-E3B085C9AB24}">
+                <p16:designElem xmlns:p16="http://schemas.microsoft.com/office/powerpoint/2015/main" val="1"/>
+              </p:ext>
+            </p:extLst>
+          </p:nvPr>
+        </p:nvCxnSpPr>
+        <p:spPr>
+          <a:xfrm>
+            <a:off x="1453896" y="1847088"/>
+            <a:ext cx="3530885" cy="0"/>
+          </a:xfrm>
+          <a:prstGeom prst="line">
+            <a:avLst/>
+          </a:prstGeom>
+          <a:ln w="31750"/>
+        </p:spPr>
+        <p:style>
+          <a:lnRef idx="3">
+            <a:schemeClr val="accent1"/>
+          </a:lnRef>
+          <a:fillRef idx="0">
+            <a:schemeClr val="accent1"/>
+          </a:fillRef>
+          <a:effectRef idx="2">
+            <a:schemeClr val="accent1"/>
+          </a:effectRef>
+          <a:fontRef idx="minor">
+            <a:schemeClr val="tx1"/>
+          </a:fontRef>
+        </p:style>
+      </p:cxnSp>
+      <p:pic>
+        <p:nvPicPr>
+          <p:cNvPr id="3" name="図 2"/>
+          <p:cNvPicPr>
+            <a:picLocks noChangeAspect="1"/>
+          </p:cNvPicPr>
+          <p:nvPr/>
+        </p:nvPicPr>
+        <p:blipFill>
+          <a:blip r:embed="rId4">
+            <a:extLst>
+              <a:ext uri="{28A0092B-C50C-407E-A947-70E740481C1C}">
+                <a14:useLocalDpi xmlns:a14="http://schemas.microsoft.com/office/drawing/2010/main" val="0"/>
+              </a:ext>
+            </a:extLst>
+          </a:blip>
+          <a:stretch>
+            <a:fillRect/>
+          </a:stretch>
+        </p:blipFill>
+        <p:spPr>
+          <a:xfrm>
+            <a:off x="6093926" y="1241349"/>
+            <a:ext cx="4821551" cy="3616163"/>
+          </a:xfrm>
+          <a:prstGeom prst="rect">
+            <a:avLst/>
+          </a:prstGeom>
+        </p:spPr>
+      </p:pic>
+      <p:sp>
+        <p:nvSpPr>
+          <p:cNvPr id="2" name="タイトル 1"/>
+          <p:cNvSpPr>
+            <a:spLocks noGrp="1"/>
+          </p:cNvSpPr>
+          <p:nvPr>
+            <p:ph type="title"/>
+          </p:nvPr>
+        </p:nvSpPr>
+        <p:spPr>
+          <a:xfrm>
+            <a:off x="1451580" y="804520"/>
+            <a:ext cx="3530157" cy="1049235"/>
+          </a:xfrm>
+        </p:spPr>
+        <p:txBody>
+          <a:bodyPr vert="horz" lIns="91440" tIns="45720" rIns="91440" bIns="45720" rtlCol="0" anchor="t">
+            <a:normAutofit/>
+          </a:bodyPr>
+          <a:lstStyle/>
+          <a:p>
+            <a:r>
+              <a:rPr lang="en-US" altLang="ja-JP" dirty="0"/>
+              <a:t>next_play_ver3</a:t>
+            </a:r>
+            <a:endParaRPr kumimoji="1" lang="en-US" altLang="ja-JP" dirty="0"/>
+          </a:p>
+        </p:txBody>
+      </p:sp>
+      <p:sp>
+        <p:nvSpPr>
+          <p:cNvPr id="9" name="Content Placeholder 8"/>
+          <p:cNvSpPr>
+            <a:spLocks noGrp="1"/>
+          </p:cNvSpPr>
+          <p:nvPr>
+            <p:ph idx="1"/>
+          </p:nvPr>
+        </p:nvSpPr>
+        <p:spPr>
+          <a:xfrm>
+            <a:off x="1451581" y="2015732"/>
+            <a:ext cx="3526523" cy="3450613"/>
+          </a:xfrm>
+        </p:spPr>
+        <p:txBody>
+          <a:bodyPr vert="horz" lIns="91440" tIns="45720" rIns="91440" bIns="45720" rtlCol="0" anchor="t">
+            <a:normAutofit/>
+          </a:bodyPr>
+          <a:lstStyle/>
+          <a:p>
+            <a:r>
+              <a:rPr lang="en-US" altLang="ja-JP" dirty="0"/>
+              <a:t>1</a:t>
+            </a:r>
+            <a:r>
+              <a:rPr lang="ja-JP" altLang="en-US" dirty="0"/>
+              <a:t>万回当たりの出現回数</a:t>
+            </a:r>
+            <a:endParaRPr lang="en-US" dirty="0"/>
+          </a:p>
+        </p:txBody>
+      </p:sp>
+    </p:spTree>
+    <p:extLst>
+      <p:ext uri="{BB962C8B-B14F-4D97-AF65-F5344CB8AC3E}">
+        <p14:creationId xmlns:p14="http://schemas.microsoft.com/office/powerpoint/2010/main" val="646766959"/>
+      </p:ext>
+    </p:extLst>
+  </p:cSld>
+  <p:clrMapOvr>
+    <a:masterClrMapping/>
+  </p:clrMapOvr>
+  <p:timing>
+    <p:tnLst>
+      <p:par>
+        <p:cTn id="1" dur="indefinite" restart="never" nodeType="tmRoot"/>
+      </p:par>
+    </p:tnLst>
+  </p:timing>
+</p:sld>
+</file>
+
+<file path=ppt/slides/slide11.xml><?xml version="1.0" encoding="utf-8"?>
+<p:sld xmlns:a="http://schemas.openxmlformats.org/drawingml/2006/main" xmlns:r="http://schemas.openxmlformats.org/officeDocument/2006/relationships" xmlns:p="http://schemas.openxmlformats.org/presentationml/2006/main">
+  <p:cSld>
+    <p:spTree>
+      <p:nvGrpSpPr>
+        <p:cNvPr id="1" name=""/>
+        <p:cNvGrpSpPr/>
+        <p:nvPr/>
+      </p:nvGrpSpPr>
+      <p:grpSpPr>
+        <a:xfrm>
+          <a:off x="0" y="0"/>
+          <a:ext cx="0" cy="0"/>
+          <a:chOff x="0" y="0"/>
+          <a:chExt cx="0" cy="0"/>
+        </a:xfrm>
+      </p:grpSpPr>
+      <p:sp>
+        <p:nvSpPr>
+          <p:cNvPr id="2" name="タイトル 1"/>
+          <p:cNvSpPr>
+            <a:spLocks noGrp="1"/>
+          </p:cNvSpPr>
+          <p:nvPr>
+            <p:ph type="title"/>
+          </p:nvPr>
+        </p:nvSpPr>
+        <p:spPr>
+          <a:xfrm>
+            <a:off x="1451579" y="1112520"/>
+            <a:ext cx="9603275" cy="741234"/>
+          </a:xfrm>
+        </p:spPr>
+        <p:txBody>
+          <a:bodyPr>
+            <a:normAutofit/>
+          </a:bodyPr>
+          <a:lstStyle/>
+          <a:p>
+            <a:r>
+              <a:rPr lang="en-US" altLang="ja-JP" cap="none" dirty="0" smtClean="0">
+                <a:solidFill>
+                  <a:prstClr val="black"/>
+                </a:solidFill>
+              </a:rPr>
+              <a:t>next_play_ver4</a:t>
+            </a:r>
+            <a:endParaRPr kumimoji="1" lang="ja-JP" altLang="en-US" sz="4800" dirty="0">
+              <a:latin typeface="+mj-ea"/>
+            </a:endParaRPr>
+          </a:p>
+        </p:txBody>
+      </p:sp>
+      <p:sp>
+        <p:nvSpPr>
+          <p:cNvPr id="3" name="コンテンツ プレースホルダー 2"/>
+          <p:cNvSpPr>
+            <a:spLocks noGrp="1"/>
+          </p:cNvSpPr>
+          <p:nvPr>
+            <p:ph idx="1"/>
+          </p:nvPr>
+        </p:nvSpPr>
+        <p:spPr/>
+        <p:txBody>
+          <a:bodyPr>
+            <a:normAutofit/>
+          </a:bodyPr>
+          <a:lstStyle/>
+          <a:p>
+            <a:r>
+              <a:rPr lang="en-US" altLang="ja-JP" sz="3200" dirty="0" err="1" smtClean="0"/>
+              <a:t>MiniMax</a:t>
+            </a:r>
+            <a:r>
+              <a:rPr lang="ja-JP" altLang="en-US" sz="3200" dirty="0" smtClean="0"/>
+              <a:t>法を用いて探索</a:t>
+            </a:r>
+            <a:endParaRPr lang="en-US" altLang="ja-JP" sz="3200" dirty="0" smtClean="0"/>
+          </a:p>
+          <a:p>
+            <a:r>
+              <a:rPr lang="ja-JP" altLang="en-US" sz="3200" dirty="0" smtClean="0"/>
+              <a:t>枝刈りをしないと</a:t>
+            </a:r>
+            <a:r>
+              <a:rPr lang="en-US" altLang="ja-JP" sz="3200" dirty="0" smtClean="0"/>
+              <a:t>5</a:t>
+            </a:r>
+            <a:r>
+              <a:rPr lang="ja-JP" altLang="en-US" sz="3200" dirty="0" smtClean="0"/>
+              <a:t>手詰に</a:t>
+            </a:r>
+            <a:r>
+              <a:rPr lang="en-US" altLang="ja-JP" sz="3200" dirty="0" smtClean="0"/>
+              <a:t>1</a:t>
+            </a:r>
+            <a:r>
+              <a:rPr lang="ja-JP" altLang="en-US" sz="3200" dirty="0" smtClean="0"/>
+              <a:t>秒、</a:t>
+            </a:r>
+            <a:r>
+              <a:rPr lang="en-US" altLang="ja-JP" sz="3200" dirty="0" smtClean="0"/>
+              <a:t>7</a:t>
+            </a:r>
+            <a:r>
+              <a:rPr lang="ja-JP" altLang="en-US" sz="3200" dirty="0" smtClean="0"/>
+              <a:t>手詰に</a:t>
+            </a:r>
+            <a:r>
+              <a:rPr lang="en-US" altLang="ja-JP" sz="3200" dirty="0" smtClean="0"/>
+              <a:t>35</a:t>
+            </a:r>
+            <a:r>
+              <a:rPr lang="ja-JP" altLang="en-US" sz="3200" dirty="0" smtClean="0"/>
+              <a:t>秒ほど要する</a:t>
+            </a:r>
+            <a:endParaRPr lang="en-US" altLang="ja-JP" sz="3200" dirty="0" smtClean="0"/>
+          </a:p>
+          <a:p>
+            <a:endParaRPr lang="en-US" altLang="ja-JP" sz="3200" dirty="0" smtClean="0"/>
+          </a:p>
+        </p:txBody>
+      </p:sp>
+    </p:spTree>
+    <p:extLst>
+      <p:ext uri="{BB962C8B-B14F-4D97-AF65-F5344CB8AC3E}">
+        <p14:creationId xmlns:p14="http://schemas.microsoft.com/office/powerpoint/2010/main" val="1857217436"/>
+      </p:ext>
+    </p:extLst>
+  </p:cSld>
+  <p:clrMapOvr>
+    <a:masterClrMapping/>
+  </p:clrMapOvr>
+  <p:timing>
+    <p:tnLst>
+      <p:par>
+        <p:cTn id="1" dur="indefinite" restart="never" nodeType="tmRoot"/>
+      </p:par>
+    </p:tnLst>
+  </p:timing>
+</p:sld>
+</file>
+
+<file path=ppt/slides/slide12.xml><?xml version="1.0" encoding="utf-8"?>
+<p:sld xmlns:a="http://schemas.openxmlformats.org/drawingml/2006/main" xmlns:r="http://schemas.openxmlformats.org/officeDocument/2006/relationships" xmlns:p="http://schemas.openxmlformats.org/presentationml/2006/main">
+  <p:cSld>
+    <p:spTree>
+      <p:nvGrpSpPr>
+        <p:cNvPr id="1" name=""/>
+        <p:cNvGrpSpPr/>
+        <p:nvPr/>
+      </p:nvGrpSpPr>
+      <p:grpSpPr>
+        <a:xfrm>
+          <a:off x="0" y="0"/>
+          <a:ext cx="0" cy="0"/>
+          <a:chOff x="0" y="0"/>
+          <a:chExt cx="0" cy="0"/>
+        </a:xfrm>
+      </p:grpSpPr>
+      <p:sp>
+        <p:nvSpPr>
+          <p:cNvPr id="2" name="タイトル 1"/>
+          <p:cNvSpPr>
+            <a:spLocks noGrp="1"/>
+          </p:cNvSpPr>
+          <p:nvPr>
+            <p:ph type="title"/>
+          </p:nvPr>
+        </p:nvSpPr>
+        <p:spPr>
+          <a:xfrm>
+            <a:off x="1451579" y="1112520"/>
+            <a:ext cx="9603275" cy="741234"/>
+          </a:xfrm>
+        </p:spPr>
+        <p:txBody>
+          <a:bodyPr>
+            <a:normAutofit/>
+          </a:bodyPr>
+          <a:lstStyle/>
+          <a:p>
+            <a:r>
+              <a:rPr lang="ja-JP" altLang="en-US" cap="none" dirty="0" smtClean="0">
+                <a:solidFill>
+                  <a:prstClr val="black"/>
+                </a:solidFill>
+              </a:rPr>
+              <a:t>実演</a:t>
+            </a:r>
+            <a:endParaRPr kumimoji="1" lang="ja-JP" altLang="en-US" sz="4800" dirty="0">
+              <a:latin typeface="+mj-ea"/>
+            </a:endParaRPr>
+          </a:p>
+        </p:txBody>
+      </p:sp>
+      <p:sp>
+        <p:nvSpPr>
+          <p:cNvPr id="3" name="コンテンツ プレースホルダー 2"/>
+          <p:cNvSpPr>
+            <a:spLocks noGrp="1"/>
+          </p:cNvSpPr>
+          <p:nvPr>
+            <p:ph idx="1"/>
+          </p:nvPr>
+        </p:nvSpPr>
+        <p:spPr/>
+        <p:txBody>
+          <a:bodyPr>
+            <a:normAutofit/>
+          </a:bodyPr>
+          <a:lstStyle/>
+          <a:p>
+            <a:endParaRPr lang="en-US" altLang="ja-JP" sz="3200" dirty="0" smtClean="0"/>
+          </a:p>
+        </p:txBody>
+      </p:sp>
+    </p:spTree>
+    <p:extLst>
+      <p:ext uri="{BB962C8B-B14F-4D97-AF65-F5344CB8AC3E}">
+        <p14:creationId xmlns:p14="http://schemas.microsoft.com/office/powerpoint/2010/main" val="1108337804"/>
+      </p:ext>
+    </p:extLst>
+  </p:cSld>
+  <p:clrMapOvr>
+    <a:masterClrMapping/>
+  </p:clrMapOvr>
+  <p:timing>
+    <p:tnLst>
+      <p:par>
+        <p:cTn id="1" dur="indefinite" restart="never" nodeType="tmRoot"/>
+      </p:par>
+    </p:tnLst>
+  </p:timing>
+</p:sld>
+</file>
+
 <file path=ppt/slides/slide2.xml><?xml version="1.0" encoding="utf-8"?>
 <p:sld xmlns:a="http://schemas.openxmlformats.org/drawingml/2006/main" xmlns:r="http://schemas.openxmlformats.org/officeDocument/2006/relationships" xmlns:p="http://schemas.openxmlformats.org/presentationml/2006/main">
   <p:cSld>
@@ -5204,22 +6747,10 @@
           <a:lstStyle/>
           <a:p>
             <a:r>
-              <a:rPr lang="ja-JP" altLang="en-US" sz="4800" dirty="0" smtClean="0">
+              <a:rPr kumimoji="1" lang="ja-JP" altLang="en-US" sz="4800" dirty="0" smtClean="0">
                 <a:latin typeface="+mj-ea"/>
               </a:rPr>
-              <a:t>課題</a:t>
-            </a:r>
-            <a:r>
-              <a:rPr lang="en-US" altLang="ja-JP" sz="4800" dirty="0" smtClean="0">
-                <a:latin typeface="+mj-ea"/>
-              </a:rPr>
-              <a:t>5</a:t>
-            </a:r>
-            <a:r>
-              <a:rPr lang="ja-JP" altLang="en-US" sz="4800" dirty="0" smtClean="0">
-                <a:latin typeface="+mj-ea"/>
-              </a:rPr>
-              <a:t>の開発方針</a:t>
+              <a:t>勝利判定</a:t>
             </a:r>
             <a:endParaRPr kumimoji="1" lang="ja-JP" altLang="en-US" sz="4800" dirty="0">
               <a:latin typeface="+mj-ea"/>
@@ -5245,66 +6776,24 @@
           <a:lstStyle/>
           <a:p>
             <a:r>
-              <a:rPr lang="en-US" altLang="ja-JP" sz="3200" dirty="0" err="1" smtClean="0"/>
-              <a:t>gamePvP</a:t>
-            </a:r>
-            <a:r>
               <a:rPr lang="ja-JP" altLang="en-US" sz="3200" dirty="0" smtClean="0"/>
-              <a:t>を改良し、</a:t>
+              <a:t>盤面のある箱に注目する</a:t>
+            </a:r>
+            <a:endParaRPr lang="en-US" altLang="ja-JP" sz="3200" dirty="0" smtClean="0"/>
+          </a:p>
+          <a:p>
+            <a:r>
+              <a:rPr lang="ja-JP" altLang="en-US" sz="3200" dirty="0" smtClean="0"/>
+              <a:t>その箱が始点となる</a:t>
             </a:r>
             <a:r>
               <a:rPr lang="en-US" altLang="ja-JP" sz="3200" dirty="0" smtClean="0"/>
-              <a:t>1</a:t>
+              <a:t>4</a:t>
             </a:r>
             <a:r>
               <a:rPr lang="ja-JP" altLang="en-US" sz="3200" dirty="0" smtClean="0"/>
-              <a:t>ターン間隔で</a:t>
-            </a:r>
-            <a:r>
-              <a:rPr lang="en-US" altLang="ja-JP" sz="3200" dirty="0" smtClean="0"/>
-              <a:t>computer</a:t>
-            </a:r>
-            <a:r>
-              <a:rPr lang="ja-JP" altLang="en-US" sz="3200" dirty="0" smtClean="0"/>
-              <a:t>に箱を置かせればよい</a:t>
-            </a:r>
-            <a:endParaRPr lang="en-US" altLang="ja-JP" sz="3200" dirty="0" smtClean="0"/>
-          </a:p>
-          <a:p>
-            <a:r>
-              <a:rPr lang="en-US" altLang="ja-JP" sz="3200" dirty="0" smtClean="0"/>
-              <a:t>1</a:t>
-            </a:r>
-            <a:r>
-              <a:rPr lang="ja-JP" altLang="en-US" sz="3200" dirty="0" smtClean="0"/>
-              <a:t>ターン間隔で</a:t>
-            </a:r>
-            <a:r>
-              <a:rPr lang="en-US" altLang="ja-JP" sz="3200" dirty="0" smtClean="0"/>
-              <a:t>next_play</a:t>
-            </a:r>
-            <a:r>
-              <a:rPr lang="ja-JP" altLang="en-US" sz="3200" dirty="0" smtClean="0"/>
-              <a:t>を呼び出せばよい</a:t>
-            </a:r>
-            <a:endParaRPr lang="en-US" altLang="ja-JP" sz="3200" dirty="0" smtClean="0"/>
-          </a:p>
-          <a:p>
-            <a:r>
-              <a:rPr lang="en-US" altLang="ja-JP" sz="3200" dirty="0"/>
-              <a:t>n</a:t>
-            </a:r>
-            <a:r>
-              <a:rPr lang="en-US" altLang="ja-JP" sz="3200" dirty="0" smtClean="0"/>
-              <a:t>ext_play</a:t>
-            </a:r>
-            <a:r>
-              <a:rPr lang="ja-JP" altLang="en-US" sz="3200" dirty="0" smtClean="0"/>
-              <a:t>の内容は？</a:t>
-            </a:r>
-            <a:endParaRPr lang="en-US" altLang="ja-JP" sz="3200" dirty="0" smtClean="0"/>
-          </a:p>
-          <a:p>
+              <a:t>つの箱の並びが</a:t>
+            </a:r>
             <a:endParaRPr lang="en-US" altLang="ja-JP" sz="3200" dirty="0" smtClean="0"/>
           </a:p>
         </p:txBody>
@@ -5312,7 +6801,7 @@
     </p:spTree>
     <p:extLst>
       <p:ext uri="{BB962C8B-B14F-4D97-AF65-F5344CB8AC3E}">
-        <p14:creationId xmlns:p14="http://schemas.microsoft.com/office/powerpoint/2010/main" val="39457345"/>
+        <p14:creationId xmlns:p14="http://schemas.microsoft.com/office/powerpoint/2010/main" val="544632155"/>
       </p:ext>
     </p:extLst>
   </p:cSld>
@@ -5364,6 +6853,263 @@
         </p:spPr>
         <p:txBody>
           <a:bodyPr>
+            <a:normAutofit fontScale="90000"/>
+          </a:bodyPr>
+          <a:lstStyle/>
+          <a:p>
+            <a:r>
+              <a:rPr kumimoji="1" lang="ja-JP" altLang="en-US" sz="4800" dirty="0" smtClean="0">
+                <a:latin typeface="+mj-ea"/>
+              </a:rPr>
+              <a:t>勝利判定</a:t>
+            </a:r>
+            <a:endParaRPr kumimoji="1" lang="ja-JP" altLang="en-US" sz="4800" dirty="0">
+              <a:latin typeface="+mj-ea"/>
+            </a:endParaRPr>
+          </a:p>
+        </p:txBody>
+      </p:sp>
+      <p:sp>
+        <p:nvSpPr>
+          <p:cNvPr id="3" name="コンテンツ プレースホルダー 2"/>
+          <p:cNvSpPr>
+            <a:spLocks noGrp="1"/>
+          </p:cNvSpPr>
+          <p:nvPr>
+            <p:ph idx="1"/>
+          </p:nvPr>
+        </p:nvSpPr>
+        <p:spPr/>
+        <p:txBody>
+          <a:bodyPr>
+            <a:normAutofit/>
+          </a:bodyPr>
+          <a:lstStyle/>
+          <a:p>
+            <a:endParaRPr lang="en-US" altLang="ja-JP" sz="3200" dirty="0" smtClean="0"/>
+          </a:p>
+        </p:txBody>
+      </p:sp>
+    </p:spTree>
+    <p:extLst>
+      <p:ext uri="{BB962C8B-B14F-4D97-AF65-F5344CB8AC3E}">
+        <p14:creationId xmlns:p14="http://schemas.microsoft.com/office/powerpoint/2010/main" val="1857049003"/>
+      </p:ext>
+    </p:extLst>
+  </p:cSld>
+  <p:clrMapOvr>
+    <a:masterClrMapping/>
+  </p:clrMapOvr>
+  <p:timing>
+    <p:tnLst>
+      <p:par>
+        <p:cTn id="1" dur="indefinite" restart="never" nodeType="tmRoot"/>
+      </p:par>
+    </p:tnLst>
+  </p:timing>
+</p:sld>
+</file>
+
+<file path=ppt/slides/slide6.xml><?xml version="1.0" encoding="utf-8"?>
+<p:sld xmlns:a="http://schemas.openxmlformats.org/drawingml/2006/main" xmlns:r="http://schemas.openxmlformats.org/officeDocument/2006/relationships" xmlns:p="http://schemas.openxmlformats.org/presentationml/2006/main">
+  <p:cSld>
+    <p:spTree>
+      <p:nvGrpSpPr>
+        <p:cNvPr id="1" name=""/>
+        <p:cNvGrpSpPr/>
+        <p:nvPr/>
+      </p:nvGrpSpPr>
+      <p:grpSpPr>
+        <a:xfrm>
+          <a:off x="0" y="0"/>
+          <a:ext cx="0" cy="0"/>
+          <a:chOff x="0" y="0"/>
+          <a:chExt cx="0" cy="0"/>
+        </a:xfrm>
+      </p:grpSpPr>
+      <p:sp>
+        <p:nvSpPr>
+          <p:cNvPr id="2" name="タイトル 1"/>
+          <p:cNvSpPr>
+            <a:spLocks noGrp="1"/>
+          </p:cNvSpPr>
+          <p:nvPr>
+            <p:ph type="title"/>
+          </p:nvPr>
+        </p:nvSpPr>
+        <p:spPr>
+          <a:xfrm>
+            <a:off x="1451579" y="1112520"/>
+            <a:ext cx="9603275" cy="741234"/>
+          </a:xfrm>
+        </p:spPr>
+        <p:txBody>
+          <a:bodyPr>
+            <a:normAutofit fontScale="90000"/>
+          </a:bodyPr>
+          <a:lstStyle/>
+          <a:p>
+            <a:r>
+              <a:rPr lang="ja-JP" altLang="en-US" sz="4800" dirty="0" smtClean="0">
+                <a:latin typeface="+mj-ea"/>
+              </a:rPr>
+              <a:t>課題</a:t>
+            </a:r>
+            <a:r>
+              <a:rPr lang="en-US" altLang="ja-JP" sz="4800" dirty="0" smtClean="0">
+                <a:latin typeface="+mj-ea"/>
+              </a:rPr>
+              <a:t>5</a:t>
+            </a:r>
+            <a:r>
+              <a:rPr lang="ja-JP" altLang="en-US" sz="4800" dirty="0" smtClean="0">
+                <a:latin typeface="+mj-ea"/>
+              </a:rPr>
+              <a:t>の開発方針</a:t>
+            </a:r>
+            <a:endParaRPr kumimoji="1" lang="ja-JP" altLang="en-US" sz="4800" dirty="0">
+              <a:latin typeface="+mj-ea"/>
+            </a:endParaRPr>
+          </a:p>
+        </p:txBody>
+      </p:sp>
+      <p:sp>
+        <p:nvSpPr>
+          <p:cNvPr id="3" name="コンテンツ プレースホルダー 2"/>
+          <p:cNvSpPr>
+            <a:spLocks noGrp="1"/>
+          </p:cNvSpPr>
+          <p:nvPr>
+            <p:ph idx="1"/>
+          </p:nvPr>
+        </p:nvSpPr>
+        <p:spPr/>
+        <p:txBody>
+          <a:bodyPr>
+            <a:normAutofit/>
+          </a:bodyPr>
+          <a:lstStyle/>
+          <a:p>
+            <a:r>
+              <a:rPr lang="en-US" altLang="ja-JP" sz="3200" dirty="0" err="1" smtClean="0"/>
+              <a:t>gamePvP</a:t>
+            </a:r>
+            <a:r>
+              <a:rPr lang="ja-JP" altLang="en-US" sz="3200" dirty="0" smtClean="0"/>
+              <a:t>を改良し、</a:t>
+            </a:r>
+            <a:r>
+              <a:rPr lang="en-US" altLang="ja-JP" sz="3200" dirty="0" smtClean="0"/>
+              <a:t>1</a:t>
+            </a:r>
+            <a:r>
+              <a:rPr lang="ja-JP" altLang="en-US" sz="3200" dirty="0" smtClean="0"/>
+              <a:t>ターン間隔で</a:t>
+            </a:r>
+            <a:r>
+              <a:rPr lang="en-US" altLang="ja-JP" sz="3200" dirty="0" smtClean="0"/>
+              <a:t>computer</a:t>
+            </a:r>
+            <a:r>
+              <a:rPr lang="ja-JP" altLang="en-US" sz="3200" dirty="0" smtClean="0"/>
+              <a:t>に箱を置かせればよい</a:t>
+            </a:r>
+            <a:endParaRPr lang="en-US" altLang="ja-JP" sz="3200" dirty="0" smtClean="0"/>
+          </a:p>
+          <a:p>
+            <a:r>
+              <a:rPr lang="en-US" altLang="ja-JP" sz="3200" dirty="0" smtClean="0"/>
+              <a:t>1</a:t>
+            </a:r>
+            <a:r>
+              <a:rPr lang="ja-JP" altLang="en-US" sz="3200" dirty="0" smtClean="0"/>
+              <a:t>ターン間隔で</a:t>
+            </a:r>
+            <a:r>
+              <a:rPr lang="en-US" altLang="ja-JP" sz="3200" dirty="0" smtClean="0"/>
+              <a:t>next_play</a:t>
+            </a:r>
+            <a:r>
+              <a:rPr lang="ja-JP" altLang="en-US" sz="3200" dirty="0" smtClean="0"/>
+              <a:t>を呼び出せばよい</a:t>
+            </a:r>
+            <a:endParaRPr lang="en-US" altLang="ja-JP" sz="3200" dirty="0" smtClean="0"/>
+          </a:p>
+          <a:p>
+            <a:r>
+              <a:rPr lang="en-US" altLang="ja-JP" sz="3200" dirty="0"/>
+              <a:t>n</a:t>
+            </a:r>
+            <a:r>
+              <a:rPr lang="en-US" altLang="ja-JP" sz="3200" dirty="0" smtClean="0"/>
+              <a:t>ext_play</a:t>
+            </a:r>
+            <a:r>
+              <a:rPr lang="ja-JP" altLang="en-US" sz="3200" dirty="0" smtClean="0"/>
+              <a:t>の内容は？</a:t>
+            </a:r>
+            <a:endParaRPr lang="en-US" altLang="ja-JP" sz="3200" dirty="0" smtClean="0"/>
+          </a:p>
+          <a:p>
+            <a:endParaRPr lang="en-US" altLang="ja-JP" sz="3200" dirty="0" smtClean="0"/>
+          </a:p>
+        </p:txBody>
+      </p:sp>
+    </p:spTree>
+    <p:extLst>
+      <p:ext uri="{BB962C8B-B14F-4D97-AF65-F5344CB8AC3E}">
+        <p14:creationId xmlns:p14="http://schemas.microsoft.com/office/powerpoint/2010/main" val="39457345"/>
+      </p:ext>
+    </p:extLst>
+  </p:cSld>
+  <p:clrMapOvr>
+    <a:masterClrMapping/>
+  </p:clrMapOvr>
+  <p:timing>
+    <p:tnLst>
+      <p:par>
+        <p:cTn id="1" dur="indefinite" restart="never" nodeType="tmRoot"/>
+      </p:par>
+    </p:tnLst>
+  </p:timing>
+</p:sld>
+</file>
+
+<file path=ppt/slides/slide7.xml><?xml version="1.0" encoding="utf-8"?>
+<p:sld xmlns:a="http://schemas.openxmlformats.org/drawingml/2006/main" xmlns:r="http://schemas.openxmlformats.org/officeDocument/2006/relationships" xmlns:p="http://schemas.openxmlformats.org/presentationml/2006/main">
+  <p:cSld>
+    <p:spTree>
+      <p:nvGrpSpPr>
+        <p:cNvPr id="1" name=""/>
+        <p:cNvGrpSpPr/>
+        <p:nvPr/>
+      </p:nvGrpSpPr>
+      <p:grpSpPr>
+        <a:xfrm>
+          <a:off x="0" y="0"/>
+          <a:ext cx="0" cy="0"/>
+          <a:chOff x="0" y="0"/>
+          <a:chExt cx="0" cy="0"/>
+        </a:xfrm>
+      </p:grpSpPr>
+      <p:sp>
+        <p:nvSpPr>
+          <p:cNvPr id="2" name="タイトル 1"/>
+          <p:cNvSpPr>
+            <a:spLocks noGrp="1"/>
+          </p:cNvSpPr>
+          <p:nvPr>
+            <p:ph type="title"/>
+          </p:nvPr>
+        </p:nvSpPr>
+        <p:spPr>
+          <a:xfrm>
+            <a:off x="1451579" y="1112520"/>
+            <a:ext cx="9603275" cy="741234"/>
+          </a:xfrm>
+        </p:spPr>
+        <p:txBody>
+          <a:bodyPr>
             <a:normAutofit/>
           </a:bodyPr>
           <a:lstStyle/>
@@ -5374,7 +7120,7 @@
                   <a:prstClr val="black"/>
                 </a:solidFill>
               </a:rPr>
-              <a:t>next_play</a:t>
+              <a:t>next_play_ver1</a:t>
             </a:r>
             <a:endParaRPr kumimoji="1" lang="ja-JP" altLang="en-US" sz="4800" dirty="0">
               <a:latin typeface="+mj-ea"/>
@@ -5400,32 +7146,9 @@
           <a:lstStyle/>
           <a:p>
             <a:r>
-              <a:rPr lang="en-US" altLang="ja-JP" sz="3200" dirty="0" err="1" smtClean="0"/>
-              <a:t>gamePvP</a:t>
-            </a:r>
-            <a:r>
               <a:rPr lang="ja-JP" altLang="en-US" sz="3200" dirty="0" smtClean="0"/>
-              <a:t>を改良し、</a:t>
-            </a:r>
-            <a:r>
-              <a:rPr lang="en-US" altLang="ja-JP" sz="3200" dirty="0" smtClean="0"/>
-              <a:t>1</a:t>
-            </a:r>
-            <a:r>
-              <a:rPr lang="ja-JP" altLang="en-US" sz="3200" dirty="0" smtClean="0"/>
-              <a:t>ターン間隔で</a:t>
-            </a:r>
-            <a:r>
-              <a:rPr lang="en-US" altLang="ja-JP" sz="3200" dirty="0" smtClean="0"/>
-              <a:t>computer</a:t>
-            </a:r>
-            <a:r>
-              <a:rPr lang="ja-JP" altLang="en-US" sz="3200" dirty="0" smtClean="0"/>
-              <a:t>に箱を置かせればよい</a:t>
-            </a:r>
-            <a:endParaRPr lang="en-US" altLang="ja-JP" sz="3200" dirty="0" smtClean="0"/>
-          </a:p>
-          <a:p>
+              <a:t>ランダムで箱を置く</a:t>
+            </a:r>
             <a:endParaRPr lang="en-US" altLang="ja-JP" sz="3200" dirty="0" smtClean="0"/>
           </a:p>
           <a:p>
@@ -5437,6 +7160,253 @@
     <p:extLst>
       <p:ext uri="{BB962C8B-B14F-4D97-AF65-F5344CB8AC3E}">
         <p14:creationId xmlns:p14="http://schemas.microsoft.com/office/powerpoint/2010/main" val="1559810950"/>
+      </p:ext>
+    </p:extLst>
+  </p:cSld>
+  <p:clrMapOvr>
+    <a:masterClrMapping/>
+  </p:clrMapOvr>
+  <p:timing>
+    <p:tnLst>
+      <p:par>
+        <p:cTn id="1" dur="indefinite" restart="never" nodeType="tmRoot"/>
+      </p:par>
+    </p:tnLst>
+  </p:timing>
+</p:sld>
+</file>
+
+<file path=ppt/slides/slide8.xml><?xml version="1.0" encoding="utf-8"?>
+<p:sld xmlns:a="http://schemas.openxmlformats.org/drawingml/2006/main" xmlns:r="http://schemas.openxmlformats.org/officeDocument/2006/relationships" xmlns:p="http://schemas.openxmlformats.org/presentationml/2006/main">
+  <p:cSld>
+    <p:spTree>
+      <p:nvGrpSpPr>
+        <p:cNvPr id="1" name=""/>
+        <p:cNvGrpSpPr/>
+        <p:nvPr/>
+      </p:nvGrpSpPr>
+      <p:grpSpPr>
+        <a:xfrm>
+          <a:off x="0" y="0"/>
+          <a:ext cx="0" cy="0"/>
+          <a:chOff x="0" y="0"/>
+          <a:chExt cx="0" cy="0"/>
+        </a:xfrm>
+      </p:grpSpPr>
+      <p:sp>
+        <p:nvSpPr>
+          <p:cNvPr id="2" name="タイトル 1"/>
+          <p:cNvSpPr>
+            <a:spLocks noGrp="1"/>
+          </p:cNvSpPr>
+          <p:nvPr>
+            <p:ph type="title"/>
+          </p:nvPr>
+        </p:nvSpPr>
+        <p:spPr>
+          <a:xfrm>
+            <a:off x="1451579" y="1112520"/>
+            <a:ext cx="9603275" cy="741234"/>
+          </a:xfrm>
+        </p:spPr>
+        <p:txBody>
+          <a:bodyPr>
+            <a:normAutofit/>
+          </a:bodyPr>
+          <a:lstStyle/>
+          <a:p>
+            <a:r>
+              <a:rPr lang="en-US" altLang="ja-JP" cap="none" dirty="0" smtClean="0">
+                <a:solidFill>
+                  <a:prstClr val="black"/>
+                </a:solidFill>
+              </a:rPr>
+              <a:t>next_play_ver2</a:t>
+            </a:r>
+            <a:endParaRPr kumimoji="1" lang="ja-JP" altLang="en-US" sz="4800" dirty="0">
+              <a:latin typeface="+mj-ea"/>
+            </a:endParaRPr>
+          </a:p>
+        </p:txBody>
+      </p:sp>
+      <p:sp>
+        <p:nvSpPr>
+          <p:cNvPr id="3" name="コンテンツ プレースホルダー 2"/>
+          <p:cNvSpPr>
+            <a:spLocks noGrp="1"/>
+          </p:cNvSpPr>
+          <p:nvPr>
+            <p:ph idx="1"/>
+          </p:nvPr>
+        </p:nvSpPr>
+        <p:spPr/>
+        <p:txBody>
+          <a:bodyPr>
+            <a:normAutofit/>
+          </a:bodyPr>
+          <a:lstStyle/>
+          <a:p>
+            <a:r>
+              <a:rPr lang="ja-JP" altLang="en-US" sz="3200" dirty="0" smtClean="0"/>
+              <a:t>ランダムで箱を置く</a:t>
+            </a:r>
+            <a:endParaRPr lang="en-US" altLang="ja-JP" sz="3200" dirty="0" smtClean="0"/>
+          </a:p>
+          <a:p>
+            <a:r>
+              <a:rPr lang="en-US" altLang="ja-JP" sz="3200" dirty="0" err="1" smtClean="0"/>
+              <a:t>v</a:t>
+            </a:r>
+            <a:r>
+              <a:rPr lang="en-US" altLang="ja-JP" sz="3200" dirty="0" err="1" smtClean="0"/>
+              <a:t>_plays,d_plays</a:t>
+            </a:r>
+            <a:r>
+              <a:rPr lang="ja-JP" altLang="en-US" sz="3200" dirty="0" smtClean="0"/>
+              <a:t>を活用</a:t>
+            </a:r>
+            <a:endParaRPr lang="en-US" altLang="ja-JP" sz="3200" dirty="0" smtClean="0"/>
+          </a:p>
+          <a:p>
+            <a:endParaRPr lang="en-US" altLang="ja-JP" sz="3200" dirty="0" smtClean="0"/>
+          </a:p>
+          <a:p>
+            <a:endParaRPr lang="en-US" altLang="ja-JP" sz="3200" dirty="0" smtClean="0"/>
+          </a:p>
+        </p:txBody>
+      </p:sp>
+    </p:spTree>
+    <p:extLst>
+      <p:ext uri="{BB962C8B-B14F-4D97-AF65-F5344CB8AC3E}">
+        <p14:creationId xmlns:p14="http://schemas.microsoft.com/office/powerpoint/2010/main" val="747730683"/>
+      </p:ext>
+    </p:extLst>
+  </p:cSld>
+  <p:clrMapOvr>
+    <a:masterClrMapping/>
+  </p:clrMapOvr>
+  <p:timing>
+    <p:tnLst>
+      <p:par>
+        <p:cTn id="1" dur="indefinite" restart="never" nodeType="tmRoot"/>
+      </p:par>
+    </p:tnLst>
+  </p:timing>
+</p:sld>
+</file>
+
+<file path=ppt/slides/slide9.xml><?xml version="1.0" encoding="utf-8"?>
+<p:sld xmlns:a="http://schemas.openxmlformats.org/drawingml/2006/main" xmlns:r="http://schemas.openxmlformats.org/officeDocument/2006/relationships" xmlns:p="http://schemas.openxmlformats.org/presentationml/2006/main">
+  <p:cSld>
+    <p:spTree>
+      <p:nvGrpSpPr>
+        <p:cNvPr id="1" name=""/>
+        <p:cNvGrpSpPr/>
+        <p:nvPr/>
+      </p:nvGrpSpPr>
+      <p:grpSpPr>
+        <a:xfrm>
+          <a:off x="0" y="0"/>
+          <a:ext cx="0" cy="0"/>
+          <a:chOff x="0" y="0"/>
+          <a:chExt cx="0" cy="0"/>
+        </a:xfrm>
+      </p:grpSpPr>
+      <p:sp>
+        <p:nvSpPr>
+          <p:cNvPr id="2" name="タイトル 1"/>
+          <p:cNvSpPr>
+            <a:spLocks noGrp="1"/>
+          </p:cNvSpPr>
+          <p:nvPr>
+            <p:ph type="title"/>
+          </p:nvPr>
+        </p:nvSpPr>
+        <p:spPr>
+          <a:xfrm>
+            <a:off x="1451579" y="1112520"/>
+            <a:ext cx="9603275" cy="741234"/>
+          </a:xfrm>
+        </p:spPr>
+        <p:txBody>
+          <a:bodyPr>
+            <a:normAutofit/>
+          </a:bodyPr>
+          <a:lstStyle/>
+          <a:p>
+            <a:r>
+              <a:rPr lang="en-US" altLang="ja-JP" cap="none" dirty="0" smtClean="0">
+                <a:solidFill>
+                  <a:prstClr val="black"/>
+                </a:solidFill>
+              </a:rPr>
+              <a:t>next_play_ver3</a:t>
+            </a:r>
+            <a:endParaRPr kumimoji="1" lang="ja-JP" altLang="en-US" sz="4800" dirty="0">
+              <a:latin typeface="+mj-ea"/>
+            </a:endParaRPr>
+          </a:p>
+        </p:txBody>
+      </p:sp>
+      <p:sp>
+        <p:nvSpPr>
+          <p:cNvPr id="3" name="コンテンツ プレースホルダー 2"/>
+          <p:cNvSpPr>
+            <a:spLocks noGrp="1"/>
+          </p:cNvSpPr>
+          <p:nvPr>
+            <p:ph idx="1"/>
+          </p:nvPr>
+        </p:nvSpPr>
+        <p:spPr/>
+        <p:txBody>
+          <a:bodyPr>
+            <a:normAutofit/>
+          </a:bodyPr>
+          <a:lstStyle/>
+          <a:p>
+            <a:r>
+              <a:rPr lang="ja-JP" altLang="en-US" sz="3200" dirty="0" smtClean="0"/>
+              <a:t>ランダム</a:t>
+            </a:r>
+            <a:r>
+              <a:rPr lang="ja-JP" altLang="en-US" sz="3200" dirty="0" smtClean="0"/>
+              <a:t>でなるべく中央に箱</a:t>
+            </a:r>
+            <a:r>
+              <a:rPr lang="ja-JP" altLang="en-US" sz="3200" dirty="0" smtClean="0"/>
+              <a:t>を</a:t>
+            </a:r>
+            <a:r>
+              <a:rPr lang="ja-JP" altLang="en-US" sz="3200" dirty="0" smtClean="0"/>
+              <a:t>置く→正規分布</a:t>
+            </a:r>
+            <a:endParaRPr lang="en-US" altLang="ja-JP" sz="3200" dirty="0" smtClean="0"/>
+          </a:p>
+          <a:p>
+            <a:r>
+              <a:rPr lang="en-US" altLang="ja-JP" sz="3200" dirty="0" err="1" smtClean="0"/>
+              <a:t>v</a:t>
+            </a:r>
+            <a:r>
+              <a:rPr lang="en-US" altLang="ja-JP" sz="3200" dirty="0" err="1" smtClean="0"/>
+              <a:t>_plays,d_plays</a:t>
+            </a:r>
+            <a:r>
+              <a:rPr lang="ja-JP" altLang="en-US" sz="3200" dirty="0" smtClean="0"/>
+              <a:t>を活用</a:t>
+            </a:r>
+            <a:endParaRPr lang="en-US" altLang="ja-JP" sz="3200" dirty="0" smtClean="0"/>
+          </a:p>
+          <a:p>
+            <a:endParaRPr lang="en-US" altLang="ja-JP" sz="3200" dirty="0" smtClean="0"/>
+          </a:p>
+        </p:txBody>
+      </p:sp>
+    </p:spTree>
+    <p:extLst>
+      <p:ext uri="{BB962C8B-B14F-4D97-AF65-F5344CB8AC3E}">
+        <p14:creationId xmlns:p14="http://schemas.microsoft.com/office/powerpoint/2010/main" val="2040324556"/>
       </p:ext>
     </p:extLst>
   </p:cSld>

--- a/documents/中間発表.pptx
+++ b/documents/中間発表.pptx
@@ -211,7 +211,7 @@
           <a:p>
             <a:fld id="{C9540F8B-B2B5-6049-B6DD-082E7C2B9020}" type="datetimeFigureOut">
               <a:rPr kumimoji="1" lang="ja-JP" altLang="en-US" smtClean="0"/>
-              <a:t>2017/10/26</a:t>
+              <a:t>2017/10/28</a:t>
             </a:fld>
             <a:endParaRPr kumimoji="1" lang="ja-JP" altLang="en-US"/>
           </a:p>
@@ -1467,7 +1467,7 @@
           <a:p>
             <a:fld id="{5BD1D3DF-0741-D243-8F4E-C896022EB0EE}" type="datetimeFigureOut">
               <a:rPr kumimoji="1" lang="ja-JP" altLang="en-US" smtClean="0"/>
-              <a:t>2017/10/26</a:t>
+              <a:t>2017/10/28</a:t>
             </a:fld>
             <a:endParaRPr kumimoji="1" lang="ja-JP" altLang="en-US"/>
           </a:p>
@@ -1717,7 +1717,7 @@
           <a:p>
             <a:fld id="{5BD1D3DF-0741-D243-8F4E-C896022EB0EE}" type="datetimeFigureOut">
               <a:rPr kumimoji="1" lang="ja-JP" altLang="en-US" smtClean="0"/>
-              <a:t>2017/10/26</a:t>
+              <a:t>2017/10/28</a:t>
             </a:fld>
             <a:endParaRPr kumimoji="1" lang="ja-JP" altLang="en-US"/>
           </a:p>
@@ -1966,7 +1966,7 @@
           <a:p>
             <a:fld id="{5BD1D3DF-0741-D243-8F4E-C896022EB0EE}" type="datetimeFigureOut">
               <a:rPr kumimoji="1" lang="ja-JP" altLang="en-US" smtClean="0"/>
-              <a:t>2017/10/26</a:t>
+              <a:t>2017/10/28</a:t>
             </a:fld>
             <a:endParaRPr kumimoji="1" lang="ja-JP" altLang="en-US"/>
           </a:p>
@@ -2199,7 +2199,7 @@
           <a:p>
             <a:fld id="{5BD1D3DF-0741-D243-8F4E-C896022EB0EE}" type="datetimeFigureOut">
               <a:rPr kumimoji="1" lang="ja-JP" altLang="en-US" smtClean="0"/>
-              <a:t>2017/10/26</a:t>
+              <a:t>2017/10/28</a:t>
             </a:fld>
             <a:endParaRPr kumimoji="1" lang="ja-JP" altLang="en-US"/>
           </a:p>
@@ -2569,7 +2569,7 @@
           <a:p>
             <a:fld id="{5BD1D3DF-0741-D243-8F4E-C896022EB0EE}" type="datetimeFigureOut">
               <a:rPr kumimoji="1" lang="ja-JP" altLang="en-US" smtClean="0"/>
-              <a:t>2017/10/26</a:t>
+              <a:t>2017/10/28</a:t>
             </a:fld>
             <a:endParaRPr kumimoji="1" lang="ja-JP" altLang="en-US"/>
           </a:p>
@@ -2901,7 +2901,7 @@
           <a:p>
             <a:fld id="{5BD1D3DF-0741-D243-8F4E-C896022EB0EE}" type="datetimeFigureOut">
               <a:rPr kumimoji="1" lang="ja-JP" altLang="en-US" smtClean="0"/>
-              <a:t>2017/10/26</a:t>
+              <a:t>2017/10/28</a:t>
             </a:fld>
             <a:endParaRPr kumimoji="1" lang="ja-JP" altLang="en-US"/>
           </a:p>
@@ -3383,7 +3383,7 @@
           <a:p>
             <a:fld id="{5BD1D3DF-0741-D243-8F4E-C896022EB0EE}" type="datetimeFigureOut">
               <a:rPr kumimoji="1" lang="ja-JP" altLang="en-US" smtClean="0"/>
-              <a:t>2017/10/26</a:t>
+              <a:t>2017/10/28</a:t>
             </a:fld>
             <a:endParaRPr kumimoji="1" lang="ja-JP" altLang="en-US"/>
           </a:p>
@@ -3534,7 +3534,7 @@
           <a:p>
             <a:fld id="{5BD1D3DF-0741-D243-8F4E-C896022EB0EE}" type="datetimeFigureOut">
               <a:rPr kumimoji="1" lang="ja-JP" altLang="en-US" smtClean="0"/>
-              <a:t>2017/10/26</a:t>
+              <a:t>2017/10/28</a:t>
             </a:fld>
             <a:endParaRPr kumimoji="1" lang="ja-JP" altLang="en-US"/>
           </a:p>
@@ -3662,7 +3662,7 @@
           <a:p>
             <a:fld id="{5BD1D3DF-0741-D243-8F4E-C896022EB0EE}" type="datetimeFigureOut">
               <a:rPr kumimoji="1" lang="ja-JP" altLang="en-US" smtClean="0"/>
-              <a:t>2017/10/26</a:t>
+              <a:t>2017/10/28</a:t>
             </a:fld>
             <a:endParaRPr kumimoji="1" lang="ja-JP" altLang="en-US"/>
           </a:p>
@@ -3945,7 +3945,7 @@
           <a:p>
             <a:fld id="{5BD1D3DF-0741-D243-8F4E-C896022EB0EE}" type="datetimeFigureOut">
               <a:rPr kumimoji="1" lang="ja-JP" altLang="en-US" smtClean="0"/>
-              <a:t>2017/10/26</a:t>
+              <a:t>2017/10/28</a:t>
             </a:fld>
             <a:endParaRPr kumimoji="1" lang="ja-JP" altLang="en-US"/>
           </a:p>
@@ -4390,7 +4390,7 @@
           <a:p>
             <a:fld id="{5BD1D3DF-0741-D243-8F4E-C896022EB0EE}" type="datetimeFigureOut">
               <a:rPr kumimoji="1" lang="ja-JP" altLang="en-US" smtClean="0"/>
-              <a:t>2017/10/26</a:t>
+              <a:t>2017/10/28</a:t>
             </a:fld>
             <a:endParaRPr kumimoji="1" lang="ja-JP" altLang="en-US"/>
           </a:p>
@@ -4723,7 +4723,7 @@
           <a:p>
             <a:fld id="{5BD1D3DF-0741-D243-8F4E-C896022EB0EE}" type="datetimeFigureOut">
               <a:rPr kumimoji="1" lang="ja-JP" altLang="en-US" smtClean="0"/>
-              <a:t>2017/10/26</a:t>
+              <a:t>2017/10/28</a:t>
             </a:fld>
             <a:endParaRPr kumimoji="1" lang="ja-JP" altLang="en-US"/>
           </a:p>
@@ -5383,7 +5383,7 @@
           <p:cNvPr id="37" name="Rectangle 36">
             <a:extLst>
               <a:ext uri="{FF2B5EF4-FFF2-40B4-BE49-F238E27FC236}">
-                <a16:creationId xmlns:a16="http://schemas.microsoft.com/office/drawing/2014/main" xmlns="" id="{0CABCAE3-64FC-4149-819F-2C1812824154}"/>
+                <a16:creationId xmlns="" xmlns:a16="http://schemas.microsoft.com/office/drawing/2014/main" id="{0CABCAE3-64FC-4149-819F-2C1812824154}"/>
               </a:ext>
             </a:extLst>
           </p:cNvPr>
@@ -5446,7 +5446,7 @@
           <p:cNvPr id="39" name="Picture 38">
             <a:extLst>
               <a:ext uri="{FF2B5EF4-FFF2-40B4-BE49-F238E27FC236}">
-                <a16:creationId xmlns:a16="http://schemas.microsoft.com/office/drawing/2014/main" xmlns="" id="{012FDCFE-9AD2-4D8A-8CBF-B3AA37EBF6DD}"/>
+                <a16:creationId xmlns="" xmlns:a16="http://schemas.microsoft.com/office/drawing/2014/main" id="{012FDCFE-9AD2-4D8A-8CBF-B3AA37EBF6DD}"/>
               </a:ext>
             </a:extLst>
           </p:cNvPr>
@@ -5487,7 +5487,7 @@
           <p:cNvPr id="41" name="Straight Connector 40">
             <a:extLst>
               <a:ext uri="{FF2B5EF4-FFF2-40B4-BE49-F238E27FC236}">
-                <a16:creationId xmlns:a16="http://schemas.microsoft.com/office/drawing/2014/main" xmlns="" id="{FBD463FC-4CA8-4FF4-85A3-AF9F4B98D210}"/>
+                <a16:creationId xmlns="" xmlns:a16="http://schemas.microsoft.com/office/drawing/2014/main" id="{FBD463FC-4CA8-4FF4-85A3-AF9F4B98D210}"/>
               </a:ext>
             </a:extLst>
           </p:cNvPr>
@@ -5538,7 +5538,7 @@
           <p:cNvPr id="43" name="Straight Connector 42">
             <a:extLst>
               <a:ext uri="{FF2B5EF4-FFF2-40B4-BE49-F238E27FC236}">
-                <a16:creationId xmlns:a16="http://schemas.microsoft.com/office/drawing/2014/main" xmlns="" id="{A56012FD-74A8-4C91-B318-435CF2B71927}"/>
+                <a16:creationId xmlns="" xmlns:a16="http://schemas.microsoft.com/office/drawing/2014/main" id="{A56012FD-74A8-4C91-B318-435CF2B71927}"/>
               </a:ext>
             </a:extLst>
           </p:cNvPr>
@@ -5583,7 +5583,7 @@
           <p:cNvPr id="45" name="Rectangle 44">
             <a:extLst>
               <a:ext uri="{FF2B5EF4-FFF2-40B4-BE49-F238E27FC236}">
-                <a16:creationId xmlns:a16="http://schemas.microsoft.com/office/drawing/2014/main" xmlns="" id="{3193BA5C-B8F3-4972-BA54-014C48FAFA42}"/>
+                <a16:creationId xmlns="" xmlns:a16="http://schemas.microsoft.com/office/drawing/2014/main" id="{3193BA5C-B8F3-4972-BA54-014C48FAFA42}"/>
               </a:ext>
             </a:extLst>
           </p:cNvPr>
@@ -5640,7 +5640,7 @@
           <p:cNvPr id="47" name="Rectangle 46">
             <a:extLst>
               <a:ext uri="{FF2B5EF4-FFF2-40B4-BE49-F238E27FC236}">
-                <a16:creationId xmlns:a16="http://schemas.microsoft.com/office/drawing/2014/main" xmlns="" id="{05B93327-222A-4DAC-9163-371BF44CDB0C}"/>
+                <a16:creationId xmlns="" xmlns:a16="http://schemas.microsoft.com/office/drawing/2014/main" id="{05B93327-222A-4DAC-9163-371BF44CDB0C}"/>
               </a:ext>
             </a:extLst>
           </p:cNvPr>
@@ -5711,7 +5711,7 @@
           <p:cNvPr id="49" name="Picture 48">
             <a:extLst>
               <a:ext uri="{FF2B5EF4-FFF2-40B4-BE49-F238E27FC236}">
-                <a16:creationId xmlns:a16="http://schemas.microsoft.com/office/drawing/2014/main" xmlns="" id="{C04ED70F-D6FD-4EB1-A171-D30F885FE73E}"/>
+                <a16:creationId xmlns="" xmlns:a16="http://schemas.microsoft.com/office/drawing/2014/main" id="{C04ED70F-D6FD-4EB1-A171-D30F885FE73E}"/>
               </a:ext>
             </a:extLst>
           </p:cNvPr>
@@ -5752,7 +5752,7 @@
           <p:cNvPr id="51" name="Straight Connector 50">
             <a:extLst>
               <a:ext uri="{FF2B5EF4-FFF2-40B4-BE49-F238E27FC236}">
-                <a16:creationId xmlns:a16="http://schemas.microsoft.com/office/drawing/2014/main" xmlns="" id="{DA26CAE9-74C4-4EDD-8A80-77F79EAA86F4}"/>
+                <a16:creationId xmlns="" xmlns:a16="http://schemas.microsoft.com/office/drawing/2014/main" id="{DA26CAE9-74C4-4EDD-8A80-77F79EAA86F4}"/>
               </a:ext>
             </a:extLst>
           </p:cNvPr>
@@ -5803,6 +5803,1032 @@
           <p:cNvPr id="53" name="Group 52">
             <a:extLst>
               <a:ext uri="{FF2B5EF4-FFF2-40B4-BE49-F238E27FC236}">
+                <a16:creationId xmlns="" xmlns:a16="http://schemas.microsoft.com/office/drawing/2014/main" id="{14EE34E3-F117-4487-8ACF-33DA65FA11B3}"/>
+              </a:ext>
+            </a:extLst>
+          </p:cNvPr>
+          <p:cNvGrpSpPr>
+            <a:grpSpLocks noGrp="1" noUngrp="1" noRot="1" noChangeAspect="1" noMove="1" noResize="1"/>
+          </p:cNvGrpSpPr>
+          <p:nvPr>
+            <p:extLst>
+              <p:ext uri="{386F3935-93C4-4BCD-93E2-E3B085C9AB24}">
+                <p16:designElem xmlns:p16="http://schemas.microsoft.com/office/powerpoint/2015/main" val="1"/>
+              </p:ext>
+            </p:extLst>
+          </p:nvPr>
+        </p:nvGrpSpPr>
+        <p:grpSpPr>
+          <a:xfrm>
+            <a:off x="5460131" y="482171"/>
+            <a:ext cx="6091791" cy="5149101"/>
+            <a:chOff x="5460131" y="482171"/>
+            <a:chExt cx="6091791" cy="5149101"/>
+          </a:xfrm>
+        </p:grpSpPr>
+        <p:sp>
+          <p:nvSpPr>
+            <p:cNvPr id="54" name="Rectangle 53">
+              <a:extLst>
+                <a:ext uri="{FF2B5EF4-FFF2-40B4-BE49-F238E27FC236}">
+                  <a16:creationId xmlns="" xmlns:a16="http://schemas.microsoft.com/office/drawing/2014/main" id="{39ACC02C-6424-4165-93C4-E83C8E81D462}"/>
+                </a:ext>
+              </a:extLst>
+            </p:cNvPr>
+            <p:cNvSpPr/>
+            <p:nvPr>
+              <p:extLst>
+                <p:ext uri="{386F3935-93C4-4BCD-93E2-E3B085C9AB24}">
+                  <p16:designElem xmlns:p16="http://schemas.microsoft.com/office/powerpoint/2015/main" val="1"/>
+                </p:ext>
+              </p:extLst>
+            </p:nvPr>
+          </p:nvSpPr>
+          <p:spPr>
+            <a:xfrm>
+              <a:off x="5460131" y="482171"/>
+              <a:ext cx="6091791" cy="5149101"/>
+            </a:xfrm>
+            <a:prstGeom prst="rect">
+              <a:avLst/>
+            </a:prstGeom>
+            <a:gradFill>
+              <a:gsLst>
+                <a:gs pos="0">
+                  <a:srgbClr val="000001"/>
+                </a:gs>
+                <a:gs pos="100000">
+                  <a:srgbClr val="191919"/>
+                </a:gs>
+              </a:gsLst>
+            </a:gradFill>
+            <a:ln w="76200" cmpd="sng">
+              <a:noFill/>
+              <a:miter lim="800000"/>
+            </a:ln>
+            <a:effectLst>
+              <a:outerShdw blurRad="127000" dist="228600" dir="4740000" sx="98000" sy="98000" algn="tl" rotWithShape="0">
+                <a:srgbClr val="000000">
+                  <a:alpha val="34000"/>
+                </a:srgbClr>
+              </a:outerShdw>
+            </a:effectLst>
+            <a:scene3d>
+              <a:camera prst="orthographicFront"/>
+              <a:lightRig rig="threePt" dir="t"/>
+            </a:scene3d>
+            <a:sp3d>
+              <a:bevelT w="152400" h="50800" prst="softRound"/>
+            </a:sp3d>
+          </p:spPr>
+          <p:style>
+            <a:lnRef idx="1">
+              <a:schemeClr val="accent1"/>
+            </a:lnRef>
+            <a:fillRef idx="3">
+              <a:schemeClr val="accent1"/>
+            </a:fillRef>
+            <a:effectRef idx="2">
+              <a:schemeClr val="accent1"/>
+            </a:effectRef>
+            <a:fontRef idx="minor">
+              <a:schemeClr val="lt1"/>
+            </a:fontRef>
+          </p:style>
+          <p:txBody>
+            <a:bodyPr rtlCol="0" anchor="ctr"/>
+            <a:lstStyle/>
+            <a:p>
+              <a:pPr algn="ctr"/>
+              <a:endParaRPr lang="en-US"/>
+            </a:p>
+          </p:txBody>
+        </p:sp>
+        <p:sp>
+          <p:nvSpPr>
+            <p:cNvPr id="55" name="Rectangle 54">
+              <a:extLst>
+                <a:ext uri="{FF2B5EF4-FFF2-40B4-BE49-F238E27FC236}">
+                  <a16:creationId xmlns="" xmlns:a16="http://schemas.microsoft.com/office/drawing/2014/main" id="{C182CB9C-C978-4C9B-9AAD-8B1341897550}"/>
+                </a:ext>
+              </a:extLst>
+            </p:cNvPr>
+            <p:cNvSpPr/>
+            <p:nvPr>
+              <p:extLst>
+                <p:ext uri="{386F3935-93C4-4BCD-93E2-E3B085C9AB24}">
+                  <p16:designElem xmlns:p16="http://schemas.microsoft.com/office/powerpoint/2015/main" val="1"/>
+                </p:ext>
+              </p:extLst>
+            </p:nvPr>
+          </p:nvSpPr>
+          <p:spPr>
+            <a:xfrm>
+              <a:off x="5778956" y="812507"/>
+              <a:ext cx="5461780" cy="4466452"/>
+            </a:xfrm>
+            <a:prstGeom prst="rect">
+              <a:avLst/>
+            </a:prstGeom>
+            <a:gradFill>
+              <a:gsLst>
+                <a:gs pos="0">
+                  <a:srgbClr val="DADADA"/>
+                </a:gs>
+                <a:gs pos="100000">
+                  <a:srgbClr val="FFFFFE"/>
+                </a:gs>
+              </a:gsLst>
+              <a:lin ang="16200000" scaled="0"/>
+            </a:gradFill>
+            <a:ln w="50800" cmpd="sng">
+              <a:solidFill>
+                <a:srgbClr val="191919"/>
+              </a:solidFill>
+              <a:miter lim="800000"/>
+            </a:ln>
+            <a:effectLst>
+              <a:innerShdw blurRad="63500" dist="88900" dir="14100000">
+                <a:srgbClr val="000000">
+                  <a:alpha val="30000"/>
+                </a:srgbClr>
+              </a:innerShdw>
+            </a:effectLst>
+            <a:scene3d>
+              <a:camera prst="orthographicFront"/>
+              <a:lightRig rig="threePt" dir="t"/>
+            </a:scene3d>
+            <a:sp3d>
+              <a:bevelT prst="relaxedInset"/>
+            </a:sp3d>
+          </p:spPr>
+          <p:style>
+            <a:lnRef idx="1">
+              <a:schemeClr val="accent1"/>
+            </a:lnRef>
+            <a:fillRef idx="3">
+              <a:schemeClr val="accent1"/>
+            </a:fillRef>
+            <a:effectRef idx="2">
+              <a:schemeClr val="accent1"/>
+            </a:effectRef>
+            <a:fontRef idx="minor">
+              <a:schemeClr val="lt1"/>
+            </a:fontRef>
+          </p:style>
+          <p:txBody>
+            <a:bodyPr rtlCol="0" anchor="ctr"/>
+            <a:lstStyle/>
+            <a:p>
+              <a:pPr algn="ctr"/>
+              <a:endParaRPr lang="en-US"/>
+            </a:p>
+          </p:txBody>
+        </p:sp>
+      </p:grpSp>
+      <p:sp>
+        <p:nvSpPr>
+          <p:cNvPr id="57" name="Rectangle 56">
+            <a:extLst>
+              <a:ext uri="{FF2B5EF4-FFF2-40B4-BE49-F238E27FC236}">
+                <a16:creationId xmlns="" xmlns:a16="http://schemas.microsoft.com/office/drawing/2014/main" id="{56388820-A63D-463C-9DBC-060A5ABE33B6}"/>
+              </a:ext>
+            </a:extLst>
+          </p:cNvPr>
+          <p:cNvSpPr>
+            <a:spLocks noGrp="1" noRot="1" noChangeAspect="1" noMove="1" noResize="1" noEditPoints="1" noAdjustHandles="1" noChangeArrowheads="1" noChangeShapeType="1" noTextEdit="1"/>
+          </p:cNvSpPr>
+          <p:nvPr>
+            <p:extLst>
+              <p:ext uri="{386F3935-93C4-4BCD-93E2-E3B085C9AB24}">
+                <p16:designElem xmlns:p16="http://schemas.microsoft.com/office/powerpoint/2015/main" val="1"/>
+              </p:ext>
+            </p:extLst>
+          </p:nvPr>
+        </p:nvSpPr>
+        <p:spPr>
+          <a:xfrm>
+            <a:off x="5942379" y="977965"/>
+            <a:ext cx="5134631" cy="4135339"/>
+          </a:xfrm>
+          <a:prstGeom prst="rect">
+            <a:avLst/>
+          </a:prstGeom>
+          <a:solidFill>
+            <a:schemeClr val="bg1"/>
+          </a:solidFill>
+          <a:ln w="6350">
+            <a:solidFill>
+              <a:schemeClr val="bg2"/>
+            </a:solidFill>
+          </a:ln>
+        </p:spPr>
+        <p:style>
+          <a:lnRef idx="2">
+            <a:schemeClr val="accent1">
+              <a:shade val="50000"/>
+            </a:schemeClr>
+          </a:lnRef>
+          <a:fillRef idx="1">
+            <a:schemeClr val="accent1"/>
+          </a:fillRef>
+          <a:effectRef idx="0">
+            <a:schemeClr val="accent1"/>
+          </a:effectRef>
+          <a:fontRef idx="minor">
+            <a:schemeClr val="lt1"/>
+          </a:fontRef>
+        </p:style>
+        <p:txBody>
+          <a:bodyPr rtlCol="0" anchor="ctr"/>
+          <a:lstStyle/>
+          <a:p>
+            <a:pPr algn="ctr"/>
+            <a:endParaRPr lang="en-US"/>
+          </a:p>
+        </p:txBody>
+      </p:sp>
+      <p:cxnSp>
+        <p:nvCxnSpPr>
+          <p:cNvPr id="59" name="Straight Connector 58">
+            <a:extLst>
+              <a:ext uri="{FF2B5EF4-FFF2-40B4-BE49-F238E27FC236}">
+                <a16:creationId xmlns="" xmlns:a16="http://schemas.microsoft.com/office/drawing/2014/main" id="{D7162BAB-C25E-4CE9-B87C-F118DC7E7C22}"/>
+              </a:ext>
+            </a:extLst>
+          </p:cNvPr>
+          <p:cNvCxnSpPr>
+            <a:cxnSpLocks noGrp="1" noRot="1" noChangeAspect="1" noMove="1" noResize="1" noEditPoints="1" noAdjustHandles="1" noChangeArrowheads="1" noChangeShapeType="1"/>
+          </p:cNvCxnSpPr>
+          <p:nvPr>
+            <p:extLst>
+              <p:ext uri="{386F3935-93C4-4BCD-93E2-E3B085C9AB24}">
+                <p16:designElem xmlns:p16="http://schemas.microsoft.com/office/powerpoint/2015/main" val="1"/>
+              </p:ext>
+            </p:extLst>
+          </p:nvPr>
+        </p:nvCxnSpPr>
+        <p:spPr>
+          <a:xfrm>
+            <a:off x="1453896" y="1847088"/>
+            <a:ext cx="3530885" cy="0"/>
+          </a:xfrm>
+          <a:prstGeom prst="line">
+            <a:avLst/>
+          </a:prstGeom>
+          <a:ln w="31750"/>
+        </p:spPr>
+        <p:style>
+          <a:lnRef idx="3">
+            <a:schemeClr val="accent1"/>
+          </a:lnRef>
+          <a:fillRef idx="0">
+            <a:schemeClr val="accent1"/>
+          </a:fillRef>
+          <a:effectRef idx="2">
+            <a:schemeClr val="accent1"/>
+          </a:effectRef>
+          <a:fontRef idx="minor">
+            <a:schemeClr val="tx1"/>
+          </a:fontRef>
+        </p:style>
+      </p:cxnSp>
+      <p:pic>
+        <p:nvPicPr>
+          <p:cNvPr id="3" name="図 2"/>
+          <p:cNvPicPr>
+            <a:picLocks noChangeAspect="1"/>
+          </p:cNvPicPr>
+          <p:nvPr/>
+        </p:nvPicPr>
+        <p:blipFill>
+          <a:blip r:embed="rId4">
+            <a:extLst>
+              <a:ext uri="{28A0092B-C50C-407E-A947-70E740481C1C}">
+                <a14:useLocalDpi xmlns:a14="http://schemas.microsoft.com/office/drawing/2010/main" val="0"/>
+              </a:ext>
+            </a:extLst>
+          </a:blip>
+          <a:stretch>
+            <a:fillRect/>
+          </a:stretch>
+        </p:blipFill>
+        <p:spPr>
+          <a:xfrm>
+            <a:off x="6093926" y="1241349"/>
+            <a:ext cx="4821551" cy="3616163"/>
+          </a:xfrm>
+          <a:prstGeom prst="rect">
+            <a:avLst/>
+          </a:prstGeom>
+        </p:spPr>
+      </p:pic>
+      <p:sp>
+        <p:nvSpPr>
+          <p:cNvPr id="2" name="タイトル 1"/>
+          <p:cNvSpPr>
+            <a:spLocks noGrp="1"/>
+          </p:cNvSpPr>
+          <p:nvPr>
+            <p:ph type="title"/>
+          </p:nvPr>
+        </p:nvSpPr>
+        <p:spPr>
+          <a:xfrm>
+            <a:off x="1435989" y="1241349"/>
+            <a:ext cx="3530157" cy="1049235"/>
+          </a:xfrm>
+        </p:spPr>
+        <p:txBody>
+          <a:bodyPr vert="horz" lIns="91440" tIns="45720" rIns="91440" bIns="45720" rtlCol="0" anchor="t">
+            <a:normAutofit/>
+          </a:bodyPr>
+          <a:lstStyle/>
+          <a:p>
+            <a:r>
+              <a:rPr lang="en-US" altLang="ja-JP" cap="none" dirty="0">
+                <a:solidFill>
+                  <a:prstClr val="black"/>
+                </a:solidFill>
+              </a:rPr>
+              <a:t>next_play_ver3</a:t>
+            </a:r>
+            <a:endParaRPr kumimoji="1" lang="en-US" altLang="ja-JP" dirty="0"/>
+          </a:p>
+        </p:txBody>
+      </p:sp>
+      <p:sp>
+        <p:nvSpPr>
+          <p:cNvPr id="9" name="Content Placeholder 8"/>
+          <p:cNvSpPr>
+            <a:spLocks noGrp="1"/>
+          </p:cNvSpPr>
+          <p:nvPr>
+            <p:ph idx="1"/>
+          </p:nvPr>
+        </p:nvSpPr>
+        <p:spPr>
+          <a:xfrm>
+            <a:off x="1451581" y="2015732"/>
+            <a:ext cx="3526523" cy="3450613"/>
+          </a:xfrm>
+        </p:spPr>
+        <p:txBody>
+          <a:bodyPr vert="horz" lIns="91440" tIns="45720" rIns="91440" bIns="45720" rtlCol="0" anchor="t">
+            <a:normAutofit/>
+          </a:bodyPr>
+          <a:lstStyle/>
+          <a:p>
+            <a:r>
+              <a:rPr lang="en-US" altLang="ja-JP" dirty="0"/>
+              <a:t>1</a:t>
+            </a:r>
+            <a:r>
+              <a:rPr lang="ja-JP" altLang="en-US" dirty="0"/>
+              <a:t>万回当たりの出現回数</a:t>
+            </a:r>
+            <a:endParaRPr lang="en-US" dirty="0"/>
+          </a:p>
+        </p:txBody>
+      </p:sp>
+    </p:spTree>
+    <p:extLst>
+      <p:ext uri="{BB962C8B-B14F-4D97-AF65-F5344CB8AC3E}">
+        <p14:creationId xmlns:p14="http://schemas.microsoft.com/office/powerpoint/2010/main" val="646766959"/>
+      </p:ext>
+    </p:extLst>
+  </p:cSld>
+  <p:clrMapOvr>
+    <a:masterClrMapping/>
+  </p:clrMapOvr>
+  <p:timing>
+    <p:tnLst>
+      <p:par>
+        <p:cTn id="1" dur="indefinite" restart="never" nodeType="tmRoot"/>
+      </p:par>
+    </p:tnLst>
+  </p:timing>
+</p:sld>
+</file>
+
+<file path=ppt/slides/slide11.xml><?xml version="1.0" encoding="utf-8"?>
+<p:sld xmlns:a="http://schemas.openxmlformats.org/drawingml/2006/main" xmlns:r="http://schemas.openxmlformats.org/officeDocument/2006/relationships" xmlns:p="http://schemas.openxmlformats.org/presentationml/2006/main">
+  <p:cSld>
+    <p:spTree>
+      <p:nvGrpSpPr>
+        <p:cNvPr id="1" name=""/>
+        <p:cNvGrpSpPr/>
+        <p:nvPr/>
+      </p:nvGrpSpPr>
+      <p:grpSpPr>
+        <a:xfrm>
+          <a:off x="0" y="0"/>
+          <a:ext cx="0" cy="0"/>
+          <a:chOff x="0" y="0"/>
+          <a:chExt cx="0" cy="0"/>
+        </a:xfrm>
+      </p:grpSpPr>
+      <p:sp>
+        <p:nvSpPr>
+          <p:cNvPr id="2" name="タイトル 1"/>
+          <p:cNvSpPr>
+            <a:spLocks noGrp="1"/>
+          </p:cNvSpPr>
+          <p:nvPr>
+            <p:ph type="title"/>
+          </p:nvPr>
+        </p:nvSpPr>
+        <p:spPr>
+          <a:xfrm>
+            <a:off x="1451579" y="1112520"/>
+            <a:ext cx="9603275" cy="741234"/>
+          </a:xfrm>
+        </p:spPr>
+        <p:txBody>
+          <a:bodyPr>
+            <a:normAutofit/>
+          </a:bodyPr>
+          <a:lstStyle/>
+          <a:p>
+            <a:r>
+              <a:rPr lang="en-US" altLang="ja-JP" cap="none" dirty="0" smtClean="0">
+                <a:solidFill>
+                  <a:prstClr val="black"/>
+                </a:solidFill>
+              </a:rPr>
+              <a:t>next_play_ver4</a:t>
+            </a:r>
+            <a:endParaRPr kumimoji="1" lang="ja-JP" altLang="en-US" sz="4800" dirty="0">
+              <a:latin typeface="+mj-ea"/>
+            </a:endParaRPr>
+          </a:p>
+        </p:txBody>
+      </p:sp>
+      <p:sp>
+        <p:nvSpPr>
+          <p:cNvPr id="3" name="コンテンツ プレースホルダー 2"/>
+          <p:cNvSpPr>
+            <a:spLocks noGrp="1"/>
+          </p:cNvSpPr>
+          <p:nvPr>
+            <p:ph idx="1"/>
+          </p:nvPr>
+        </p:nvSpPr>
+        <p:spPr/>
+        <p:txBody>
+          <a:bodyPr>
+            <a:normAutofit/>
+          </a:bodyPr>
+          <a:lstStyle/>
+          <a:p>
+            <a:r>
+              <a:rPr lang="en-US" altLang="ja-JP" sz="3200" dirty="0" err="1" smtClean="0"/>
+              <a:t>MiniMax</a:t>
+            </a:r>
+            <a:r>
+              <a:rPr lang="ja-JP" altLang="en-US" sz="3200" dirty="0" smtClean="0"/>
+              <a:t>法を用いて探索</a:t>
+            </a:r>
+            <a:endParaRPr lang="en-US" altLang="ja-JP" sz="3200" dirty="0" smtClean="0"/>
+          </a:p>
+          <a:p>
+            <a:r>
+              <a:rPr lang="ja-JP" altLang="en-US" sz="3200" dirty="0" smtClean="0"/>
+              <a:t>枝刈りをしないと</a:t>
+            </a:r>
+            <a:r>
+              <a:rPr lang="en-US" altLang="ja-JP" sz="3200" dirty="0" smtClean="0"/>
+              <a:t>5</a:t>
+            </a:r>
+            <a:r>
+              <a:rPr lang="ja-JP" altLang="en-US" sz="3200" dirty="0" smtClean="0"/>
+              <a:t>手詰</a:t>
+            </a:r>
+            <a:r>
+              <a:rPr lang="ja-JP" altLang="en-US" sz="3200" dirty="0" smtClean="0"/>
+              <a:t>に</a:t>
+            </a:r>
+            <a:r>
+              <a:rPr lang="en-US" altLang="ja-JP" sz="3200" dirty="0" smtClean="0"/>
+              <a:t>2</a:t>
+            </a:r>
+            <a:r>
+              <a:rPr lang="ja-JP" altLang="en-US" sz="3200" dirty="0" smtClean="0"/>
+              <a:t>秒</a:t>
+            </a:r>
+            <a:r>
+              <a:rPr lang="ja-JP" altLang="en-US" sz="3200" dirty="0" smtClean="0"/>
+              <a:t>、</a:t>
+            </a:r>
+            <a:r>
+              <a:rPr lang="en-US" altLang="ja-JP" sz="3200" dirty="0" smtClean="0"/>
+              <a:t>7</a:t>
+            </a:r>
+            <a:r>
+              <a:rPr lang="ja-JP" altLang="en-US" sz="3200" dirty="0" smtClean="0"/>
+              <a:t>手詰に</a:t>
+            </a:r>
+            <a:r>
+              <a:rPr lang="en-US" altLang="ja-JP" sz="3200" dirty="0" smtClean="0"/>
+              <a:t>35</a:t>
+            </a:r>
+            <a:r>
+              <a:rPr lang="ja-JP" altLang="en-US" sz="3200" dirty="0" smtClean="0"/>
+              <a:t>秒ほど要する</a:t>
+            </a:r>
+            <a:endParaRPr lang="en-US" altLang="ja-JP" sz="3200" dirty="0" smtClean="0"/>
+          </a:p>
+          <a:p>
+            <a:endParaRPr lang="en-US" altLang="ja-JP" sz="3200" dirty="0" smtClean="0"/>
+          </a:p>
+        </p:txBody>
+      </p:sp>
+    </p:spTree>
+    <p:extLst>
+      <p:ext uri="{BB962C8B-B14F-4D97-AF65-F5344CB8AC3E}">
+        <p14:creationId xmlns:p14="http://schemas.microsoft.com/office/powerpoint/2010/main" val="1857217436"/>
+      </p:ext>
+    </p:extLst>
+  </p:cSld>
+  <p:clrMapOvr>
+    <a:masterClrMapping/>
+  </p:clrMapOvr>
+  <p:timing>
+    <p:tnLst>
+      <p:par>
+        <p:cTn id="1" dur="indefinite" restart="never" nodeType="tmRoot"/>
+      </p:par>
+    </p:tnLst>
+  </p:timing>
+</p:sld>
+</file>
+
+<file path=ppt/slides/slide12.xml><?xml version="1.0" encoding="utf-8"?>
+<p:sld xmlns:a="http://schemas.openxmlformats.org/drawingml/2006/main" xmlns:r="http://schemas.openxmlformats.org/officeDocument/2006/relationships" xmlns:p="http://schemas.openxmlformats.org/presentationml/2006/main">
+  <p:cSld>
+    <p:bg>
+      <p:bgPr>
+        <a:gradFill rotWithShape="1">
+          <a:gsLst>
+            <a:gs pos="0">
+              <a:schemeClr val="bg2">
+                <a:tint val="94000"/>
+                <a:satMod val="80000"/>
+                <a:lumMod val="106000"/>
+              </a:schemeClr>
+            </a:gs>
+            <a:gs pos="100000">
+              <a:schemeClr val="bg2">
+                <a:shade val="80000"/>
+              </a:schemeClr>
+            </a:gs>
+          </a:gsLst>
+          <a:path path="circle">
+            <a:fillToRect l="43000" r="43000" b="100000"/>
+          </a:path>
+        </a:gradFill>
+        <a:effectLst/>
+      </p:bgPr>
+    </p:bg>
+    <p:spTree>
+      <p:nvGrpSpPr>
+        <p:cNvPr id="1" name=""/>
+        <p:cNvGrpSpPr/>
+        <p:nvPr/>
+      </p:nvGrpSpPr>
+      <p:grpSpPr>
+        <a:xfrm>
+          <a:off x="0" y="0"/>
+          <a:ext cx="0" cy="0"/>
+          <a:chOff x="0" y="0"/>
+          <a:chExt cx="0" cy="0"/>
+        </a:xfrm>
+      </p:grpSpPr>
+      <p:sp>
+        <p:nvSpPr>
+          <p:cNvPr id="66" name="Rectangle 65">
+            <a:extLst>
+              <a:ext uri="{FF2B5EF4-FFF2-40B4-BE49-F238E27FC236}">
+                <a16:creationId xmlns:a16="http://schemas.microsoft.com/office/drawing/2014/main" xmlns="" id="{0CABCAE3-64FC-4149-819F-2C1812824154}"/>
+              </a:ext>
+            </a:extLst>
+          </p:cNvPr>
+          <p:cNvSpPr>
+            <a:spLocks noGrp="1" noRot="1" noChangeAspect="1" noMove="1" noResize="1" noEditPoints="1" noAdjustHandles="1" noChangeArrowheads="1" noChangeShapeType="1" noTextEdit="1"/>
+          </p:cNvSpPr>
+          <p:nvPr>
+            <p:extLst>
+              <p:ext uri="{386F3935-93C4-4BCD-93E2-E3B085C9AB24}">
+                <p16:designElem xmlns:p16="http://schemas.microsoft.com/office/powerpoint/2015/main" val="1"/>
+              </p:ext>
+            </p:extLst>
+          </p:nvPr>
+        </p:nvSpPr>
+        <p:spPr>
+          <a:xfrm>
+            <a:off x="0" y="2019476"/>
+            <a:ext cx="12192000" cy="4105941"/>
+          </a:xfrm>
+          <a:prstGeom prst="rect">
+            <a:avLst/>
+          </a:prstGeom>
+          <a:gradFill flip="none" rotWithShape="1">
+            <a:gsLst>
+              <a:gs pos="0">
+                <a:schemeClr val="bg2">
+                  <a:alpha val="0"/>
+                </a:schemeClr>
+              </a:gs>
+              <a:gs pos="100000">
+                <a:schemeClr val="bg2"/>
+              </a:gs>
+            </a:gsLst>
+            <a:lin ang="5400000" scaled="0"/>
+            <a:tileRect/>
+          </a:gradFill>
+          <a:ln>
+            <a:noFill/>
+          </a:ln>
+        </p:spPr>
+        <p:style>
+          <a:lnRef idx="2">
+            <a:schemeClr val="accent1">
+              <a:shade val="50000"/>
+            </a:schemeClr>
+          </a:lnRef>
+          <a:fillRef idx="1">
+            <a:schemeClr val="accent1"/>
+          </a:fillRef>
+          <a:effectRef idx="0">
+            <a:schemeClr val="accent1"/>
+          </a:effectRef>
+          <a:fontRef idx="minor">
+            <a:schemeClr val="lt1"/>
+          </a:fontRef>
+        </p:style>
+      </p:sp>
+      <p:pic>
+        <p:nvPicPr>
+          <p:cNvPr id="68" name="Picture 67">
+            <a:extLst>
+              <a:ext uri="{FF2B5EF4-FFF2-40B4-BE49-F238E27FC236}">
+                <a16:creationId xmlns:a16="http://schemas.microsoft.com/office/drawing/2014/main" xmlns="" id="{012FDCFE-9AD2-4D8A-8CBF-B3AA37EBF6DD}"/>
+              </a:ext>
+            </a:extLst>
+          </p:cNvPr>
+          <p:cNvPicPr>
+            <a:picLocks noGrp="1" noRot="1" noChangeAspect="1" noMove="1" noResize="1" noEditPoints="1" noAdjustHandles="1" noChangeArrowheads="1" noChangeShapeType="1" noCrop="1"/>
+          </p:cNvPicPr>
+          <p:nvPr>
+            <p:extLst>
+              <p:ext uri="{386F3935-93C4-4BCD-93E2-E3B085C9AB24}">
+                <p16:designElem xmlns:p16="http://schemas.microsoft.com/office/powerpoint/2015/main" val="1"/>
+              </p:ext>
+            </p:extLst>
+          </p:nvPr>
+        </p:nvPicPr>
+        <p:blipFill rotWithShape="1">
+          <a:blip r:embed="rId3">
+            <a:extLst>
+              <a:ext uri="{28A0092B-C50C-407E-A947-70E740481C1C}">
+                <a14:useLocalDpi xmlns:a14="http://schemas.microsoft.com/office/drawing/2010/main" val="0"/>
+              </a:ext>
+            </a:extLst>
+          </a:blip>
+          <a:srcRect t="1538" b="-1538"/>
+          <a:stretch/>
+        </p:blipFill>
+        <p:spPr bwMode="black">
+          <a:xfrm>
+            <a:off x="0" y="6126480"/>
+            <a:ext cx="12192000" cy="742950"/>
+          </a:xfrm>
+          <a:prstGeom prst="rect">
+            <a:avLst/>
+          </a:prstGeom>
+        </p:spPr>
+      </p:pic>
+      <p:cxnSp>
+        <p:nvCxnSpPr>
+          <p:cNvPr id="70" name="Straight Connector 69">
+            <a:extLst>
+              <a:ext uri="{FF2B5EF4-FFF2-40B4-BE49-F238E27FC236}">
+                <a16:creationId xmlns:a16="http://schemas.microsoft.com/office/drawing/2014/main" xmlns="" id="{FBD463FC-4CA8-4FF4-85A3-AF9F4B98D210}"/>
+              </a:ext>
+            </a:extLst>
+          </p:cNvPr>
+          <p:cNvCxnSpPr>
+            <a:cxnSpLocks noGrp="1" noRot="1" noChangeAspect="1" noMove="1" noResize="1" noEditPoints="1" noAdjustHandles="1" noChangeArrowheads="1" noChangeShapeType="1"/>
+          </p:cNvCxnSpPr>
+          <p:nvPr>
+            <p:extLst>
+              <p:ext uri="{386F3935-93C4-4BCD-93E2-E3B085C9AB24}">
+                <p16:designElem xmlns:p16="http://schemas.microsoft.com/office/powerpoint/2015/main" val="1"/>
+              </p:ext>
+            </p:extLst>
+          </p:nvPr>
+        </p:nvCxnSpPr>
+        <p:spPr>
+          <a:xfrm>
+            <a:off x="0" y="6128413"/>
+            <a:ext cx="12192000" cy="0"/>
+          </a:xfrm>
+          <a:prstGeom prst="line">
+            <a:avLst/>
+          </a:prstGeom>
+          <a:ln w="12700">
+            <a:solidFill>
+              <a:srgbClr val="000001">
+                <a:alpha val="20000"/>
+              </a:srgbClr>
+            </a:solidFill>
+          </a:ln>
+        </p:spPr>
+        <p:style>
+          <a:lnRef idx="1">
+            <a:schemeClr val="accent1"/>
+          </a:lnRef>
+          <a:fillRef idx="0">
+            <a:schemeClr val="accent1"/>
+          </a:fillRef>
+          <a:effectRef idx="0">
+            <a:schemeClr val="accent1"/>
+          </a:effectRef>
+          <a:fontRef idx="minor">
+            <a:schemeClr val="tx1"/>
+          </a:fontRef>
+        </p:style>
+      </p:cxnSp>
+      <p:cxnSp>
+        <p:nvCxnSpPr>
+          <p:cNvPr id="72" name="Straight Connector 71">
+            <a:extLst>
+              <a:ext uri="{FF2B5EF4-FFF2-40B4-BE49-F238E27FC236}">
+                <a16:creationId xmlns:a16="http://schemas.microsoft.com/office/drawing/2014/main" xmlns="" id="{A56012FD-74A8-4C91-B318-435CF2B71927}"/>
+              </a:ext>
+            </a:extLst>
+          </p:cNvPr>
+          <p:cNvCxnSpPr>
+            <a:cxnSpLocks noGrp="1" noRot="1" noChangeAspect="1" noMove="1" noResize="1" noEditPoints="1" noAdjustHandles="1" noChangeArrowheads="1" noChangeShapeType="1"/>
+          </p:cNvCxnSpPr>
+          <p:nvPr>
+            <p:extLst>
+              <p:ext uri="{386F3935-93C4-4BCD-93E2-E3B085C9AB24}">
+                <p16:designElem xmlns:p16="http://schemas.microsoft.com/office/powerpoint/2015/main" val="1"/>
+              </p:ext>
+            </p:extLst>
+          </p:nvPr>
+        </p:nvCxnSpPr>
+        <p:spPr>
+          <a:xfrm>
+            <a:off x="1453896" y="1847088"/>
+            <a:ext cx="9607522" cy="0"/>
+          </a:xfrm>
+          <a:prstGeom prst="line">
+            <a:avLst/>
+          </a:prstGeom>
+          <a:ln w="31750"/>
+        </p:spPr>
+        <p:style>
+          <a:lnRef idx="3">
+            <a:schemeClr val="accent1"/>
+          </a:lnRef>
+          <a:fillRef idx="0">
+            <a:schemeClr val="accent1"/>
+          </a:fillRef>
+          <a:effectRef idx="2">
+            <a:schemeClr val="accent1"/>
+          </a:effectRef>
+          <a:fontRef idx="minor">
+            <a:schemeClr val="tx1"/>
+          </a:fontRef>
+        </p:style>
+      </p:cxnSp>
+      <p:sp useBgFill="1">
+        <p:nvSpPr>
+          <p:cNvPr id="74" name="Rectangle 73">
+            <a:extLst>
+              <a:ext uri="{FF2B5EF4-FFF2-40B4-BE49-F238E27FC236}">
+                <a16:creationId xmlns:a16="http://schemas.microsoft.com/office/drawing/2014/main" xmlns="" id="{3193BA5C-B8F3-4972-BA54-014C48FAFA42}"/>
+              </a:ext>
+            </a:extLst>
+          </p:cNvPr>
+          <p:cNvSpPr>
+            <a:spLocks noGrp="1" noRot="1" noChangeAspect="1" noMove="1" noResize="1" noEditPoints="1" noAdjustHandles="1" noChangeArrowheads="1" noChangeShapeType="1" noTextEdit="1"/>
+          </p:cNvSpPr>
+          <p:nvPr>
+            <p:extLst>
+              <p:ext uri="{386F3935-93C4-4BCD-93E2-E3B085C9AB24}">
+                <p16:designElem xmlns:p16="http://schemas.microsoft.com/office/powerpoint/2015/main" val="1"/>
+              </p:ext>
+            </p:extLst>
+          </p:nvPr>
+        </p:nvSpPr>
+        <p:spPr>
+          <a:xfrm>
+            <a:off x="2" y="0"/>
+            <a:ext cx="12191695" cy="6858000"/>
+          </a:xfrm>
+          <a:prstGeom prst="rect">
+            <a:avLst/>
+          </a:prstGeom>
+          <a:ln>
+            <a:noFill/>
+          </a:ln>
+        </p:spPr>
+        <p:style>
+          <a:lnRef idx="2">
+            <a:schemeClr val="accent1">
+              <a:shade val="50000"/>
+            </a:schemeClr>
+          </a:lnRef>
+          <a:fillRef idx="1">
+            <a:schemeClr val="accent1"/>
+          </a:fillRef>
+          <a:effectRef idx="0">
+            <a:schemeClr val="accent1"/>
+          </a:effectRef>
+          <a:fontRef idx="minor">
+            <a:schemeClr val="lt1"/>
+          </a:fontRef>
+        </p:style>
+        <p:txBody>
+          <a:bodyPr rtlCol="0" anchor="ctr"/>
+          <a:lstStyle/>
+          <a:p>
+            <a:pPr algn="ctr"/>
+            <a:endParaRPr lang="en-US"/>
+          </a:p>
+        </p:txBody>
+      </p:sp>
+      <p:sp>
+        <p:nvSpPr>
+          <p:cNvPr id="76" name="Rectangle 75">
+            <a:extLst>
+              <a:ext uri="{FF2B5EF4-FFF2-40B4-BE49-F238E27FC236}">
+                <a16:creationId xmlns:a16="http://schemas.microsoft.com/office/drawing/2014/main" xmlns="" id="{05B93327-222A-4DAC-9163-371BF44CDB0C}"/>
+              </a:ext>
+            </a:extLst>
+          </p:cNvPr>
+          <p:cNvSpPr>
+            <a:spLocks noGrp="1" noRot="1" noChangeAspect="1" noMove="1" noResize="1" noEditPoints="1" noAdjustHandles="1" noChangeArrowheads="1" noChangeShapeType="1" noTextEdit="1"/>
+          </p:cNvSpPr>
+          <p:nvPr>
+            <p:extLst>
+              <p:ext uri="{386F3935-93C4-4BCD-93E2-E3B085C9AB24}">
+                <p16:designElem xmlns:p16="http://schemas.microsoft.com/office/powerpoint/2015/main" val="1"/>
+              </p:ext>
+            </p:extLst>
+          </p:nvPr>
+        </p:nvSpPr>
+        <p:spPr>
+          <a:xfrm>
+            <a:off x="0" y="2019476"/>
+            <a:ext cx="12192000" cy="4105941"/>
+          </a:xfrm>
+          <a:prstGeom prst="rect">
+            <a:avLst/>
+          </a:prstGeom>
+          <a:gradFill flip="none" rotWithShape="1">
+            <a:gsLst>
+              <a:gs pos="0">
+                <a:schemeClr val="bg2">
+                  <a:alpha val="0"/>
+                </a:schemeClr>
+              </a:gs>
+              <a:gs pos="100000">
+                <a:schemeClr val="bg2"/>
+              </a:gs>
+            </a:gsLst>
+            <a:lin ang="5400000" scaled="0"/>
+            <a:tileRect/>
+          </a:gradFill>
+          <a:ln>
+            <a:noFill/>
+          </a:ln>
+        </p:spPr>
+        <p:style>
+          <a:lnRef idx="2">
+            <a:schemeClr val="accent1">
+              <a:shade val="50000"/>
+            </a:schemeClr>
+          </a:lnRef>
+          <a:fillRef idx="1">
+            <a:schemeClr val="accent1"/>
+          </a:fillRef>
+          <a:effectRef idx="0">
+            <a:schemeClr val="accent1"/>
+          </a:effectRef>
+          <a:fontRef idx="minor">
+            <a:schemeClr val="lt1"/>
+          </a:fontRef>
+        </p:style>
+        <p:txBody>
+          <a:bodyPr rtlCol="0" anchor="ctr"/>
+          <a:lstStyle/>
+          <a:p>
+            <a:pPr lvl="0" algn="ctr"/>
+            <a:endParaRPr lang="en-US"/>
+          </a:p>
+        </p:txBody>
+      </p:sp>
+      <p:pic>
+        <p:nvPicPr>
+          <p:cNvPr id="78" name="Picture 77">
+            <a:extLst>
+              <a:ext uri="{FF2B5EF4-FFF2-40B4-BE49-F238E27FC236}">
+                <a16:creationId xmlns:a16="http://schemas.microsoft.com/office/drawing/2014/main" xmlns="" id="{C04ED70F-D6FD-4EB1-A171-D30F885FE73E}"/>
+              </a:ext>
+            </a:extLst>
+          </p:cNvPr>
+          <p:cNvPicPr>
+            <a:picLocks noGrp="1" noRot="1" noChangeAspect="1" noMove="1" noResize="1" noEditPoints="1" noAdjustHandles="1" noChangeArrowheads="1" noChangeShapeType="1" noCrop="1"/>
+          </p:cNvPicPr>
+          <p:nvPr>
+            <p:extLst>
+              <p:ext uri="{386F3935-93C4-4BCD-93E2-E3B085C9AB24}">
+                <p16:designElem xmlns:p16="http://schemas.microsoft.com/office/powerpoint/2015/main" val="1"/>
+              </p:ext>
+            </p:extLst>
+          </p:nvPr>
+        </p:nvPicPr>
+        <p:blipFill rotWithShape="1">
+          <a:blip r:embed="rId3">
+            <a:extLst>
+              <a:ext uri="{28A0092B-C50C-407E-A947-70E740481C1C}">
+                <a14:useLocalDpi xmlns:a14="http://schemas.microsoft.com/office/drawing/2010/main" val="0"/>
+              </a:ext>
+            </a:extLst>
+          </a:blip>
+          <a:srcRect t="1538" b="-1538"/>
+          <a:stretch/>
+        </p:blipFill>
+        <p:spPr bwMode="black">
+          <a:xfrm>
+            <a:off x="0" y="6126480"/>
+            <a:ext cx="12192000" cy="742950"/>
+          </a:xfrm>
+          <a:prstGeom prst="rect">
+            <a:avLst/>
+          </a:prstGeom>
+        </p:spPr>
+      </p:pic>
+      <p:cxnSp>
+        <p:nvCxnSpPr>
+          <p:cNvPr id="80" name="Straight Connector 79">
+            <a:extLst>
+              <a:ext uri="{FF2B5EF4-FFF2-40B4-BE49-F238E27FC236}">
+                <a16:creationId xmlns:a16="http://schemas.microsoft.com/office/drawing/2014/main" xmlns="" id="{DA26CAE9-74C4-4EDD-8A80-77F79EAA86F4}"/>
+              </a:ext>
+            </a:extLst>
+          </p:cNvPr>
+          <p:cNvCxnSpPr>
+            <a:cxnSpLocks noGrp="1" noRot="1" noChangeAspect="1" noMove="1" noResize="1" noEditPoints="1" noAdjustHandles="1" noChangeArrowheads="1" noChangeShapeType="1"/>
+          </p:cNvCxnSpPr>
+          <p:nvPr>
+            <p:extLst>
+              <p:ext uri="{386F3935-93C4-4BCD-93E2-E3B085C9AB24}">
+                <p16:designElem xmlns:p16="http://schemas.microsoft.com/office/powerpoint/2015/main" val="1"/>
+              </p:ext>
+            </p:extLst>
+          </p:nvPr>
+        </p:nvCxnSpPr>
+        <p:spPr>
+          <a:xfrm>
+            <a:off x="0" y="6128413"/>
+            <a:ext cx="12192000" cy="0"/>
+          </a:xfrm>
+          <a:prstGeom prst="line">
+            <a:avLst/>
+          </a:prstGeom>
+          <a:ln w="12700">
+            <a:solidFill>
+              <a:srgbClr val="000001">
+                <a:alpha val="20000"/>
+              </a:srgbClr>
+            </a:solidFill>
+          </a:ln>
+        </p:spPr>
+        <p:style>
+          <a:lnRef idx="1">
+            <a:schemeClr val="accent1"/>
+          </a:lnRef>
+          <a:fillRef idx="0">
+            <a:schemeClr val="accent1"/>
+          </a:fillRef>
+          <a:effectRef idx="0">
+            <a:schemeClr val="accent1"/>
+          </a:effectRef>
+          <a:fontRef idx="minor">
+            <a:schemeClr val="tx1"/>
+          </a:fontRef>
+        </p:style>
+      </p:cxnSp>
+      <p:grpSp>
+        <p:nvGrpSpPr>
+          <p:cNvPr id="82" name="Group 81">
+            <a:extLst>
+              <a:ext uri="{FF2B5EF4-FFF2-40B4-BE49-F238E27FC236}">
                 <a16:creationId xmlns:a16="http://schemas.microsoft.com/office/drawing/2014/main" xmlns="" id="{14EE34E3-F117-4487-8ACF-33DA65FA11B3}"/>
               </a:ext>
             </a:extLst>
@@ -5828,7 +6854,7 @@
         </p:grpSpPr>
         <p:sp>
           <p:nvSpPr>
-            <p:cNvPr id="54" name="Rectangle 53">
+            <p:cNvPr id="83" name="Rectangle 82">
               <a:extLst>
                 <a:ext uri="{FF2B5EF4-FFF2-40B4-BE49-F238E27FC236}">
                   <a16:creationId xmlns:a16="http://schemas.microsoft.com/office/drawing/2014/main" xmlns="" id="{39ACC02C-6424-4165-93C4-E83C8E81D462}"/>
@@ -5906,7 +6932,7 @@
         </p:sp>
         <p:sp>
           <p:nvSpPr>
-            <p:cNvPr id="55" name="Rectangle 54">
+            <p:cNvPr id="84" name="Rectangle 83">
               <a:extLst>
                 <a:ext uri="{FF2B5EF4-FFF2-40B4-BE49-F238E27FC236}">
                   <a16:creationId xmlns:a16="http://schemas.microsoft.com/office/drawing/2014/main" xmlns="" id="{C182CB9C-C978-4C9B-9AAD-8B1341897550}"/>
@@ -5988,7 +7014,7 @@
       </p:grpSp>
       <p:sp>
         <p:nvSpPr>
-          <p:cNvPr id="57" name="Rectangle 56">
+          <p:cNvPr id="86" name="Rectangle 85">
             <a:extLst>
               <a:ext uri="{FF2B5EF4-FFF2-40B4-BE49-F238E27FC236}">
                 <a16:creationId xmlns:a16="http://schemas.microsoft.com/office/drawing/2014/main" xmlns="" id="{56388820-A63D-463C-9DBC-060A5ABE33B6}"/>
@@ -6050,7 +7076,7 @@
       </p:sp>
       <p:cxnSp>
         <p:nvCxnSpPr>
-          <p:cNvPr id="59" name="Straight Connector 58">
+          <p:cNvPr id="88" name="Straight Connector 87">
             <a:extLst>
               <a:ext uri="{FF2B5EF4-FFF2-40B4-BE49-F238E27FC236}">
                 <a16:creationId xmlns:a16="http://schemas.microsoft.com/office/drawing/2014/main" xmlns="" id="{D7162BAB-C25E-4CE9-B87C-F118DC7E7C22}"/>
@@ -6095,7 +7121,7 @@
       </p:cxnSp>
       <p:pic>
         <p:nvPicPr>
-          <p:cNvPr id="3" name="図 2"/>
+          <p:cNvPr id="61" name="コンテンツ プレースホルダー 3"/>
           <p:cNvPicPr>
             <a:picLocks noChangeAspect="1"/>
           </p:cNvPicPr>
@@ -6115,8 +7141,8 @@
         </p:blipFill>
         <p:spPr>
           <a:xfrm>
-            <a:off x="6093926" y="1241349"/>
-            <a:ext cx="4821551" cy="3616163"/>
+            <a:off x="6689096" y="1116345"/>
+            <a:ext cx="3631211" cy="3866172"/>
           </a:xfrm>
           <a:prstGeom prst="rect">
             <a:avLst/>
@@ -6135,7 +7161,7 @@
         </p:nvSpPr>
         <p:spPr>
           <a:xfrm>
-            <a:off x="1451580" y="804520"/>
+            <a:off x="1451278" y="1116345"/>
             <a:ext cx="3530157" cy="1049235"/>
           </a:xfrm>
         </p:spPr>
@@ -6146,8 +7172,8 @@
           <a:lstStyle/>
           <a:p>
             <a:r>
-              <a:rPr lang="en-US" altLang="ja-JP" dirty="0"/>
-              <a:t>next_play_ver3</a:t>
+              <a:rPr lang="ja-JP" altLang="en-US" dirty="0"/>
+              <a:t>解けますか？</a:t>
             </a:r>
             <a:endParaRPr kumimoji="1" lang="en-US" altLang="ja-JP" dirty="0"/>
           </a:p>
@@ -6155,7 +7181,7 @@
       </p:sp>
       <p:sp>
         <p:nvSpPr>
-          <p:cNvPr id="9" name="Content Placeholder 8"/>
+          <p:cNvPr id="63" name="Content Placeholder 62"/>
           <p:cNvSpPr>
             <a:spLocks noGrp="1"/>
           </p:cNvSpPr>
@@ -6176,12 +7202,23 @@
           <a:lstStyle/>
           <a:p>
             <a:r>
-              <a:rPr lang="en-US" altLang="ja-JP" dirty="0"/>
-              <a:t>1</a:t>
-            </a:r>
-            <a:r>
-              <a:rPr lang="ja-JP" altLang="en-US" dirty="0"/>
-              <a:t>万回当たりの出現回数</a:t>
+              <a:rPr lang="en-US" dirty="0" smtClean="0"/>
+              <a:t>Next_play_ver4</a:t>
+            </a:r>
+            <a:r>
+              <a:rPr lang="ja-JP" altLang="en-US" dirty="0" smtClean="0"/>
+              <a:t>同士の勝負</a:t>
+            </a:r>
+            <a:endParaRPr lang="en-US" dirty="0" smtClean="0"/>
+          </a:p>
+          <a:p>
+            <a:r>
+              <a:rPr lang="en-US" dirty="0" smtClean="0"/>
+              <a:t>X</a:t>
+            </a:r>
+            <a:r>
+              <a:rPr lang="ja-JP" altLang="en-US" dirty="0" smtClean="0"/>
+              <a:t>をどこに置く？</a:t>
             </a:r>
             <a:endParaRPr lang="en-US" dirty="0"/>
           </a:p>
@@ -6190,245 +7227,7 @@
     </p:spTree>
     <p:extLst>
       <p:ext uri="{BB962C8B-B14F-4D97-AF65-F5344CB8AC3E}">
-        <p14:creationId xmlns:p14="http://schemas.microsoft.com/office/powerpoint/2010/main" val="646766959"/>
-      </p:ext>
-    </p:extLst>
-  </p:cSld>
-  <p:clrMapOvr>
-    <a:masterClrMapping/>
-  </p:clrMapOvr>
-  <p:timing>
-    <p:tnLst>
-      <p:par>
-        <p:cTn id="1" dur="indefinite" restart="never" nodeType="tmRoot"/>
-      </p:par>
-    </p:tnLst>
-  </p:timing>
-</p:sld>
-</file>
-
-<file path=ppt/slides/slide11.xml><?xml version="1.0" encoding="utf-8"?>
-<p:sld xmlns:a="http://schemas.openxmlformats.org/drawingml/2006/main" xmlns:r="http://schemas.openxmlformats.org/officeDocument/2006/relationships" xmlns:p="http://schemas.openxmlformats.org/presentationml/2006/main">
-  <p:cSld>
-    <p:spTree>
-      <p:nvGrpSpPr>
-        <p:cNvPr id="1" name=""/>
-        <p:cNvGrpSpPr/>
-        <p:nvPr/>
-      </p:nvGrpSpPr>
-      <p:grpSpPr>
-        <a:xfrm>
-          <a:off x="0" y="0"/>
-          <a:ext cx="0" cy="0"/>
-          <a:chOff x="0" y="0"/>
-          <a:chExt cx="0" cy="0"/>
-        </a:xfrm>
-      </p:grpSpPr>
-      <p:sp>
-        <p:nvSpPr>
-          <p:cNvPr id="2" name="タイトル 1"/>
-          <p:cNvSpPr>
-            <a:spLocks noGrp="1"/>
-          </p:cNvSpPr>
-          <p:nvPr>
-            <p:ph type="title"/>
-          </p:nvPr>
-        </p:nvSpPr>
-        <p:spPr>
-          <a:xfrm>
-            <a:off x="1451579" y="1112520"/>
-            <a:ext cx="9603275" cy="741234"/>
-          </a:xfrm>
-        </p:spPr>
-        <p:txBody>
-          <a:bodyPr>
-            <a:normAutofit/>
-          </a:bodyPr>
-          <a:lstStyle/>
-          <a:p>
-            <a:r>
-              <a:rPr lang="en-US" altLang="ja-JP" cap="none" dirty="0" smtClean="0">
-                <a:solidFill>
-                  <a:prstClr val="black"/>
-                </a:solidFill>
-              </a:rPr>
-              <a:t>next_play_ver4</a:t>
-            </a:r>
-            <a:endParaRPr kumimoji="1" lang="ja-JP" altLang="en-US" sz="4800" dirty="0">
-              <a:latin typeface="+mj-ea"/>
-            </a:endParaRPr>
-          </a:p>
-        </p:txBody>
-      </p:sp>
-      <p:sp>
-        <p:nvSpPr>
-          <p:cNvPr id="3" name="コンテンツ プレースホルダー 2"/>
-          <p:cNvSpPr>
-            <a:spLocks noGrp="1"/>
-          </p:cNvSpPr>
-          <p:nvPr>
-            <p:ph idx="1"/>
-          </p:nvPr>
-        </p:nvSpPr>
-        <p:spPr/>
-        <p:txBody>
-          <a:bodyPr>
-            <a:normAutofit/>
-          </a:bodyPr>
-          <a:lstStyle/>
-          <a:p>
-            <a:r>
-              <a:rPr lang="en-US" altLang="ja-JP" sz="3200" dirty="0" err="1" smtClean="0"/>
-              <a:t>MiniMax</a:t>
-            </a:r>
-            <a:r>
-              <a:rPr lang="ja-JP" altLang="en-US" sz="3200" dirty="0" smtClean="0"/>
-              <a:t>法を用いて探索</a:t>
-            </a:r>
-            <a:endParaRPr lang="en-US" altLang="ja-JP" sz="3200" dirty="0" smtClean="0"/>
-          </a:p>
-          <a:p>
-            <a:r>
-              <a:rPr lang="ja-JP" altLang="en-US" sz="3200" dirty="0" smtClean="0"/>
-              <a:t>枝刈りをしないと</a:t>
-            </a:r>
-            <a:r>
-              <a:rPr lang="en-US" altLang="ja-JP" sz="3200" dirty="0" smtClean="0"/>
-              <a:t>5</a:t>
-            </a:r>
-            <a:r>
-              <a:rPr lang="ja-JP" altLang="en-US" sz="3200" dirty="0" smtClean="0"/>
-              <a:t>手詰に</a:t>
-            </a:r>
-            <a:r>
-              <a:rPr lang="en-US" altLang="ja-JP" sz="3200" dirty="0" smtClean="0"/>
-              <a:t>1</a:t>
-            </a:r>
-            <a:r>
-              <a:rPr lang="ja-JP" altLang="en-US" sz="3200" dirty="0" smtClean="0"/>
-              <a:t>秒、</a:t>
-            </a:r>
-            <a:r>
-              <a:rPr lang="en-US" altLang="ja-JP" sz="3200" dirty="0" smtClean="0"/>
-              <a:t>7</a:t>
-            </a:r>
-            <a:r>
-              <a:rPr lang="ja-JP" altLang="en-US" sz="3200" dirty="0" smtClean="0"/>
-              <a:t>手詰に</a:t>
-            </a:r>
-            <a:r>
-              <a:rPr lang="en-US" altLang="ja-JP" sz="3200" dirty="0" smtClean="0"/>
-              <a:t>35</a:t>
-            </a:r>
-            <a:r>
-              <a:rPr lang="ja-JP" altLang="en-US" sz="3200" dirty="0" smtClean="0"/>
-              <a:t>秒ほど要する</a:t>
-            </a:r>
-            <a:endParaRPr lang="en-US" altLang="ja-JP" sz="3200" dirty="0" smtClean="0"/>
-          </a:p>
-          <a:p>
-            <a:endParaRPr lang="en-US" altLang="ja-JP" sz="3200" dirty="0" smtClean="0"/>
-          </a:p>
-        </p:txBody>
-      </p:sp>
-    </p:spTree>
-    <p:extLst>
-      <p:ext uri="{BB962C8B-B14F-4D97-AF65-F5344CB8AC3E}">
-        <p14:creationId xmlns:p14="http://schemas.microsoft.com/office/powerpoint/2010/main" val="1857217436"/>
-      </p:ext>
-    </p:extLst>
-  </p:cSld>
-  <p:clrMapOvr>
-    <a:masterClrMapping/>
-  </p:clrMapOvr>
-  <p:timing>
-    <p:tnLst>
-      <p:par>
-        <p:cTn id="1" dur="indefinite" restart="never" nodeType="tmRoot"/>
-      </p:par>
-    </p:tnLst>
-  </p:timing>
-</p:sld>
-</file>
-
-<file path=ppt/slides/slide12.xml><?xml version="1.0" encoding="utf-8"?>
-<p:sld xmlns:a="http://schemas.openxmlformats.org/drawingml/2006/main" xmlns:r="http://schemas.openxmlformats.org/officeDocument/2006/relationships" xmlns:p="http://schemas.openxmlformats.org/presentationml/2006/main">
-  <p:cSld>
-    <p:spTree>
-      <p:nvGrpSpPr>
-        <p:cNvPr id="1" name=""/>
-        <p:cNvGrpSpPr/>
-        <p:nvPr/>
-      </p:nvGrpSpPr>
-      <p:grpSpPr>
-        <a:xfrm>
-          <a:off x="0" y="0"/>
-          <a:ext cx="0" cy="0"/>
-          <a:chOff x="0" y="0"/>
-          <a:chExt cx="0" cy="0"/>
-        </a:xfrm>
-      </p:grpSpPr>
-      <p:sp>
-        <p:nvSpPr>
-          <p:cNvPr id="2" name="タイトル 1"/>
-          <p:cNvSpPr>
-            <a:spLocks noGrp="1"/>
-          </p:cNvSpPr>
-          <p:nvPr>
-            <p:ph type="title"/>
-          </p:nvPr>
-        </p:nvSpPr>
-        <p:spPr>
-          <a:xfrm>
-            <a:off x="1451579" y="1112520"/>
-            <a:ext cx="9603275" cy="741234"/>
-          </a:xfrm>
-        </p:spPr>
-        <p:txBody>
-          <a:bodyPr>
-            <a:normAutofit/>
-          </a:bodyPr>
-          <a:lstStyle/>
-          <a:p>
-            <a:r>
-              <a:rPr lang="ja-JP" altLang="en-US" cap="none" dirty="0" smtClean="0">
-                <a:solidFill>
-                  <a:prstClr val="black"/>
-                </a:solidFill>
-              </a:rPr>
-              <a:t>実演</a:t>
-            </a:r>
-            <a:endParaRPr kumimoji="1" lang="ja-JP" altLang="en-US" sz="4800" dirty="0">
-              <a:latin typeface="+mj-ea"/>
-            </a:endParaRPr>
-          </a:p>
-        </p:txBody>
-      </p:sp>
-      <p:sp>
-        <p:nvSpPr>
-          <p:cNvPr id="3" name="コンテンツ プレースホルダー 2"/>
-          <p:cNvSpPr>
-            <a:spLocks noGrp="1"/>
-          </p:cNvSpPr>
-          <p:nvPr>
-            <p:ph idx="1"/>
-          </p:nvPr>
-        </p:nvSpPr>
-        <p:spPr/>
-        <p:txBody>
-          <a:bodyPr>
-            <a:normAutofit/>
-          </a:bodyPr>
-          <a:lstStyle/>
-          <a:p>
-            <a:endParaRPr lang="en-US" altLang="ja-JP" sz="3200" dirty="0" smtClean="0"/>
-          </a:p>
-        </p:txBody>
-      </p:sp>
-    </p:spTree>
-    <p:extLst>
-      <p:ext uri="{BB962C8B-B14F-4D97-AF65-F5344CB8AC3E}">
-        <p14:creationId xmlns:p14="http://schemas.microsoft.com/office/powerpoint/2010/main" val="1108337804"/>
+        <p14:creationId xmlns:p14="http://schemas.microsoft.com/office/powerpoint/2010/main" val="1703812435"/>
       </p:ext>
     </p:extLst>
   </p:cSld>
@@ -6710,6 +7509,30 @@
 <file path=ppt/slides/slide4.xml><?xml version="1.0" encoding="utf-8"?>
 <p:sld xmlns:a="http://schemas.openxmlformats.org/drawingml/2006/main" xmlns:r="http://schemas.openxmlformats.org/officeDocument/2006/relationships" xmlns:p="http://schemas.openxmlformats.org/presentationml/2006/main">
   <p:cSld>
+    <p:bg>
+      <p:bgPr>
+        <a:gradFill rotWithShape="1">
+          <a:gsLst>
+            <a:gs pos="0">
+              <a:schemeClr val="bg2">
+                <a:tint val="94000"/>
+                <a:satMod val="80000"/>
+                <a:lumMod val="106000"/>
+              </a:schemeClr>
+            </a:gs>
+            <a:gs pos="100000">
+              <a:schemeClr val="bg2">
+                <a:shade val="80000"/>
+              </a:schemeClr>
+            </a:gs>
+          </a:gsLst>
+          <a:path path="circle">
+            <a:fillToRect l="43000" r="43000" b="100000"/>
+          </a:path>
+        </a:gradFill>
+        <a:effectLst/>
+      </p:bgPr>
+    </p:bg>
     <p:spTree>
       <p:nvGrpSpPr>
         <p:cNvPr id="1" name=""/>
@@ -6726,6 +7549,751 @@
       </p:grpSpPr>
       <p:sp>
         <p:nvSpPr>
+          <p:cNvPr id="9" name="Rectangle 8">
+            <a:extLst>
+              <a:ext uri="{FF2B5EF4-FFF2-40B4-BE49-F238E27FC236}">
+                <a16:creationId xmlns:a16="http://schemas.microsoft.com/office/drawing/2014/main" xmlns="" id="{0CABCAE3-64FC-4149-819F-2C1812824154}"/>
+              </a:ext>
+            </a:extLst>
+          </p:cNvPr>
+          <p:cNvSpPr>
+            <a:spLocks noGrp="1" noRot="1" noChangeAspect="1" noMove="1" noResize="1" noEditPoints="1" noAdjustHandles="1" noChangeArrowheads="1" noChangeShapeType="1" noTextEdit="1"/>
+          </p:cNvSpPr>
+          <p:nvPr>
+            <p:extLst>
+              <p:ext uri="{386F3935-93C4-4BCD-93E2-E3B085C9AB24}">
+                <p16:designElem xmlns:p16="http://schemas.microsoft.com/office/powerpoint/2015/main" val="1"/>
+              </p:ext>
+            </p:extLst>
+          </p:nvPr>
+        </p:nvSpPr>
+        <p:spPr>
+          <a:xfrm>
+            <a:off x="0" y="2019476"/>
+            <a:ext cx="12192000" cy="4105941"/>
+          </a:xfrm>
+          <a:prstGeom prst="rect">
+            <a:avLst/>
+          </a:prstGeom>
+          <a:gradFill flip="none" rotWithShape="1">
+            <a:gsLst>
+              <a:gs pos="0">
+                <a:schemeClr val="bg2">
+                  <a:alpha val="0"/>
+                </a:schemeClr>
+              </a:gs>
+              <a:gs pos="100000">
+                <a:schemeClr val="bg2"/>
+              </a:gs>
+            </a:gsLst>
+            <a:lin ang="5400000" scaled="0"/>
+            <a:tileRect/>
+          </a:gradFill>
+          <a:ln>
+            <a:noFill/>
+          </a:ln>
+        </p:spPr>
+        <p:style>
+          <a:lnRef idx="2">
+            <a:schemeClr val="accent1">
+              <a:shade val="50000"/>
+            </a:schemeClr>
+          </a:lnRef>
+          <a:fillRef idx="1">
+            <a:schemeClr val="accent1"/>
+          </a:fillRef>
+          <a:effectRef idx="0">
+            <a:schemeClr val="accent1"/>
+          </a:effectRef>
+          <a:fontRef idx="minor">
+            <a:schemeClr val="lt1"/>
+          </a:fontRef>
+        </p:style>
+      </p:sp>
+      <p:pic>
+        <p:nvPicPr>
+          <p:cNvPr id="11" name="Picture 10">
+            <a:extLst>
+              <a:ext uri="{FF2B5EF4-FFF2-40B4-BE49-F238E27FC236}">
+                <a16:creationId xmlns:a16="http://schemas.microsoft.com/office/drawing/2014/main" xmlns="" id="{012FDCFE-9AD2-4D8A-8CBF-B3AA37EBF6DD}"/>
+              </a:ext>
+            </a:extLst>
+          </p:cNvPr>
+          <p:cNvPicPr>
+            <a:picLocks noGrp="1" noRot="1" noChangeAspect="1" noMove="1" noResize="1" noEditPoints="1" noAdjustHandles="1" noChangeArrowheads="1" noChangeShapeType="1" noCrop="1"/>
+          </p:cNvPicPr>
+          <p:nvPr>
+            <p:extLst>
+              <p:ext uri="{386F3935-93C4-4BCD-93E2-E3B085C9AB24}">
+                <p16:designElem xmlns:p16="http://schemas.microsoft.com/office/powerpoint/2015/main" val="1"/>
+              </p:ext>
+            </p:extLst>
+          </p:nvPr>
+        </p:nvPicPr>
+        <p:blipFill rotWithShape="1">
+          <a:blip r:embed="rId2">
+            <a:extLst>
+              <a:ext uri="{28A0092B-C50C-407E-A947-70E740481C1C}">
+                <a14:useLocalDpi xmlns:a14="http://schemas.microsoft.com/office/drawing/2010/main" val="0"/>
+              </a:ext>
+            </a:extLst>
+          </a:blip>
+          <a:srcRect t="1538" b="-1538"/>
+          <a:stretch/>
+        </p:blipFill>
+        <p:spPr bwMode="black">
+          <a:xfrm>
+            <a:off x="0" y="6126480"/>
+            <a:ext cx="12192000" cy="742950"/>
+          </a:xfrm>
+          <a:prstGeom prst="rect">
+            <a:avLst/>
+          </a:prstGeom>
+        </p:spPr>
+      </p:pic>
+      <p:cxnSp>
+        <p:nvCxnSpPr>
+          <p:cNvPr id="13" name="Straight Connector 12">
+            <a:extLst>
+              <a:ext uri="{FF2B5EF4-FFF2-40B4-BE49-F238E27FC236}">
+                <a16:creationId xmlns:a16="http://schemas.microsoft.com/office/drawing/2014/main" xmlns="" id="{FBD463FC-4CA8-4FF4-85A3-AF9F4B98D210}"/>
+              </a:ext>
+            </a:extLst>
+          </p:cNvPr>
+          <p:cNvCxnSpPr>
+            <a:cxnSpLocks noGrp="1" noRot="1" noChangeAspect="1" noMove="1" noResize="1" noEditPoints="1" noAdjustHandles="1" noChangeArrowheads="1" noChangeShapeType="1"/>
+          </p:cNvCxnSpPr>
+          <p:nvPr>
+            <p:extLst>
+              <p:ext uri="{386F3935-93C4-4BCD-93E2-E3B085C9AB24}">
+                <p16:designElem xmlns:p16="http://schemas.microsoft.com/office/powerpoint/2015/main" val="1"/>
+              </p:ext>
+            </p:extLst>
+          </p:nvPr>
+        </p:nvCxnSpPr>
+        <p:spPr>
+          <a:xfrm>
+            <a:off x="0" y="6128413"/>
+            <a:ext cx="12192000" cy="0"/>
+          </a:xfrm>
+          <a:prstGeom prst="line">
+            <a:avLst/>
+          </a:prstGeom>
+          <a:ln w="12700">
+            <a:solidFill>
+              <a:srgbClr val="000001">
+                <a:alpha val="20000"/>
+              </a:srgbClr>
+            </a:solidFill>
+          </a:ln>
+        </p:spPr>
+        <p:style>
+          <a:lnRef idx="1">
+            <a:schemeClr val="accent1"/>
+          </a:lnRef>
+          <a:fillRef idx="0">
+            <a:schemeClr val="accent1"/>
+          </a:fillRef>
+          <a:effectRef idx="0">
+            <a:schemeClr val="accent1"/>
+          </a:effectRef>
+          <a:fontRef idx="minor">
+            <a:schemeClr val="tx1"/>
+          </a:fontRef>
+        </p:style>
+      </p:cxnSp>
+      <p:cxnSp>
+        <p:nvCxnSpPr>
+          <p:cNvPr id="15" name="Straight Connector 14">
+            <a:extLst>
+              <a:ext uri="{FF2B5EF4-FFF2-40B4-BE49-F238E27FC236}">
+                <a16:creationId xmlns:a16="http://schemas.microsoft.com/office/drawing/2014/main" xmlns="" id="{A56012FD-74A8-4C91-B318-435CF2B71927}"/>
+              </a:ext>
+            </a:extLst>
+          </p:cNvPr>
+          <p:cNvCxnSpPr>
+            <a:cxnSpLocks noGrp="1" noRot="1" noChangeAspect="1" noMove="1" noResize="1" noEditPoints="1" noAdjustHandles="1" noChangeArrowheads="1" noChangeShapeType="1"/>
+          </p:cNvCxnSpPr>
+          <p:nvPr>
+            <p:extLst>
+              <p:ext uri="{386F3935-93C4-4BCD-93E2-E3B085C9AB24}">
+                <p16:designElem xmlns:p16="http://schemas.microsoft.com/office/powerpoint/2015/main" val="1"/>
+              </p:ext>
+            </p:extLst>
+          </p:nvPr>
+        </p:nvCxnSpPr>
+        <p:spPr>
+          <a:xfrm>
+            <a:off x="1453896" y="1847088"/>
+            <a:ext cx="9607522" cy="0"/>
+          </a:xfrm>
+          <a:prstGeom prst="line">
+            <a:avLst/>
+          </a:prstGeom>
+          <a:ln w="31750"/>
+        </p:spPr>
+        <p:style>
+          <a:lnRef idx="3">
+            <a:schemeClr val="accent1"/>
+          </a:lnRef>
+          <a:fillRef idx="0">
+            <a:schemeClr val="accent1"/>
+          </a:fillRef>
+          <a:effectRef idx="2">
+            <a:schemeClr val="accent1"/>
+          </a:effectRef>
+          <a:fontRef idx="minor">
+            <a:schemeClr val="tx1"/>
+          </a:fontRef>
+        </p:style>
+      </p:cxnSp>
+      <p:sp useBgFill="1">
+        <p:nvSpPr>
+          <p:cNvPr id="17" name="Rectangle 16">
+            <a:extLst>
+              <a:ext uri="{FF2B5EF4-FFF2-40B4-BE49-F238E27FC236}">
+                <a16:creationId xmlns:a16="http://schemas.microsoft.com/office/drawing/2014/main" xmlns="" id="{3193BA5C-B8F3-4972-BA54-014C48FAFA42}"/>
+              </a:ext>
+            </a:extLst>
+          </p:cNvPr>
+          <p:cNvSpPr>
+            <a:spLocks noGrp="1" noRot="1" noChangeAspect="1" noMove="1" noResize="1" noEditPoints="1" noAdjustHandles="1" noChangeArrowheads="1" noChangeShapeType="1" noTextEdit="1"/>
+          </p:cNvSpPr>
+          <p:nvPr>
+            <p:extLst>
+              <p:ext uri="{386F3935-93C4-4BCD-93E2-E3B085C9AB24}">
+                <p16:designElem xmlns:p16="http://schemas.microsoft.com/office/powerpoint/2015/main" val="1"/>
+              </p:ext>
+            </p:extLst>
+          </p:nvPr>
+        </p:nvSpPr>
+        <p:spPr>
+          <a:xfrm>
+            <a:off x="2" y="0"/>
+            <a:ext cx="12191695" cy="6858000"/>
+          </a:xfrm>
+          <a:prstGeom prst="rect">
+            <a:avLst/>
+          </a:prstGeom>
+          <a:ln>
+            <a:noFill/>
+          </a:ln>
+        </p:spPr>
+        <p:style>
+          <a:lnRef idx="2">
+            <a:schemeClr val="accent1">
+              <a:shade val="50000"/>
+            </a:schemeClr>
+          </a:lnRef>
+          <a:fillRef idx="1">
+            <a:schemeClr val="accent1"/>
+          </a:fillRef>
+          <a:effectRef idx="0">
+            <a:schemeClr val="accent1"/>
+          </a:effectRef>
+          <a:fontRef idx="minor">
+            <a:schemeClr val="lt1"/>
+          </a:fontRef>
+        </p:style>
+        <p:txBody>
+          <a:bodyPr rtlCol="0" anchor="ctr"/>
+          <a:lstStyle/>
+          <a:p>
+            <a:pPr algn="ctr"/>
+            <a:endParaRPr lang="en-US"/>
+          </a:p>
+        </p:txBody>
+      </p:sp>
+      <p:sp>
+        <p:nvSpPr>
+          <p:cNvPr id="19" name="Rectangle 18">
+            <a:extLst>
+              <a:ext uri="{FF2B5EF4-FFF2-40B4-BE49-F238E27FC236}">
+                <a16:creationId xmlns:a16="http://schemas.microsoft.com/office/drawing/2014/main" xmlns="" id="{05B93327-222A-4DAC-9163-371BF44CDB0C}"/>
+              </a:ext>
+            </a:extLst>
+          </p:cNvPr>
+          <p:cNvSpPr>
+            <a:spLocks noGrp="1" noRot="1" noChangeAspect="1" noMove="1" noResize="1" noEditPoints="1" noAdjustHandles="1" noChangeArrowheads="1" noChangeShapeType="1" noTextEdit="1"/>
+          </p:cNvSpPr>
+          <p:nvPr>
+            <p:extLst>
+              <p:ext uri="{386F3935-93C4-4BCD-93E2-E3B085C9AB24}">
+                <p16:designElem xmlns:p16="http://schemas.microsoft.com/office/powerpoint/2015/main" val="1"/>
+              </p:ext>
+            </p:extLst>
+          </p:nvPr>
+        </p:nvSpPr>
+        <p:spPr>
+          <a:xfrm>
+            <a:off x="0" y="2019476"/>
+            <a:ext cx="12192000" cy="4105941"/>
+          </a:xfrm>
+          <a:prstGeom prst="rect">
+            <a:avLst/>
+          </a:prstGeom>
+          <a:gradFill flip="none" rotWithShape="1">
+            <a:gsLst>
+              <a:gs pos="0">
+                <a:schemeClr val="bg2">
+                  <a:alpha val="0"/>
+                </a:schemeClr>
+              </a:gs>
+              <a:gs pos="100000">
+                <a:schemeClr val="bg2"/>
+              </a:gs>
+            </a:gsLst>
+            <a:lin ang="5400000" scaled="0"/>
+            <a:tileRect/>
+          </a:gradFill>
+          <a:ln>
+            <a:noFill/>
+          </a:ln>
+        </p:spPr>
+        <p:style>
+          <a:lnRef idx="2">
+            <a:schemeClr val="accent1">
+              <a:shade val="50000"/>
+            </a:schemeClr>
+          </a:lnRef>
+          <a:fillRef idx="1">
+            <a:schemeClr val="accent1"/>
+          </a:fillRef>
+          <a:effectRef idx="0">
+            <a:schemeClr val="accent1"/>
+          </a:effectRef>
+          <a:fontRef idx="minor">
+            <a:schemeClr val="lt1"/>
+          </a:fontRef>
+        </p:style>
+        <p:txBody>
+          <a:bodyPr rtlCol="0" anchor="ctr"/>
+          <a:lstStyle/>
+          <a:p>
+            <a:pPr lvl="0" algn="ctr"/>
+            <a:endParaRPr lang="en-US"/>
+          </a:p>
+        </p:txBody>
+      </p:sp>
+      <p:pic>
+        <p:nvPicPr>
+          <p:cNvPr id="21" name="Picture 20">
+            <a:extLst>
+              <a:ext uri="{FF2B5EF4-FFF2-40B4-BE49-F238E27FC236}">
+                <a16:creationId xmlns:a16="http://schemas.microsoft.com/office/drawing/2014/main" xmlns="" id="{C04ED70F-D6FD-4EB1-A171-D30F885FE73E}"/>
+              </a:ext>
+            </a:extLst>
+          </p:cNvPr>
+          <p:cNvPicPr>
+            <a:picLocks noGrp="1" noRot="1" noChangeAspect="1" noMove="1" noResize="1" noEditPoints="1" noAdjustHandles="1" noChangeArrowheads="1" noChangeShapeType="1" noCrop="1"/>
+          </p:cNvPicPr>
+          <p:nvPr>
+            <p:extLst>
+              <p:ext uri="{386F3935-93C4-4BCD-93E2-E3B085C9AB24}">
+                <p16:designElem xmlns:p16="http://schemas.microsoft.com/office/powerpoint/2015/main" val="1"/>
+              </p:ext>
+            </p:extLst>
+          </p:nvPr>
+        </p:nvPicPr>
+        <p:blipFill rotWithShape="1">
+          <a:blip r:embed="rId2">
+            <a:extLst>
+              <a:ext uri="{28A0092B-C50C-407E-A947-70E740481C1C}">
+                <a14:useLocalDpi xmlns:a14="http://schemas.microsoft.com/office/drawing/2010/main" val="0"/>
+              </a:ext>
+            </a:extLst>
+          </a:blip>
+          <a:srcRect t="1538" b="-1538"/>
+          <a:stretch/>
+        </p:blipFill>
+        <p:spPr bwMode="black">
+          <a:xfrm>
+            <a:off x="0" y="6126480"/>
+            <a:ext cx="12192000" cy="742950"/>
+          </a:xfrm>
+          <a:prstGeom prst="rect">
+            <a:avLst/>
+          </a:prstGeom>
+        </p:spPr>
+      </p:pic>
+      <p:cxnSp>
+        <p:nvCxnSpPr>
+          <p:cNvPr id="23" name="Straight Connector 22">
+            <a:extLst>
+              <a:ext uri="{FF2B5EF4-FFF2-40B4-BE49-F238E27FC236}">
+                <a16:creationId xmlns:a16="http://schemas.microsoft.com/office/drawing/2014/main" xmlns="" id="{DA26CAE9-74C4-4EDD-8A80-77F79EAA86F4}"/>
+              </a:ext>
+            </a:extLst>
+          </p:cNvPr>
+          <p:cNvCxnSpPr>
+            <a:cxnSpLocks noGrp="1" noRot="1" noChangeAspect="1" noMove="1" noResize="1" noEditPoints="1" noAdjustHandles="1" noChangeArrowheads="1" noChangeShapeType="1"/>
+          </p:cNvCxnSpPr>
+          <p:nvPr>
+            <p:extLst>
+              <p:ext uri="{386F3935-93C4-4BCD-93E2-E3B085C9AB24}">
+                <p16:designElem xmlns:p16="http://schemas.microsoft.com/office/powerpoint/2015/main" val="1"/>
+              </p:ext>
+            </p:extLst>
+          </p:nvPr>
+        </p:nvCxnSpPr>
+        <p:spPr>
+          <a:xfrm>
+            <a:off x="0" y="6128413"/>
+            <a:ext cx="12192000" cy="0"/>
+          </a:xfrm>
+          <a:prstGeom prst="line">
+            <a:avLst/>
+          </a:prstGeom>
+          <a:ln w="12700">
+            <a:solidFill>
+              <a:srgbClr val="000001">
+                <a:alpha val="20000"/>
+              </a:srgbClr>
+            </a:solidFill>
+          </a:ln>
+        </p:spPr>
+        <p:style>
+          <a:lnRef idx="1">
+            <a:schemeClr val="accent1"/>
+          </a:lnRef>
+          <a:fillRef idx="0">
+            <a:schemeClr val="accent1"/>
+          </a:fillRef>
+          <a:effectRef idx="0">
+            <a:schemeClr val="accent1"/>
+          </a:effectRef>
+          <a:fontRef idx="minor">
+            <a:schemeClr val="tx1"/>
+          </a:fontRef>
+        </p:style>
+      </p:cxnSp>
+      <p:grpSp>
+        <p:nvGrpSpPr>
+          <p:cNvPr id="25" name="Group 24">
+            <a:extLst>
+              <a:ext uri="{FF2B5EF4-FFF2-40B4-BE49-F238E27FC236}">
+                <a16:creationId xmlns:a16="http://schemas.microsoft.com/office/drawing/2014/main" xmlns="" id="{14EE34E3-F117-4487-8ACF-33DA65FA11B3}"/>
+              </a:ext>
+            </a:extLst>
+          </p:cNvPr>
+          <p:cNvGrpSpPr>
+            <a:grpSpLocks noGrp="1" noUngrp="1" noRot="1" noChangeAspect="1" noMove="1" noResize="1"/>
+          </p:cNvGrpSpPr>
+          <p:nvPr>
+            <p:extLst>
+              <p:ext uri="{386F3935-93C4-4BCD-93E2-E3B085C9AB24}">
+                <p16:designElem xmlns:p16="http://schemas.microsoft.com/office/powerpoint/2015/main" val="1"/>
+              </p:ext>
+            </p:extLst>
+          </p:nvPr>
+        </p:nvGrpSpPr>
+        <p:grpSpPr>
+          <a:xfrm>
+            <a:off x="5460131" y="482171"/>
+            <a:ext cx="6091791" cy="5149101"/>
+            <a:chOff x="5460131" y="482171"/>
+            <a:chExt cx="6091791" cy="5149101"/>
+          </a:xfrm>
+        </p:grpSpPr>
+        <p:sp>
+          <p:nvSpPr>
+            <p:cNvPr id="26" name="Rectangle 25">
+              <a:extLst>
+                <a:ext uri="{FF2B5EF4-FFF2-40B4-BE49-F238E27FC236}">
+                  <a16:creationId xmlns:a16="http://schemas.microsoft.com/office/drawing/2014/main" xmlns="" id="{39ACC02C-6424-4165-93C4-E83C8E81D462}"/>
+                </a:ext>
+              </a:extLst>
+            </p:cNvPr>
+            <p:cNvSpPr/>
+            <p:nvPr>
+              <p:extLst>
+                <p:ext uri="{386F3935-93C4-4BCD-93E2-E3B085C9AB24}">
+                  <p16:designElem xmlns:p16="http://schemas.microsoft.com/office/powerpoint/2015/main" val="1"/>
+                </p:ext>
+              </p:extLst>
+            </p:nvPr>
+          </p:nvSpPr>
+          <p:spPr>
+            <a:xfrm>
+              <a:off x="5460131" y="482171"/>
+              <a:ext cx="6091791" cy="5149101"/>
+            </a:xfrm>
+            <a:prstGeom prst="rect">
+              <a:avLst/>
+            </a:prstGeom>
+            <a:gradFill>
+              <a:gsLst>
+                <a:gs pos="0">
+                  <a:srgbClr val="000001"/>
+                </a:gs>
+                <a:gs pos="100000">
+                  <a:srgbClr val="191919"/>
+                </a:gs>
+              </a:gsLst>
+            </a:gradFill>
+            <a:ln w="76200" cmpd="sng">
+              <a:noFill/>
+              <a:miter lim="800000"/>
+            </a:ln>
+            <a:effectLst>
+              <a:outerShdw blurRad="127000" dist="228600" dir="4740000" sx="98000" sy="98000" algn="tl" rotWithShape="0">
+                <a:srgbClr val="000000">
+                  <a:alpha val="34000"/>
+                </a:srgbClr>
+              </a:outerShdw>
+            </a:effectLst>
+            <a:scene3d>
+              <a:camera prst="orthographicFront"/>
+              <a:lightRig rig="threePt" dir="t"/>
+            </a:scene3d>
+            <a:sp3d>
+              <a:bevelT w="152400" h="50800" prst="softRound"/>
+            </a:sp3d>
+          </p:spPr>
+          <p:style>
+            <a:lnRef idx="1">
+              <a:schemeClr val="accent1"/>
+            </a:lnRef>
+            <a:fillRef idx="3">
+              <a:schemeClr val="accent1"/>
+            </a:fillRef>
+            <a:effectRef idx="2">
+              <a:schemeClr val="accent1"/>
+            </a:effectRef>
+            <a:fontRef idx="minor">
+              <a:schemeClr val="lt1"/>
+            </a:fontRef>
+          </p:style>
+          <p:txBody>
+            <a:bodyPr rtlCol="0" anchor="ctr"/>
+            <a:lstStyle/>
+            <a:p>
+              <a:pPr algn="ctr"/>
+              <a:endParaRPr lang="en-US"/>
+            </a:p>
+          </p:txBody>
+        </p:sp>
+        <p:sp>
+          <p:nvSpPr>
+            <p:cNvPr id="27" name="Rectangle 26">
+              <a:extLst>
+                <a:ext uri="{FF2B5EF4-FFF2-40B4-BE49-F238E27FC236}">
+                  <a16:creationId xmlns:a16="http://schemas.microsoft.com/office/drawing/2014/main" xmlns="" id="{C182CB9C-C978-4C9B-9AAD-8B1341897550}"/>
+                </a:ext>
+              </a:extLst>
+            </p:cNvPr>
+            <p:cNvSpPr/>
+            <p:nvPr>
+              <p:extLst>
+                <p:ext uri="{386F3935-93C4-4BCD-93E2-E3B085C9AB24}">
+                  <p16:designElem xmlns:p16="http://schemas.microsoft.com/office/powerpoint/2015/main" val="1"/>
+                </p:ext>
+              </p:extLst>
+            </p:nvPr>
+          </p:nvSpPr>
+          <p:spPr>
+            <a:xfrm>
+              <a:off x="5778956" y="812507"/>
+              <a:ext cx="5461780" cy="4466452"/>
+            </a:xfrm>
+            <a:prstGeom prst="rect">
+              <a:avLst/>
+            </a:prstGeom>
+            <a:gradFill>
+              <a:gsLst>
+                <a:gs pos="0">
+                  <a:srgbClr val="DADADA"/>
+                </a:gs>
+                <a:gs pos="100000">
+                  <a:srgbClr val="FFFFFE"/>
+                </a:gs>
+              </a:gsLst>
+              <a:lin ang="16200000" scaled="0"/>
+            </a:gradFill>
+            <a:ln w="50800" cmpd="sng">
+              <a:solidFill>
+                <a:srgbClr val="191919"/>
+              </a:solidFill>
+              <a:miter lim="800000"/>
+            </a:ln>
+            <a:effectLst>
+              <a:innerShdw blurRad="63500" dist="88900" dir="14100000">
+                <a:srgbClr val="000000">
+                  <a:alpha val="30000"/>
+                </a:srgbClr>
+              </a:innerShdw>
+            </a:effectLst>
+            <a:scene3d>
+              <a:camera prst="orthographicFront"/>
+              <a:lightRig rig="threePt" dir="t"/>
+            </a:scene3d>
+            <a:sp3d>
+              <a:bevelT prst="relaxedInset"/>
+            </a:sp3d>
+          </p:spPr>
+          <p:style>
+            <a:lnRef idx="1">
+              <a:schemeClr val="accent1"/>
+            </a:lnRef>
+            <a:fillRef idx="3">
+              <a:schemeClr val="accent1"/>
+            </a:fillRef>
+            <a:effectRef idx="2">
+              <a:schemeClr val="accent1"/>
+            </a:effectRef>
+            <a:fontRef idx="minor">
+              <a:schemeClr val="lt1"/>
+            </a:fontRef>
+          </p:style>
+          <p:txBody>
+            <a:bodyPr rtlCol="0" anchor="ctr"/>
+            <a:lstStyle/>
+            <a:p>
+              <a:pPr algn="ctr"/>
+              <a:endParaRPr lang="en-US"/>
+            </a:p>
+          </p:txBody>
+        </p:sp>
+      </p:grpSp>
+      <p:sp>
+        <p:nvSpPr>
+          <p:cNvPr id="29" name="Rectangle 28">
+            <a:extLst>
+              <a:ext uri="{FF2B5EF4-FFF2-40B4-BE49-F238E27FC236}">
+                <a16:creationId xmlns:a16="http://schemas.microsoft.com/office/drawing/2014/main" xmlns="" id="{56388820-A63D-463C-9DBC-060A5ABE33B6}"/>
+              </a:ext>
+            </a:extLst>
+          </p:cNvPr>
+          <p:cNvSpPr>
+            <a:spLocks noGrp="1" noRot="1" noChangeAspect="1" noMove="1" noResize="1" noEditPoints="1" noAdjustHandles="1" noChangeArrowheads="1" noChangeShapeType="1" noTextEdit="1"/>
+          </p:cNvSpPr>
+          <p:nvPr>
+            <p:extLst>
+              <p:ext uri="{386F3935-93C4-4BCD-93E2-E3B085C9AB24}">
+                <p16:designElem xmlns:p16="http://schemas.microsoft.com/office/powerpoint/2015/main" val="1"/>
+              </p:ext>
+            </p:extLst>
+          </p:nvPr>
+        </p:nvSpPr>
+        <p:spPr>
+          <a:xfrm>
+            <a:off x="5942379" y="977965"/>
+            <a:ext cx="5134631" cy="4135339"/>
+          </a:xfrm>
+          <a:prstGeom prst="rect">
+            <a:avLst/>
+          </a:prstGeom>
+          <a:solidFill>
+            <a:schemeClr val="bg1"/>
+          </a:solidFill>
+          <a:ln w="6350">
+            <a:solidFill>
+              <a:schemeClr val="bg2"/>
+            </a:solidFill>
+          </a:ln>
+        </p:spPr>
+        <p:style>
+          <a:lnRef idx="2">
+            <a:schemeClr val="accent1">
+              <a:shade val="50000"/>
+            </a:schemeClr>
+          </a:lnRef>
+          <a:fillRef idx="1">
+            <a:schemeClr val="accent1"/>
+          </a:fillRef>
+          <a:effectRef idx="0">
+            <a:schemeClr val="accent1"/>
+          </a:effectRef>
+          <a:fontRef idx="minor">
+            <a:schemeClr val="lt1"/>
+          </a:fontRef>
+        </p:style>
+        <p:txBody>
+          <a:bodyPr rtlCol="0" anchor="ctr"/>
+          <a:lstStyle/>
+          <a:p>
+            <a:pPr algn="ctr"/>
+            <a:endParaRPr lang="en-US"/>
+          </a:p>
+        </p:txBody>
+      </p:sp>
+      <p:cxnSp>
+        <p:nvCxnSpPr>
+          <p:cNvPr id="31" name="Straight Connector 30">
+            <a:extLst>
+              <a:ext uri="{FF2B5EF4-FFF2-40B4-BE49-F238E27FC236}">
+                <a16:creationId xmlns:a16="http://schemas.microsoft.com/office/drawing/2014/main" xmlns="" id="{D7162BAB-C25E-4CE9-B87C-F118DC7E7C22}"/>
+              </a:ext>
+            </a:extLst>
+          </p:cNvPr>
+          <p:cNvCxnSpPr>
+            <a:cxnSpLocks noGrp="1" noRot="1" noChangeAspect="1" noMove="1" noResize="1" noEditPoints="1" noAdjustHandles="1" noChangeArrowheads="1" noChangeShapeType="1"/>
+          </p:cNvCxnSpPr>
+          <p:nvPr>
+            <p:extLst>
+              <p:ext uri="{386F3935-93C4-4BCD-93E2-E3B085C9AB24}">
+                <p16:designElem xmlns:p16="http://schemas.microsoft.com/office/powerpoint/2015/main" val="1"/>
+              </p:ext>
+            </p:extLst>
+          </p:nvPr>
+        </p:nvCxnSpPr>
+        <p:spPr>
+          <a:xfrm>
+            <a:off x="1453896" y="1847088"/>
+            <a:ext cx="3530885" cy="0"/>
+          </a:xfrm>
+          <a:prstGeom prst="line">
+            <a:avLst/>
+          </a:prstGeom>
+          <a:ln w="31750"/>
+        </p:spPr>
+        <p:style>
+          <a:lnRef idx="3">
+            <a:schemeClr val="accent1"/>
+          </a:lnRef>
+          <a:fillRef idx="0">
+            <a:schemeClr val="accent1"/>
+          </a:fillRef>
+          <a:effectRef idx="2">
+            <a:schemeClr val="accent1"/>
+          </a:effectRef>
+          <a:fontRef idx="minor">
+            <a:schemeClr val="tx1"/>
+          </a:fontRef>
+        </p:style>
+      </p:cxnSp>
+      <p:pic>
+        <p:nvPicPr>
+          <p:cNvPr id="4" name="図 3"/>
+          <p:cNvPicPr>
+            <a:picLocks noChangeAspect="1"/>
+          </p:cNvPicPr>
+          <p:nvPr/>
+        </p:nvPicPr>
+        <p:blipFill>
+          <a:blip r:embed="rId3">
+            <a:extLst>
+              <a:ext uri="{28A0092B-C50C-407E-A947-70E740481C1C}">
+                <a14:useLocalDpi xmlns:a14="http://schemas.microsoft.com/office/drawing/2010/main" val="0"/>
+              </a:ext>
+            </a:extLst>
+          </a:blip>
+          <a:stretch>
+            <a:fillRect/>
+          </a:stretch>
+        </p:blipFill>
+        <p:spPr>
+          <a:xfrm>
+            <a:off x="6667208" y="1116345"/>
+            <a:ext cx="3674987" cy="3866172"/>
+          </a:xfrm>
+          <a:prstGeom prst="rect">
+            <a:avLst/>
+          </a:prstGeom>
+        </p:spPr>
+      </p:pic>
+      <p:sp>
+        <p:nvSpPr>
           <p:cNvPr id="2" name="タイトル 1"/>
           <p:cNvSpPr>
             <a:spLocks noGrp="1"/>
@@ -6736,72 +8304,73 @@
         </p:nvSpPr>
         <p:spPr>
           <a:xfrm>
-            <a:off x="1451579" y="1112520"/>
-            <a:ext cx="9603275" cy="741234"/>
-          </a:xfrm>
-        </p:spPr>
-        <p:txBody>
-          <a:bodyPr>
-            <a:normAutofit fontScale="90000"/>
-          </a:bodyPr>
-          <a:lstStyle/>
-          <a:p>
-            <a:r>
-              <a:rPr kumimoji="1" lang="ja-JP" altLang="en-US" sz="4800" dirty="0" smtClean="0">
-                <a:latin typeface="+mj-ea"/>
-              </a:rPr>
-              <a:t>勝利判定</a:t>
-            </a:r>
-            <a:endParaRPr kumimoji="1" lang="ja-JP" altLang="en-US" sz="4800" dirty="0">
-              <a:latin typeface="+mj-ea"/>
-            </a:endParaRPr>
-          </a:p>
-        </p:txBody>
-      </p:sp>
-      <p:sp>
-        <p:nvSpPr>
-          <p:cNvPr id="3" name="コンテンツ プレースホルダー 2"/>
-          <p:cNvSpPr>
-            <a:spLocks noGrp="1"/>
-          </p:cNvSpPr>
-          <p:nvPr>
-            <p:ph idx="1"/>
-          </p:nvPr>
-        </p:nvSpPr>
-        <p:spPr/>
-        <p:txBody>
-          <a:bodyPr>
+            <a:off x="1451580" y="804520"/>
+            <a:ext cx="3530157" cy="1049235"/>
+          </a:xfrm>
+        </p:spPr>
+        <p:txBody>
+          <a:bodyPr vert="horz" lIns="91440" tIns="45720" rIns="91440" bIns="45720" rtlCol="0" anchor="t">
             <a:normAutofit/>
           </a:bodyPr>
           <a:lstStyle/>
           <a:p>
             <a:r>
-              <a:rPr lang="ja-JP" altLang="en-US" sz="3200" dirty="0" smtClean="0"/>
+              <a:rPr kumimoji="1" lang="ja-JP" altLang="en-US" dirty="0"/>
+              <a:t>勝利判定</a:t>
+            </a:r>
+            <a:endParaRPr kumimoji="1" lang="en-US" altLang="ja-JP" dirty="0"/>
+          </a:p>
+        </p:txBody>
+      </p:sp>
+      <p:sp>
+        <p:nvSpPr>
+          <p:cNvPr id="3" name="コンテンツ プレースホルダー 2"/>
+          <p:cNvSpPr>
+            <a:spLocks noGrp="1"/>
+          </p:cNvSpPr>
+          <p:nvPr>
+            <p:ph idx="1"/>
+          </p:nvPr>
+        </p:nvSpPr>
+        <p:spPr>
+          <a:xfrm>
+            <a:off x="1451581" y="2015732"/>
+            <a:ext cx="3526523" cy="3450613"/>
+          </a:xfrm>
+        </p:spPr>
+        <p:txBody>
+          <a:bodyPr vert="horz" lIns="91440" tIns="45720" rIns="91440" bIns="45720" rtlCol="0" anchor="t">
+            <a:normAutofit/>
+          </a:bodyPr>
+          <a:lstStyle/>
+          <a:p>
+            <a:r>
+              <a:rPr lang="ja-JP" altLang="en-US" dirty="0"/>
               <a:t>盤面のある箱に注目する</a:t>
             </a:r>
-            <a:endParaRPr lang="en-US" altLang="ja-JP" sz="3200" dirty="0" smtClean="0"/>
-          </a:p>
-          <a:p>
-            <a:r>
-              <a:rPr lang="ja-JP" altLang="en-US" sz="3200" dirty="0" smtClean="0"/>
-              <a:t>その箱が始点となる</a:t>
-            </a:r>
-            <a:r>
-              <a:rPr lang="en-US" altLang="ja-JP" sz="3200" dirty="0" smtClean="0"/>
+            <a:endParaRPr lang="en-US" altLang="ja-JP" dirty="0"/>
+          </a:p>
+          <a:p>
+            <a:r>
+              <a:rPr lang="ja-JP" altLang="en-US" dirty="0"/>
+              <a:t>箱を始点に</a:t>
+            </a:r>
+            <a:r>
+              <a:rPr lang="en-US" altLang="ja-JP" dirty="0"/>
               <a:t>4</a:t>
             </a:r>
             <a:r>
-              <a:rPr lang="ja-JP" altLang="en-US" sz="3200" dirty="0" smtClean="0"/>
-              <a:t>つの箱の並びが</a:t>
-            </a:r>
-            <a:endParaRPr lang="en-US" altLang="ja-JP" sz="3200" dirty="0" smtClean="0"/>
+              <a:rPr lang="ja-JP" altLang="en-US"/>
+              <a:t>方向について判定</a:t>
+            </a:r>
+            <a:endParaRPr lang="en-US" altLang="ja-JP" dirty="0"/>
           </a:p>
         </p:txBody>
       </p:sp>
     </p:spTree>
     <p:extLst>
       <p:ext uri="{BB962C8B-B14F-4D97-AF65-F5344CB8AC3E}">
-        <p14:creationId xmlns:p14="http://schemas.microsoft.com/office/powerpoint/2010/main" val="544632155"/>
+        <p14:creationId xmlns:p14="http://schemas.microsoft.com/office/powerpoint/2010/main" val="833089835"/>
       </p:ext>
     </p:extLst>
   </p:cSld>
@@ -7255,11 +8824,7 @@
           <a:p>
             <a:r>
               <a:rPr lang="en-US" altLang="ja-JP" sz="3200" dirty="0" err="1" smtClean="0"/>
-              <a:t>v</a:t>
-            </a:r>
-            <a:r>
-              <a:rPr lang="en-US" altLang="ja-JP" sz="3200" dirty="0" err="1" smtClean="0"/>
-              <a:t>_plays,d_plays</a:t>
+              <a:t>v_plays,d_plays</a:t>
             </a:r>
             <a:r>
               <a:rPr lang="ja-JP" altLang="en-US" sz="3200" dirty="0" smtClean="0"/>
@@ -7367,30 +8932,14 @@
           <a:p>
             <a:r>
               <a:rPr lang="ja-JP" altLang="en-US" sz="3200" dirty="0" smtClean="0"/>
-              <a:t>ランダム</a:t>
-            </a:r>
-            <a:r>
-              <a:rPr lang="ja-JP" altLang="en-US" sz="3200" dirty="0" smtClean="0"/>
-              <a:t>でなるべく中央に箱</a:t>
-            </a:r>
-            <a:r>
-              <a:rPr lang="ja-JP" altLang="en-US" sz="3200" dirty="0" smtClean="0"/>
-              <a:t>を</a:t>
-            </a:r>
-            <a:r>
-              <a:rPr lang="ja-JP" altLang="en-US" sz="3200" dirty="0" smtClean="0"/>
-              <a:t>置く→正規分布</a:t>
+              <a:t>ランダムでなるべく中央に箱を置く→正規分布</a:t>
             </a:r>
             <a:endParaRPr lang="en-US" altLang="ja-JP" sz="3200" dirty="0" smtClean="0"/>
           </a:p>
           <a:p>
             <a:r>
               <a:rPr lang="en-US" altLang="ja-JP" sz="3200" dirty="0" err="1" smtClean="0"/>
-              <a:t>v</a:t>
-            </a:r>
-            <a:r>
-              <a:rPr lang="en-US" altLang="ja-JP" sz="3200" dirty="0" err="1" smtClean="0"/>
-              <a:t>_plays,d_plays</a:t>
+              <a:t>v_plays,d_plays</a:t>
             </a:r>
             <a:r>
               <a:rPr lang="ja-JP" altLang="en-US" sz="3200" dirty="0" smtClean="0"/>
